--- a/help/data-sheets/assets/DMeStandardSupportDatasheet_2022.pptx
+++ b/help/data-sheets/assets/DMeStandardSupportDatasheet_2022.pptx
@@ -553,7 +553,7 @@
           <a:p>
             <a:fld id="{A438815C-EDE5-F947-A55F-7634403F36C4}" type="datetimeFigureOut">
               <a:rPr lang="en-US" smtClean="0"/>
-              <a:t>3/3/2022</a:t>
+              <a:t>3/25/2022</a:t>
             </a:fld>
             <a:endParaRPr lang="en-US" dirty="0"/>
           </a:p>
@@ -1176,7 +1176,7 @@
           <a:p>
             <a:fld id="{1D8BD707-D9CF-40AE-B4C6-C98DA3205C09}" type="datetimeFigureOut">
               <a:rPr lang="en-US"/>
-              <a:t>3/3/2022</a:t>
+              <a:t>3/25/2022</a:t>
             </a:fld>
             <a:endParaRPr lang="en-US" dirty="0"/>
           </a:p>
@@ -1331,7 +1331,7 @@
           <a:p>
             <a:fld id="{1D8BD707-D9CF-40AE-B4C6-C98DA3205C09}" type="datetimeFigureOut">
               <a:rPr lang="en-US"/>
-              <a:t>3/3/2022</a:t>
+              <a:t>3/25/2022</a:t>
             </a:fld>
             <a:endParaRPr lang="en-US" dirty="0"/>
           </a:p>
@@ -1634,7 +1634,7 @@
           <a:p>
             <a:fld id="{1D8BD707-D9CF-40AE-B4C6-C98DA3205C09}" type="datetimeFigureOut">
               <a:rPr lang="en-US"/>
-              <a:t>3/3/2022</a:t>
+              <a:t>3/25/2022</a:t>
             </a:fld>
             <a:endParaRPr lang="en-US" dirty="0"/>
           </a:p>
@@ -1860,7 +1860,7 @@
         <p:spPr>
           <a:xfrm>
             <a:off x="95250" y="7228840"/>
-            <a:ext cx="4095750" cy="227626"/>
+            <a:ext cx="4095750" cy="212238"/>
           </a:xfrm>
           <a:prstGeom prst="rect">
             <a:avLst/>
@@ -1881,7 +1881,7 @@
               </a:spcBef>
             </a:pPr>
             <a:r>
-              <a:rPr sz="1400" b="1" u="heavy" spc="10" dirty="0">
+              <a:rPr lang="fr-FR" sz="1300" b="1" u="heavy" dirty="0">
                 <a:solidFill>
                   <a:srgbClr val="020302"/>
                 </a:solidFill>
@@ -1893,87 +1893,8 @@
                 <a:latin typeface="Adobe Clean"/>
                 <a:cs typeface="Adobe Clean"/>
               </a:rPr>
-              <a:t>Service </a:t>
+              <a:t>Cibles du niveau de service : Réponse initiale</a:t>
             </a:r>
-            <a:r>
-              <a:rPr lang="en-US" sz="1400" b="1" u="heavy" spc="-10" dirty="0">
-                <a:solidFill>
-                  <a:srgbClr val="020302"/>
-                </a:solidFill>
-                <a:uFill>
-                  <a:solidFill>
-                    <a:srgbClr val="020302"/>
-                  </a:solidFill>
-                </a:uFill>
-                <a:latin typeface="Adobe Clean"/>
-                <a:cs typeface="Adobe Clean"/>
-              </a:rPr>
-              <a:t>Level </a:t>
-            </a:r>
-            <a:r>
-              <a:rPr lang="en-US" sz="1400" b="1" u="heavy" spc="-45" dirty="0">
-                <a:solidFill>
-                  <a:srgbClr val="020302"/>
-                </a:solidFill>
-                <a:uFill>
-                  <a:solidFill>
-                    <a:srgbClr val="020302"/>
-                  </a:solidFill>
-                </a:uFill>
-                <a:latin typeface="Adobe Clean"/>
-                <a:cs typeface="Adobe Clean"/>
-              </a:rPr>
-              <a:t>Targets: </a:t>
-            </a:r>
-            <a:r>
-              <a:rPr lang="en-US" sz="1400" b="1" u="heavy" spc="-10" dirty="0">
-                <a:solidFill>
-                  <a:srgbClr val="020302"/>
-                </a:solidFill>
-                <a:uFill>
-                  <a:solidFill>
-                    <a:srgbClr val="020302"/>
-                  </a:solidFill>
-                </a:uFill>
-                <a:latin typeface="Adobe Clean"/>
-                <a:cs typeface="Adobe Clean"/>
-              </a:rPr>
-              <a:t>Initial</a:t>
-            </a:r>
-            <a:r>
-              <a:rPr lang="en-US" sz="1400" b="1" u="heavy" spc="-140" dirty="0">
-                <a:solidFill>
-                  <a:srgbClr val="020302"/>
-                </a:solidFill>
-                <a:uFill>
-                  <a:solidFill>
-                    <a:srgbClr val="020302"/>
-                  </a:solidFill>
-                </a:uFill>
-                <a:latin typeface="Adobe Clean"/>
-                <a:cs typeface="Adobe Clean"/>
-              </a:rPr>
-              <a:t> </a:t>
-            </a:r>
-            <a:r>
-              <a:rPr lang="en-US" sz="1400" b="1" u="heavy" spc="-15" dirty="0">
-                <a:solidFill>
-                  <a:srgbClr val="020302"/>
-                </a:solidFill>
-                <a:uFill>
-                  <a:solidFill>
-                    <a:srgbClr val="020302"/>
-                  </a:solidFill>
-                </a:uFill>
-                <a:latin typeface="Adobe Clean"/>
-                <a:cs typeface="Adobe Clean"/>
-              </a:rPr>
-              <a:t>Response</a:t>
-            </a:r>
-            <a:endParaRPr sz="1400" dirty="0">
-              <a:latin typeface="Adobe Clean"/>
-              <a:cs typeface="Adobe Clean"/>
-            </a:endParaRPr>
           </a:p>
         </p:txBody>
       </p:sp>
@@ -2015,7 +1936,7 @@
         <p:spPr>
           <a:xfrm>
             <a:off x="102031" y="580032"/>
-            <a:ext cx="6134100" cy="1127232"/>
+            <a:ext cx="5841569" cy="1271758"/>
           </a:xfrm>
           <a:prstGeom prst="rect">
             <a:avLst/>
@@ -2036,28 +1957,22 @@
               </a:spcBef>
             </a:pPr>
             <a:r>
-              <a:rPr lang="en-US" sz="1200" b="1" dirty="0">
+              <a:rPr lang="fr-FR" sz="1100" b="1" dirty="0">
                 <a:solidFill>
                   <a:schemeClr val="bg1"/>
                 </a:solidFill>
               </a:rPr>
-              <a:t>Standard</a:t>
+              <a:t>Standard | </a:t>
             </a:r>
             <a:r>
-              <a:rPr lang="en-US" sz="1200" dirty="0">
+              <a:rPr lang="fr-FR" sz="1100" dirty="0">
                 <a:solidFill>
                   <a:schemeClr val="bg1"/>
                 </a:solidFill>
                 <a:latin typeface="Adobe Clean Light" panose="020B0303020404020204" pitchFamily="34" charset="0"/>
               </a:rPr>
-              <a:t> | Business | Enterprise | Elite</a:t>
+              <a:t>Commerciale | Entreprise | Elite</a:t>
             </a:r>
-            <a:endParaRPr lang="en-US" sz="900" dirty="0">
-              <a:solidFill>
-                <a:schemeClr val="bg1"/>
-              </a:solidFill>
-              <a:latin typeface="Adobe Clean Light" panose="020B0303020404020204" pitchFamily="34" charset="0"/>
-            </a:endParaRPr>
           </a:p>
           <a:p>
             <a:pPr marL="12700" marR="5080">
@@ -2069,16 +1984,34 @@
               </a:spcBef>
             </a:pPr>
             <a:r>
-              <a:rPr lang="en-US" sz="1000" dirty="0">
+              <a:rPr lang="fr-FR" sz="900" dirty="0">
                 <a:solidFill>
                   <a:schemeClr val="bg1"/>
                 </a:solidFill>
                 <a:latin typeface="Adobe Clean SemiLight"/>
               </a:rPr>
-              <a:t>Adobe provides a comprehensive range of technical resources to help support your business included as part of your Adobe enterprise subscription. Standard support includes 24x7 access to our self-help support resources including articles on HelpX and engagement with other customers on Adobe Community. You can take advantage of our detailed and in-depth technical product documentation and current release notes published on </a:t>
+              <a:t>Adobe offre une gamme complète de ressources techniques afin d’appuyer votre entreprise. Elles sont comprises dans votre abonnement à la licence pour les entreprises d’Adobe. L’assistance standard offre un accès 24h/24 et 7j/7 à nos ressources d’aide en libre-service, notamment à des articles sur </a:t>
             </a:r>
             <a:r>
-              <a:rPr lang="en-US" sz="1000" u="sng" dirty="0">
+              <a:rPr lang="fr-FR" sz="900" dirty="0" err="1">
+                <a:solidFill>
+                  <a:schemeClr val="bg1"/>
+                </a:solidFill>
+                <a:latin typeface="Adobe Clean SemiLight"/>
+              </a:rPr>
+              <a:t>HelpX</a:t>
+            </a:r>
+            <a:r>
+              <a:rPr lang="fr-FR" sz="900" dirty="0">
+                <a:solidFill>
+                  <a:schemeClr val="bg1"/>
+                </a:solidFill>
+                <a:latin typeface="Adobe Clean SemiLight"/>
+              </a:rPr>
+              <a:t>, et la possibilité d’échanger avec d’autres clients sur la communauté Adobe. Vous pouvez tirer profit de notre documentation technique détaillée et approfondie sur les produits, ainsi que de nos notes de mise à jour actuelles publiées sur </a:t>
+            </a:r>
+            <a:r>
+              <a:rPr lang="fr-FR" sz="900" u="sng" dirty="0">
                 <a:solidFill>
                   <a:schemeClr val="bg1"/>
                 </a:solidFill>
@@ -2091,10 +2024,10 @@
                   </a:extLst>
                 </a:hlinkClick>
               </a:rPr>
-              <a:t>http://www.adobe.com</a:t>
+              <a:t>http://www.adobe.com/</a:t>
             </a:r>
             <a:r>
-              <a:rPr lang="en-US" sz="1000" u="sng" dirty="0">
+              <a:rPr lang="fr-FR" sz="900" u="sng" dirty="0">
                 <a:solidFill>
                   <a:schemeClr val="bg1"/>
                 </a:solidFill>
@@ -2103,21 +2036,14 @@
               <a:t>. </a:t>
             </a:r>
             <a:r>
-              <a:rPr lang="en-US" sz="1000" dirty="0">
+              <a:rPr lang="fr-FR" sz="900" dirty="0">
                 <a:solidFill>
                   <a:schemeClr val="bg1"/>
                 </a:solidFill>
                 <a:latin typeface="Adobe Clean SemiLight"/>
               </a:rPr>
-              <a:t>Our standard support also includes 24x7 access for Authorized Users (Admins) to our technical support teams via chat or telephone as well as the ability to log requests for assistance via our support web portal. </a:t>
+              <a:t>Notre assistance standard permet également aux utilisateurs autorisés (admin) d’accéder 24h/24 et 7/7 à nos équipes d’assistance technique par chat ou téléphone, et également d’envoyer des requêtes depuis notre portail web d’assistance pour obtenir de l’aide. </a:t>
             </a:r>
-            <a:endParaRPr lang="en-US" sz="1000" dirty="0">
-              <a:solidFill>
-                <a:schemeClr val="bg1"/>
-              </a:solidFill>
-              <a:latin typeface="Adobe Clean Light" panose="020B0303020404020204" pitchFamily="34" charset="0"/>
-              <a:cs typeface="AdobeClean-Light"/>
-            </a:endParaRPr>
           </a:p>
         </p:txBody>
       </p:sp>
@@ -2159,7 +2085,7 @@
           <p:nvPr>
             <p:extLst>
               <p:ext uri="{D42A27DB-BD31-4B8C-83A1-F6EECF244321}">
-                <p14:modId xmlns:p14="http://schemas.microsoft.com/office/powerpoint/2010/main" val="3167048013"/>
+                <p14:modId xmlns:p14="http://schemas.microsoft.com/office/powerpoint/2010/main" val="3566046569"/>
               </p:ext>
             </p:extLst>
           </p:nvPr>
@@ -2260,29 +2186,15 @@
                         </a:spcBef>
                       </a:pPr>
                       <a:r>
-                        <a:rPr lang="en-US" sz="1000" spc="0" dirty="0">
+                        <a:rPr lang="fr-FR" sz="1000" dirty="0">
                           <a:solidFill>
                             <a:srgbClr val="404040"/>
                           </a:solidFill>
                           <a:latin typeface="Adobe Clean"/>
                           <a:cs typeface="Adobe Clean"/>
                         </a:rPr>
-                        <a:t>Standard </a:t>
+                        <a:t>Assistance standard</a:t>
                       </a:r>
-                      <a:r>
-                        <a:rPr sz="1000" spc="0" dirty="0">
-                          <a:solidFill>
-                            <a:srgbClr val="404040"/>
-                          </a:solidFill>
-                          <a:latin typeface="Adobe Clean"/>
-                          <a:cs typeface="Adobe Clean"/>
-                        </a:rPr>
-                        <a:t>Support</a:t>
-                      </a:r>
-                      <a:endParaRPr sz="1000" spc="0" dirty="0">
-                        <a:latin typeface="Adobe Clean"/>
-                        <a:cs typeface="Adobe Clean"/>
-                      </a:endParaRPr>
                     </a:p>
                   </a:txBody>
                   <a:tcPr marL="0" marR="0" marT="7620" marB="0" anchor="ctr">
@@ -2317,39 +2229,113 @@
                         </a:spcBef>
                       </a:pPr>
                       <a:r>
-                        <a:rPr sz="1000" spc="0" dirty="0">
+                        <a:rPr lang="fr-FR" sz="1000">
                           <a:solidFill>
                             <a:srgbClr val="FFFFFF"/>
                           </a:solidFill>
                           <a:latin typeface="Adobe Clean"/>
                           <a:cs typeface="Adobe Clean"/>
                         </a:rPr>
-                        <a:t>Business</a:t>
+                        <a:t>Assistance commerciale</a:t>
                       </a:r>
+                    </a:p>
+                  </a:txBody>
+                  <a:tcPr marL="0" marR="0" marT="7620" marB="0" anchor="ctr">
+                    <a:lnL w="3175">
+                      <a:solidFill>
+                        <a:srgbClr val="B7B8B8"/>
+                      </a:solidFill>
+                      <a:prstDash val="solid"/>
+                    </a:lnL>
+                    <a:lnR w="3175">
+                      <a:solidFill>
+                        <a:srgbClr val="B7B8B8"/>
+                      </a:solidFill>
+                      <a:prstDash val="solid"/>
+                    </a:lnR>
+                    <a:lnB w="76200">
+                      <a:solidFill>
+                        <a:srgbClr val="ACD2FF"/>
+                      </a:solidFill>
+                      <a:prstDash val="solid"/>
+                    </a:lnB>
+                    <a:solidFill>
+                      <a:srgbClr val="7D7D7D"/>
+                    </a:solidFill>
+                  </a:tcPr>
+                </a:tc>
+                <a:tc gridSpan="2">
+                  <a:txBody>
+                    <a:bodyPr/>
+                    <a:lstStyle/>
+                    <a:p>
+                      <a:pPr marL="2540" algn="ctr">
+                        <a:lnSpc>
+                          <a:spcPct val="100000"/>
+                        </a:lnSpc>
+                        <a:spcBef>
+                          <a:spcPts val="60"/>
+                        </a:spcBef>
+                      </a:pPr>
                       <a:r>
-                        <a:rPr lang="en-US" sz="1000" spc="0" dirty="0">
+                        <a:rPr lang="fr-FR" sz="1000" dirty="0">
                           <a:solidFill>
                             <a:srgbClr val="FFFFFF"/>
                           </a:solidFill>
                           <a:latin typeface="Adobe Clean"/>
                           <a:cs typeface="Adobe Clean"/>
                         </a:rPr>
-                        <a:t> </a:t>
+                        <a:t>Assistance aux entreprises</a:t>
                       </a:r>
+                    </a:p>
+                  </a:txBody>
+                  <a:tcPr marL="0" marR="0" marT="7620" marB="0" anchor="ctr">
+                    <a:lnL w="3175">
+                      <a:solidFill>
+                        <a:srgbClr val="B7B8B8"/>
+                      </a:solidFill>
+                      <a:prstDash val="solid"/>
+                    </a:lnL>
+                    <a:lnR w="3175">
+                      <a:solidFill>
+                        <a:srgbClr val="B7B8B8"/>
+                      </a:solidFill>
+                      <a:prstDash val="solid"/>
+                    </a:lnR>
+                    <a:lnB w="76200">
+                      <a:solidFill>
+                        <a:srgbClr val="2E8FFF"/>
+                      </a:solidFill>
+                      <a:prstDash val="solid"/>
+                    </a:lnB>
+                    <a:solidFill>
+                      <a:srgbClr val="404040"/>
+                    </a:solidFill>
+                  </a:tcPr>
+                </a:tc>
+                <a:tc hMerge="1">
+                  <a:txBody>
+                    <a:bodyPr/>
+                    <a:lstStyle/>
+                    <a:p>
+                      <a:pPr marL="635" algn="ctr">
+                        <a:lnSpc>
+                          <a:spcPct val="100000"/>
+                        </a:lnSpc>
+                        <a:spcBef>
+                          <a:spcPts val="60"/>
+                        </a:spcBef>
+                      </a:pPr>
                       <a:r>
-                        <a:rPr sz="1000" spc="0" dirty="0">
+                        <a:rPr lang="fr-FR" sz="900">
                           <a:solidFill>
                             <a:srgbClr val="FFFFFF"/>
                           </a:solidFill>
                           <a:latin typeface="Adobe Clean"/>
                           <a:cs typeface="Adobe Clean"/>
                         </a:rPr>
-                        <a:t>Support</a:t>
+                        <a:t>Assistance aux entreprises</a:t>
                       </a:r>
-                      <a:endParaRPr sz="1000" spc="0" dirty="0">
-                        <a:latin typeface="Adobe Clean"/>
-                        <a:cs typeface="Adobe Clean"/>
-                      </a:endParaRPr>
                     </a:p>
                   </a:txBody>
                   <a:tcPr marL="0" marR="0" marT="7620" marB="0" anchor="ctr">
@@ -2367,21 +2353,21 @@
                     </a:lnR>
                     <a:lnB w="76200">
                       <a:solidFill>
-                        <a:srgbClr val="ACD2FF"/>
+                        <a:srgbClr val="2E8FFF"/>
                       </a:solidFill>
                       <a:prstDash val="solid"/>
                     </a:lnB>
                     <a:solidFill>
-                      <a:srgbClr val="7D7D7D"/>
+                      <a:srgbClr val="404040"/>
                     </a:solidFill>
                   </a:tcPr>
                 </a:tc>
-                <a:tc gridSpan="2">
-                  <a:txBody>
-                    <a:bodyPr/>
-                    <a:lstStyle/>
-                    <a:p>
-                      <a:pPr marL="2540" algn="ctr">
+                <a:tc>
+                  <a:txBody>
+                    <a:bodyPr/>
+                    <a:lstStyle/>
+                    <a:p>
+                      <a:pPr marL="635" algn="ctr">
                         <a:lnSpc>
                           <a:spcPct val="100000"/>
                         </a:lnSpc>
@@ -2390,165 +2376,15 @@
                         </a:spcBef>
                       </a:pPr>
                       <a:r>
-                        <a:rPr lang="en-US" sz="1000" spc="0" dirty="0">
+                        <a:rPr lang="fr-FR" sz="1000">
                           <a:solidFill>
                             <a:srgbClr val="FFFFFF"/>
                           </a:solidFill>
                           <a:latin typeface="Adobe Clean"/>
                           <a:cs typeface="Adobe Clean"/>
                         </a:rPr>
-                        <a:t>Enterprise Support</a:t>
+                        <a:t>Assistance Elite</a:t>
                       </a:r>
-                      <a:endParaRPr sz="1000" spc="0" dirty="0">
-                        <a:latin typeface="Adobe Clean"/>
-                        <a:cs typeface="Adobe Clean"/>
-                      </a:endParaRPr>
-                    </a:p>
-                  </a:txBody>
-                  <a:tcPr marL="0" marR="0" marT="7620" marB="0" anchor="ctr">
-                    <a:lnL w="3175">
-                      <a:solidFill>
-                        <a:srgbClr val="B7B8B8"/>
-                      </a:solidFill>
-                      <a:prstDash val="solid"/>
-                    </a:lnL>
-                    <a:lnR w="3175">
-                      <a:solidFill>
-                        <a:srgbClr val="B7B8B8"/>
-                      </a:solidFill>
-                      <a:prstDash val="solid"/>
-                    </a:lnR>
-                    <a:lnB w="76200">
-                      <a:solidFill>
-                        <a:srgbClr val="2E8FFF"/>
-                      </a:solidFill>
-                      <a:prstDash val="solid"/>
-                    </a:lnB>
-                    <a:solidFill>
-                      <a:srgbClr val="404040"/>
-                    </a:solidFill>
-                  </a:tcPr>
-                </a:tc>
-                <a:tc hMerge="1">
-                  <a:txBody>
-                    <a:bodyPr/>
-                    <a:lstStyle/>
-                    <a:p>
-                      <a:pPr marL="635" algn="ctr">
-                        <a:lnSpc>
-                          <a:spcPct val="100000"/>
-                        </a:lnSpc>
-                        <a:spcBef>
-                          <a:spcPts val="60"/>
-                        </a:spcBef>
-                      </a:pPr>
-                      <a:r>
-                        <a:rPr sz="900" spc="-20">
-                          <a:solidFill>
-                            <a:srgbClr val="FFFFFF"/>
-                          </a:solidFill>
-                          <a:latin typeface="Adobe Clean"/>
-                          <a:cs typeface="Adobe Clean"/>
-                        </a:rPr>
-                        <a:t>Enterprise</a:t>
-                      </a:r>
-                      <a:r>
-                        <a:rPr lang="en-US" sz="900" spc="-20">
-                          <a:solidFill>
-                            <a:srgbClr val="FFFFFF"/>
-                          </a:solidFill>
-                          <a:latin typeface="Adobe Clean"/>
-                          <a:cs typeface="Adobe Clean"/>
-                        </a:rPr>
-                        <a:t> </a:t>
-                      </a:r>
-                      <a:r>
-                        <a:rPr sz="900" spc="-20">
-                          <a:solidFill>
-                            <a:srgbClr val="FFFFFF"/>
-                          </a:solidFill>
-                          <a:latin typeface="Adobe Clean"/>
-                          <a:cs typeface="Adobe Clean"/>
-                        </a:rPr>
-                        <a:t>Support</a:t>
-                      </a:r>
-                      <a:endParaRPr sz="900">
-                        <a:latin typeface="Adobe Clean"/>
-                        <a:cs typeface="Adobe Clean"/>
-                      </a:endParaRPr>
-                    </a:p>
-                  </a:txBody>
-                  <a:tcPr marL="0" marR="0" marT="7620" marB="0" anchor="ctr">
-                    <a:lnL w="3175">
-                      <a:solidFill>
-                        <a:srgbClr val="B7B8B8"/>
-                      </a:solidFill>
-                      <a:prstDash val="solid"/>
-                    </a:lnL>
-                    <a:lnR w="3175">
-                      <a:solidFill>
-                        <a:srgbClr val="B7B8B8"/>
-                      </a:solidFill>
-                      <a:prstDash val="solid"/>
-                    </a:lnR>
-                    <a:lnB w="76200">
-                      <a:solidFill>
-                        <a:srgbClr val="2E8FFF"/>
-                      </a:solidFill>
-                      <a:prstDash val="solid"/>
-                    </a:lnB>
-                    <a:solidFill>
-                      <a:srgbClr val="404040"/>
-                    </a:solidFill>
-                  </a:tcPr>
-                </a:tc>
-                <a:tc>
-                  <a:txBody>
-                    <a:bodyPr/>
-                    <a:lstStyle/>
-                    <a:p>
-                      <a:pPr marL="635" algn="ctr">
-                        <a:lnSpc>
-                          <a:spcPct val="100000"/>
-                        </a:lnSpc>
-                        <a:spcBef>
-                          <a:spcPts val="60"/>
-                        </a:spcBef>
-                      </a:pPr>
-                      <a:r>
-                        <a:rPr sz="1000" spc="0" dirty="0">
-                          <a:solidFill>
-                            <a:srgbClr val="FFFFFF"/>
-                          </a:solidFill>
-                          <a:latin typeface="Adobe Clean"/>
-                          <a:cs typeface="Adobe Clean"/>
-                        </a:rPr>
-                        <a:t>Elite</a:t>
-                      </a:r>
-                      <a:r>
-                        <a:rPr lang="en-US" sz="1000" spc="0" dirty="0">
-                          <a:solidFill>
-                            <a:srgbClr val="FFFFFF"/>
-                          </a:solidFill>
-                          <a:latin typeface="Adobe Clean"/>
-                          <a:cs typeface="Adobe Clean"/>
-                        </a:rPr>
-                        <a:t> </a:t>
-                      </a:r>
-                      <a:r>
-                        <a:rPr sz="1000" spc="0" dirty="0">
-                          <a:solidFill>
-                            <a:srgbClr val="FFFFFF"/>
-                          </a:solidFill>
-                          <a:latin typeface="Adobe Clean"/>
-                          <a:cs typeface="Adobe Clean"/>
-                        </a:rPr>
-                        <a:t>Support</a:t>
-                      </a:r>
-                      <a:endParaRPr sz="1000" spc="0" dirty="0">
-                        <a:latin typeface="Adobe Clean"/>
-                        <a:cs typeface="Adobe Clean"/>
-                      </a:endParaRPr>
                     </a:p>
                   </a:txBody>
                   <a:tcPr marL="0" marR="0" marT="7620" marB="0" anchor="ctr">
@@ -2601,7 +2437,7 @@
                     <a:bodyPr/>
                     <a:lstStyle/>
                     <a:p>
-                      <a:pPr marL="255904" marR="248920" indent="-25400">
+                      <a:pPr marL="255904" marR="248920" indent="-25400" algn="l" rtl="0">
                         <a:lnSpc>
                           <a:spcPct val="100000"/>
                         </a:lnSpc>
@@ -2646,7 +2482,7 @@
                     <a:bodyPr/>
                     <a:lstStyle/>
                     <a:p>
-                      <a:pPr marL="934085">
+                      <a:pPr marL="517525" indent="0">
                         <a:lnSpc>
                           <a:spcPct val="100000"/>
                         </a:lnSpc>
@@ -2655,49 +2491,15 @@
                         </a:spcBef>
                       </a:pPr>
                       <a:r>
-                        <a:rPr lang="en-US" sz="1000" b="1" i="1" spc="0" dirty="0">
+                        <a:rPr lang="fr-FR" sz="1000" b="1" i="1" dirty="0">
                           <a:solidFill>
                             <a:srgbClr val="FFFFFF"/>
                           </a:solidFill>
                           <a:latin typeface="Adobe Clean" panose="020B0503020404020204" pitchFamily="34" charset="0"/>
                           <a:cs typeface="Adobe Clean"/>
                         </a:rPr>
-                        <a:t>Paid</a:t>
+                        <a:t>Niveaux de l’assistance payante ($)</a:t>
                       </a:r>
-                      <a:r>
-                        <a:rPr sz="1000" b="1" i="1" spc="0" dirty="0">
-                          <a:solidFill>
-                            <a:srgbClr val="FFFFFF"/>
-                          </a:solidFill>
-                          <a:latin typeface="Adobe Clean" panose="020B0503020404020204" pitchFamily="34" charset="0"/>
-                          <a:cs typeface="Adobe Clean"/>
-                        </a:rPr>
-                        <a:t> Support Levels</a:t>
-                      </a:r>
-                      <a:r>
-                        <a:rPr lang="en-US" sz="1000" b="1" i="1" spc="0" dirty="0">
-                          <a:solidFill>
-                            <a:srgbClr val="FFFFFF"/>
-                          </a:solidFill>
-                          <a:latin typeface="Adobe Clean" panose="020B0503020404020204" pitchFamily="34" charset="0"/>
-                          <a:cs typeface="Adobe Clean"/>
-                        </a:rPr>
-                        <a:t> </a:t>
-                      </a:r>
-                      <a:r>
-                        <a:rPr sz="1000" b="1" i="1" spc="0" dirty="0">
-                          <a:solidFill>
-                            <a:srgbClr val="FFFFFF"/>
-                          </a:solidFill>
-                          <a:latin typeface="Adobe Clean" panose="020B0503020404020204" pitchFamily="34" charset="0"/>
-                          <a:cs typeface="Adobe Clean"/>
-                        </a:rPr>
-                        <a:t>($)</a:t>
-                      </a:r>
-                      <a:endParaRPr sz="1000" b="1" spc="0" dirty="0">
-                        <a:latin typeface="Adobe Clean" panose="020B0503020404020204" pitchFamily="34" charset="0"/>
-                        <a:cs typeface="Adobe Clean"/>
-                      </a:endParaRPr>
                     </a:p>
                   </a:txBody>
                   <a:tcPr marL="0" marR="0" marT="82550" marB="0" anchor="ctr">
@@ -2784,22 +2586,15 @@
                         </a:spcBef>
                       </a:pPr>
                       <a:r>
-                        <a:rPr lang="en-US" sz="1200" b="1" i="0" spc="0" dirty="0">
+                        <a:rPr lang="fr-FR" sz="1100" b="1" i="0" dirty="0">
                           <a:solidFill>
                             <a:schemeClr val="bg1"/>
                           </a:solidFill>
                           <a:latin typeface="Adobe Clean" panose="020B0503020404020204" pitchFamily="34" charset="0"/>
                           <a:cs typeface="AdobeClean-Light"/>
                         </a:rPr>
-                        <a:t>Assigned Experts</a:t>
+                        <a:t>Experts assignés</a:t>
                       </a:r>
-                      <a:endParaRPr sz="1200" b="1" i="0" spc="0" dirty="0">
-                        <a:solidFill>
-                          <a:schemeClr val="bg1"/>
-                        </a:solidFill>
-                        <a:latin typeface="Adobe Clean" panose="020B0503020404020204" pitchFamily="34" charset="0"/>
-                        <a:cs typeface="AdobeClean-Light"/>
-                      </a:endParaRPr>
                     </a:p>
                   </a:txBody>
                   <a:tcPr marL="0" marR="0" marT="58419" marB="0" anchor="ctr">
@@ -2846,29 +2641,15 @@
                         </a:spcBef>
                       </a:pPr>
                       <a:r>
-                        <a:rPr sz="1100" b="0" i="0" spc="0" dirty="0">
+                        <a:rPr lang="fr-FR" sz="1000" b="0" i="0" dirty="0">
                           <a:solidFill>
                             <a:srgbClr val="020302"/>
                           </a:solidFill>
                           <a:latin typeface="Adobe Clean Light" panose="020B0303020404020204" pitchFamily="34" charset="0"/>
                           <a:cs typeface="AdobeClean-Light"/>
                         </a:rPr>
-                        <a:t>Account </a:t>
+                        <a:t>Assistance principale du compte</a:t>
                       </a:r>
-                      <a:r>
-                        <a:rPr lang="en-US" sz="1100" b="0" i="0" spc="0" dirty="0">
-                          <a:solidFill>
-                            <a:srgbClr val="020302"/>
-                          </a:solidFill>
-                          <a:latin typeface="Adobe Clean Light" panose="020B0303020404020204" pitchFamily="34" charset="0"/>
-                          <a:cs typeface="AdobeClean-Light"/>
-                        </a:rPr>
-                        <a:t>Support Lead</a:t>
-                      </a:r>
-                      <a:endParaRPr sz="1100" b="0" i="0" spc="0" dirty="0">
-                        <a:latin typeface="Adobe Clean Light" panose="020B0303020404020204" pitchFamily="34" charset="0"/>
-                        <a:cs typeface="AdobeClean-Light"/>
-                      </a:endParaRPr>
                     </a:p>
                   </a:txBody>
                   <a:tcPr marL="0" marR="0" marT="58419" marB="0">
@@ -2897,7 +2678,7 @@
                     <a:bodyPr/>
                     <a:lstStyle/>
                     <a:p>
-                      <a:pPr>
+                      <a:pPr algn="l" rtl="0">
                         <a:lnSpc>
                           <a:spcPct val="100000"/>
                         </a:lnSpc>
@@ -2945,7 +2726,7 @@
                         </a:spcBef>
                       </a:pPr>
                       <a:r>
-                        <a:rPr sz="1100" spc="0" dirty="0">
+                        <a:rPr lang="fr-FR" sz="1100">
                           <a:solidFill>
                             <a:srgbClr val="020302"/>
                           </a:solidFill>
@@ -2954,10 +2735,6 @@
                         </a:rPr>
                         <a:t></a:t>
                       </a:r>
-                      <a:endParaRPr sz="1100" spc="0" dirty="0">
-                        <a:latin typeface="Wingdings"/>
-                        <a:cs typeface="Wingdings"/>
-                      </a:endParaRPr>
                     </a:p>
                   </a:txBody>
                   <a:tcPr marL="0" marR="0" marT="59690" marB="0">
@@ -2974,7 +2751,7 @@
                     <a:bodyPr/>
                     <a:lstStyle/>
                     <a:p>
-                      <a:pPr algn="ctr">
+                      <a:pPr algn="l" rtl="0">
                         <a:lnSpc>
                           <a:spcPct val="100000"/>
                         </a:lnSpc>
@@ -3005,7 +2782,7 @@
                     <a:bodyPr/>
                     <a:lstStyle/>
                     <a:p>
-                      <a:pPr>
+                      <a:pPr algn="l" rtl="0">
                         <a:lnSpc>
                           <a:spcPct val="100000"/>
                         </a:lnSpc>
@@ -3030,7 +2807,7 @@
                     <a:bodyPr/>
                     <a:lstStyle/>
                     <a:p>
-                      <a:pPr>
+                      <a:pPr algn="l" rtl="0">
                         <a:lnSpc>
                           <a:spcPct val="100000"/>
                         </a:lnSpc>
@@ -3068,7 +2845,7 @@
                     <a:bodyPr/>
                     <a:lstStyle/>
                     <a:p>
-                      <a:pPr marL="50800">
+                      <a:pPr marL="50800" algn="l" rtl="0">
                         <a:lnSpc>
                           <a:spcPct val="100000"/>
                         </a:lnSpc>
@@ -3114,19 +2891,15 @@
                         </a:spcBef>
                       </a:pPr>
                       <a:r>
-                        <a:rPr sz="1100" b="0" i="0" spc="0" dirty="0">
+                        <a:rPr lang="fr-FR" sz="1000" b="0" i="0">
                           <a:solidFill>
                             <a:srgbClr val="020302"/>
                           </a:solidFill>
                           <a:latin typeface="Adobe Clean Light"/>
                           <a:cs typeface="AdobeClean-Light"/>
                         </a:rPr>
-                        <a:t>Named Support Engineer</a:t>
+                        <a:t>Ingénieur d’assistance nommé</a:t>
                       </a:r>
-                      <a:endParaRPr sz="1100" b="0" i="0" spc="0" dirty="0">
-                        <a:latin typeface="Adobe Clean Light"/>
-                        <a:cs typeface="AdobeClean-Light"/>
-                      </a:endParaRPr>
                     </a:p>
                   </a:txBody>
                   <a:tcPr marL="0" marR="0" marT="58419" marB="0">
@@ -3149,7 +2922,7 @@
                     <a:bodyPr/>
                     <a:lstStyle/>
                     <a:p>
-                      <a:pPr>
+                      <a:pPr algn="l" rtl="0">
                         <a:lnSpc>
                           <a:spcPct val="100000"/>
                         </a:lnSpc>
@@ -3182,7 +2955,7 @@
                     <a:bodyPr/>
                     <a:lstStyle/>
                     <a:p>
-                      <a:pPr>
+                      <a:pPr algn="l" rtl="0">
                         <a:lnSpc>
                           <a:spcPct val="100000"/>
                         </a:lnSpc>
@@ -3200,7 +2973,7 @@
                     <a:bodyPr/>
                     <a:lstStyle/>
                     <a:p>
-                      <a:pPr>
+                      <a:pPr algn="l" rtl="0">
                         <a:lnSpc>
                           <a:spcPct val="100000"/>
                         </a:lnSpc>
@@ -3227,7 +3000,7 @@
                         </a:spcBef>
                       </a:pPr>
                       <a:r>
-                        <a:rPr sz="1100" spc="0" dirty="0">
+                        <a:rPr lang="fr-FR" sz="1100">
                           <a:solidFill>
                             <a:srgbClr val="020302"/>
                           </a:solidFill>
@@ -3236,10 +3009,6 @@
                         </a:rPr>
                         <a:t></a:t>
                       </a:r>
-                      <a:endParaRPr sz="1100" spc="0" dirty="0">
-                        <a:latin typeface="Wingdings"/>
-                        <a:cs typeface="Wingdings"/>
-                      </a:endParaRPr>
                     </a:p>
                   </a:txBody>
                   <a:tcPr marL="0" marR="0" marT="59055" marB="0"/>
@@ -3258,7 +3027,7 @@
                         </a:spcBef>
                       </a:pPr>
                       <a:r>
-                        <a:rPr sz="1100" spc="0" dirty="0">
+                        <a:rPr lang="fr-FR" sz="1100">
                           <a:solidFill>
                             <a:srgbClr val="020302"/>
                           </a:solidFill>
@@ -3267,10 +3036,6 @@
                         </a:rPr>
                         <a:t></a:t>
                       </a:r>
-                      <a:endParaRPr sz="1100" spc="0" dirty="0">
-                        <a:latin typeface="Wingdings"/>
-                        <a:cs typeface="Wingdings"/>
-                      </a:endParaRPr>
                     </a:p>
                   </a:txBody>
                   <a:tcPr marL="0" marR="0" marT="59055" marB="0">
@@ -3294,7 +3059,7 @@
                     <a:bodyPr/>
                     <a:lstStyle/>
                     <a:p>
-                      <a:pPr marL="50800">
+                      <a:pPr marL="50800" algn="l" rtl="0">
                         <a:lnSpc>
                           <a:spcPct val="100000"/>
                         </a:lnSpc>
@@ -3352,19 +3117,15 @@
                         </a:spcBef>
                       </a:pPr>
                       <a:r>
-                        <a:rPr sz="1100" b="0" i="0" spc="0" dirty="0">
+                        <a:rPr lang="fr-FR" sz="1000" b="0" i="0" dirty="0">
                           <a:solidFill>
                             <a:srgbClr val="020302"/>
                           </a:solidFill>
                           <a:latin typeface="Adobe Clean Light"/>
                           <a:cs typeface="AdobeClean-Light"/>
                         </a:rPr>
-                        <a:t>Technical Account Manager</a:t>
+                        <a:t>Gestionnaire de compte technique</a:t>
                       </a:r>
-                      <a:endParaRPr sz="1100" b="0" i="0" spc="0" dirty="0">
-                        <a:latin typeface="Adobe Clean Light"/>
-                        <a:cs typeface="AdobeClean-Light"/>
-                      </a:endParaRPr>
                     </a:p>
                   </a:txBody>
                   <a:tcPr marL="0" marR="0" marT="63500" marB="0">
@@ -3393,7 +3154,7 @@
                     <a:bodyPr/>
                     <a:lstStyle/>
                     <a:p>
-                      <a:pPr>
+                      <a:pPr algn="l" rtl="0">
                         <a:lnSpc>
                           <a:spcPct val="100000"/>
                         </a:lnSpc>
@@ -3435,7 +3196,7 @@
                     <a:bodyPr/>
                     <a:lstStyle/>
                     <a:p>
-                      <a:pPr>
+                      <a:pPr algn="l" rtl="0">
                         <a:lnSpc>
                           <a:spcPct val="100000"/>
                         </a:lnSpc>
@@ -3463,7 +3224,7 @@
                     <a:bodyPr/>
                     <a:lstStyle/>
                     <a:p>
-                      <a:pPr>
+                      <a:pPr algn="l" rtl="0">
                         <a:lnSpc>
                           <a:spcPct val="100000"/>
                         </a:lnSpc>
@@ -3491,7 +3252,7 @@
                     <a:bodyPr/>
                     <a:lstStyle/>
                     <a:p>
-                      <a:pPr>
+                      <a:pPr algn="l" rtl="0">
                         <a:lnSpc>
                           <a:spcPct val="100000"/>
                         </a:lnSpc>
@@ -3528,7 +3289,7 @@
                         </a:spcBef>
                       </a:pPr>
                       <a:r>
-                        <a:rPr sz="1100" spc="0" dirty="0">
+                        <a:rPr lang="fr-FR" sz="1100">
                           <a:solidFill>
                             <a:srgbClr val="020302"/>
                           </a:solidFill>
@@ -3537,10 +3298,6 @@
                         </a:rPr>
                         <a:t></a:t>
                       </a:r>
-                      <a:endParaRPr sz="1100" spc="0" dirty="0">
-                        <a:latin typeface="Wingdings"/>
-                        <a:cs typeface="Wingdings"/>
-                      </a:endParaRPr>
                     </a:p>
                   </a:txBody>
                   <a:tcPr marL="0" marR="0" marT="64135" marB="0">
@@ -3582,22 +3339,15 @@
                         </a:spcBef>
                       </a:pPr>
                       <a:r>
-                        <a:rPr lang="en-US" sz="1200" b="1" i="0" spc="0" dirty="0">
+                        <a:rPr lang="fr-FR" sz="1100" b="1" i="0" dirty="0">
                           <a:solidFill>
                             <a:schemeClr val="bg1"/>
                           </a:solidFill>
                           <a:latin typeface="Adobe Clean" panose="020B0503020404020204" pitchFamily="34" charset="0"/>
                           <a:cs typeface="AdobeClean-Light"/>
                         </a:rPr>
-                        <a:t>Support Services</a:t>
+                        <a:t>Services d’assistance</a:t>
                       </a:r>
-                      <a:endParaRPr sz="1200" b="1" i="0" spc="0" dirty="0">
-                        <a:solidFill>
-                          <a:schemeClr val="bg1"/>
-                        </a:solidFill>
-                        <a:latin typeface="Adobe Clean" panose="020B0503020404020204" pitchFamily="34" charset="0"/>
-                        <a:cs typeface="AdobeClean-Light"/>
-                      </a:endParaRPr>
                     </a:p>
                   </a:txBody>
                   <a:tcPr marL="0" marR="0" marT="57150" marB="0" anchor="ctr">
@@ -3653,19 +3403,15 @@
                         </a:spcBef>
                       </a:pPr>
                       <a:r>
-                        <a:rPr lang="en-US" sz="1100" b="0" i="0" spc="0" dirty="0">
+                        <a:rPr lang="fr-FR" sz="1000" b="0" i="0">
                           <a:solidFill>
                             <a:srgbClr val="020302"/>
                           </a:solidFill>
                           <a:latin typeface="Adobe Clean Light"/>
                           <a:cs typeface="AdobeClean-Light"/>
                         </a:rPr>
-                        <a:t>24x7 Self-Help Support </a:t>
+                        <a:t>Assistance en libre-service 24h/24 et 7j/7 </a:t>
                       </a:r>
-                      <a:endParaRPr lang="en-US" sz="1100" b="0" i="0" spc="0" dirty="0">
-                        <a:latin typeface="Adobe Clean Light" panose="020B0303020404020204" pitchFamily="34" charset="0"/>
-                        <a:cs typeface="AdobeClean-Light"/>
-                      </a:endParaRPr>
                     </a:p>
                   </a:txBody>
                   <a:tcPr marL="0" marR="0" marT="57150" marB="0">
@@ -3706,7 +3452,7 @@
                         </a:spcBef>
                       </a:pPr>
                       <a:r>
-                        <a:rPr sz="1100" spc="0" dirty="0">
+                        <a:rPr lang="fr-FR" sz="1100">
                           <a:solidFill>
                             <a:srgbClr val="020302"/>
                           </a:solidFill>
@@ -3715,10 +3461,6 @@
                         </a:rPr>
                         <a:t></a:t>
                       </a:r>
-                      <a:endParaRPr sz="1100" spc="0" dirty="0">
-                        <a:latin typeface="Wingdings"/>
-                        <a:cs typeface="Wingdings"/>
-                      </a:endParaRPr>
                     </a:p>
                   </a:txBody>
                   <a:tcPr marL="0" marR="0" marT="58419" marB="0">
@@ -3758,7 +3500,7 @@
                         </a:spcBef>
                       </a:pPr>
                       <a:r>
-                        <a:rPr sz="1100" spc="0" dirty="0">
+                        <a:rPr lang="fr-FR" sz="1100">
                           <a:solidFill>
                             <a:srgbClr val="020302"/>
                           </a:solidFill>
@@ -3767,10 +3509,6 @@
                         </a:rPr>
                         <a:t></a:t>
                       </a:r>
-                      <a:endParaRPr sz="1100" spc="0" dirty="0">
-                        <a:latin typeface="Wingdings"/>
-                        <a:cs typeface="Wingdings"/>
-                      </a:endParaRPr>
                     </a:p>
                   </a:txBody>
                   <a:tcPr marL="0" marR="0" marT="58419" marB="0">
@@ -3787,7 +3525,7 @@
                     <a:bodyPr/>
                     <a:lstStyle/>
                     <a:p>
-                      <a:pPr algn="ctr">
+                      <a:pPr algn="l" rtl="0">
                         <a:lnSpc>
                           <a:spcPct val="100000"/>
                         </a:lnSpc>
@@ -3827,7 +3565,7 @@
                         </a:spcBef>
                       </a:pPr>
                       <a:r>
-                        <a:rPr sz="1100" spc="0" dirty="0">
+                        <a:rPr lang="fr-FR" sz="1100">
                           <a:solidFill>
                             <a:srgbClr val="020302"/>
                           </a:solidFill>
@@ -3836,10 +3574,6 @@
                         </a:rPr>
                         <a:t></a:t>
                       </a:r>
-                      <a:endParaRPr sz="1100" spc="0" dirty="0">
-                        <a:latin typeface="Wingdings"/>
-                        <a:cs typeface="Wingdings"/>
-                      </a:endParaRPr>
                     </a:p>
                   </a:txBody>
                   <a:tcPr marL="0" marR="0" marT="58419" marB="0">
@@ -3865,7 +3599,7 @@
                         </a:spcBef>
                       </a:pPr>
                       <a:r>
-                        <a:rPr sz="1100" spc="0" dirty="0">
+                        <a:rPr lang="fr-FR" sz="1100">
                           <a:solidFill>
                             <a:srgbClr val="020302"/>
                           </a:solidFill>
@@ -3874,10 +3608,6 @@
                         </a:rPr>
                         <a:t></a:t>
                       </a:r>
-                      <a:endParaRPr sz="1100" spc="0" dirty="0">
-                        <a:latin typeface="Wingdings"/>
-                        <a:cs typeface="Wingdings"/>
-                      </a:endParaRPr>
                     </a:p>
                   </a:txBody>
                   <a:tcPr marL="0" marR="0" marT="58419" marB="0">
@@ -3907,7 +3637,7 @@
                     <a:bodyPr/>
                     <a:lstStyle/>
                     <a:p>
-                      <a:pPr marL="50800">
+                      <a:pPr marL="50800" algn="l" rtl="0">
                         <a:lnSpc>
                           <a:spcPct val="100000"/>
                         </a:lnSpc>
@@ -3956,19 +3686,15 @@
                         </a:spcBef>
                       </a:pPr>
                       <a:r>
-                        <a:rPr lang="en-US" sz="1100" b="0" i="0" spc="0" dirty="0">
+                        <a:rPr lang="fr-FR" sz="1000" b="0" i="0">
                           <a:solidFill>
                             <a:srgbClr val="020302"/>
                           </a:solidFill>
                           <a:latin typeface="Adobe Clean Light" panose="020B0303020404020204" pitchFamily="34" charset="0"/>
                           <a:cs typeface="AdobeClean-Light"/>
                         </a:rPr>
-                        <a:t>24x7 Support via Chat / Phone</a:t>
+                        <a:t>Assistance 24h/24 et 7j/7 via chat/téléphone</a:t>
                       </a:r>
-                      <a:endParaRPr sz="1100" b="0" i="0" spc="0" dirty="0">
-                        <a:latin typeface="Adobe Clean Light" panose="020B0303020404020204" pitchFamily="34" charset="0"/>
-                        <a:cs typeface="AdobeClean-Light"/>
-                      </a:endParaRPr>
                     </a:p>
                   </a:txBody>
                   <a:tcPr marL="0" marR="0" marT="57785" marB="0">
@@ -4003,7 +3729,7 @@
                         </a:spcBef>
                       </a:pPr>
                       <a:r>
-                        <a:rPr sz="1100" spc="0" dirty="0">
+                        <a:rPr lang="fr-FR" sz="1100">
                           <a:solidFill>
                             <a:srgbClr val="020302"/>
                           </a:solidFill>
@@ -4012,10 +3738,6 @@
                         </a:rPr>
                         <a:t></a:t>
                       </a:r>
-                      <a:endParaRPr sz="1100" spc="0" dirty="0">
-                        <a:latin typeface="Wingdings"/>
-                        <a:cs typeface="Wingdings"/>
-                      </a:endParaRPr>
                     </a:p>
                   </a:txBody>
                   <a:tcPr marL="0" marR="0" marT="58419" marB="0">
@@ -4049,7 +3771,7 @@
                         </a:spcBef>
                       </a:pPr>
                       <a:r>
-                        <a:rPr sz="1100" spc="0" dirty="0">
+                        <a:rPr lang="fr-FR" sz="1100">
                           <a:solidFill>
                             <a:srgbClr val="020302"/>
                           </a:solidFill>
@@ -4058,10 +3780,6 @@
                         </a:rPr>
                         <a:t></a:t>
                       </a:r>
-                      <a:endParaRPr sz="1100" spc="0" dirty="0">
-                        <a:latin typeface="Wingdings"/>
-                        <a:cs typeface="Wingdings"/>
-                      </a:endParaRPr>
                     </a:p>
                   </a:txBody>
                   <a:tcPr marL="0" marR="0" marT="58419" marB="0"/>
@@ -4071,7 +3789,7 @@
                     <a:bodyPr/>
                     <a:lstStyle/>
                     <a:p>
-                      <a:pPr algn="ctr">
+                      <a:pPr algn="l" rtl="0">
                         <a:lnSpc>
                           <a:spcPct val="100000"/>
                         </a:lnSpc>
@@ -4101,7 +3819,7 @@
                         </a:spcBef>
                       </a:pPr>
                       <a:r>
-                        <a:rPr sz="1100" spc="0" dirty="0">
+                        <a:rPr lang="fr-FR" sz="1100">
                           <a:solidFill>
                             <a:srgbClr val="020302"/>
                           </a:solidFill>
@@ -4110,10 +3828,6 @@
                         </a:rPr>
                         <a:t></a:t>
                       </a:r>
-                      <a:endParaRPr sz="1100" spc="0" dirty="0">
-                        <a:latin typeface="Wingdings"/>
-                        <a:cs typeface="Wingdings"/>
-                      </a:endParaRPr>
                     </a:p>
                   </a:txBody>
                   <a:tcPr marL="0" marR="0" marT="58419" marB="0"/>
@@ -4132,7 +3846,7 @@
                         </a:spcBef>
                       </a:pPr>
                       <a:r>
-                        <a:rPr sz="1100" spc="0" dirty="0">
+                        <a:rPr lang="fr-FR" sz="1100">
                           <a:solidFill>
                             <a:srgbClr val="020302"/>
                           </a:solidFill>
@@ -4141,10 +3855,6 @@
                         </a:rPr>
                         <a:t></a:t>
                       </a:r>
-                      <a:endParaRPr sz="1100" spc="0" dirty="0">
-                        <a:latin typeface="Wingdings"/>
-                        <a:cs typeface="Wingdings"/>
-                      </a:endParaRPr>
                     </a:p>
                   </a:txBody>
                   <a:tcPr marL="0" marR="0" marT="58419" marB="0">
@@ -4168,7 +3878,7 @@
                     <a:bodyPr/>
                     <a:lstStyle/>
                     <a:p>
-                      <a:pPr marL="50800">
+                      <a:pPr marL="50800" algn="l" rtl="0">
                         <a:lnSpc>
                           <a:spcPct val="100000"/>
                         </a:lnSpc>
@@ -4217,16 +3927,12 @@
                         </a:spcBef>
                       </a:pPr>
                       <a:r>
-                        <a:rPr lang="en-US" sz="1100" b="0" i="0" spc="0" dirty="0">
+                        <a:rPr lang="fr-FR" sz="1000" b="0" i="0" dirty="0">
                           <a:latin typeface="Adobe Clean Light"/>
                           <a:cs typeface="AdobeClean-Light"/>
                         </a:rPr>
-                        <a:t>Web Case Submissions </a:t>
+                        <a:t>Envoi de cas en ligne </a:t>
                       </a:r>
-                      <a:endParaRPr sz="1100" b="0" i="0" spc="0" dirty="0">
-                        <a:latin typeface="Adobe Clean Light" panose="020B0303020404020204" pitchFamily="34" charset="0"/>
-                        <a:cs typeface="AdobeClean-Light"/>
-                      </a:endParaRPr>
                     </a:p>
                   </a:txBody>
                   <a:tcPr marL="0" marR="0" marT="57785" marB="0">
@@ -4261,7 +3967,7 @@
                         </a:spcBef>
                       </a:pPr>
                       <a:r>
-                        <a:rPr sz="1100" spc="0" dirty="0">
+                        <a:rPr lang="fr-FR" sz="1100">
                           <a:solidFill>
                             <a:srgbClr val="020302"/>
                           </a:solidFill>
@@ -4270,10 +3976,6 @@
                         </a:rPr>
                         <a:t></a:t>
                       </a:r>
-                      <a:endParaRPr sz="1100" spc="0" dirty="0">
-                        <a:latin typeface="Wingdings"/>
-                        <a:cs typeface="Wingdings"/>
-                      </a:endParaRPr>
                     </a:p>
                   </a:txBody>
                   <a:tcPr marL="0" marR="0" marT="58419" marB="0">
@@ -4307,7 +4009,7 @@
                         </a:spcBef>
                       </a:pPr>
                       <a:r>
-                        <a:rPr sz="1100" spc="0" dirty="0">
+                        <a:rPr lang="fr-FR" sz="1100">
                           <a:solidFill>
                             <a:srgbClr val="020302"/>
                           </a:solidFill>
@@ -4316,10 +4018,6 @@
                         </a:rPr>
                         <a:t></a:t>
                       </a:r>
-                      <a:endParaRPr sz="1100" spc="0" dirty="0">
-                        <a:latin typeface="Wingdings"/>
-                        <a:cs typeface="Wingdings"/>
-                      </a:endParaRPr>
                     </a:p>
                   </a:txBody>
                   <a:tcPr marL="0" marR="0" marT="58419" marB="0"/>
@@ -4329,7 +4027,7 @@
                     <a:bodyPr/>
                     <a:lstStyle/>
                     <a:p>
-                      <a:pPr algn="ctr">
+                      <a:pPr algn="l" rtl="0">
                         <a:lnSpc>
                           <a:spcPct val="100000"/>
                         </a:lnSpc>
@@ -4359,7 +4057,7 @@
                         </a:spcBef>
                       </a:pPr>
                       <a:r>
-                        <a:rPr sz="1100" spc="0" dirty="0">
+                        <a:rPr lang="fr-FR" sz="1100">
                           <a:solidFill>
                             <a:srgbClr val="020302"/>
                           </a:solidFill>
@@ -4368,10 +4066,6 @@
                         </a:rPr>
                         <a:t></a:t>
                       </a:r>
-                      <a:endParaRPr sz="1100" spc="0" dirty="0">
-                        <a:latin typeface="Wingdings"/>
-                        <a:cs typeface="Wingdings"/>
-                      </a:endParaRPr>
                     </a:p>
                   </a:txBody>
                   <a:tcPr marL="0" marR="0" marT="58419" marB="0"/>
@@ -4390,7 +4084,7 @@
                         </a:spcBef>
                       </a:pPr>
                       <a:r>
-                        <a:rPr sz="1100" spc="0" dirty="0">
+                        <a:rPr lang="fr-FR" sz="1100">
                           <a:solidFill>
                             <a:srgbClr val="020302"/>
                           </a:solidFill>
@@ -4399,10 +4093,6 @@
                         </a:rPr>
                         <a:t></a:t>
                       </a:r>
-                      <a:endParaRPr sz="1100" spc="0" dirty="0">
-                        <a:latin typeface="Wingdings"/>
-                        <a:cs typeface="Wingdings"/>
-                      </a:endParaRPr>
                     </a:p>
                   </a:txBody>
                   <a:tcPr marL="0" marR="0" marT="58419" marB="0">
@@ -4426,7 +4116,7 @@
                     <a:bodyPr/>
                     <a:lstStyle/>
                     <a:p>
-                      <a:pPr marL="50800">
+                      <a:pPr marL="50800" algn="l" rtl="0">
                         <a:lnSpc>
                           <a:spcPct val="100000"/>
                         </a:lnSpc>
@@ -4484,19 +4174,15 @@
                         </a:spcBef>
                       </a:pPr>
                       <a:r>
-                        <a:rPr lang="en-US" sz="1100" b="0" i="0" spc="0" dirty="0">
+                        <a:rPr lang="fr-FR" sz="1000" b="0" i="0">
                           <a:solidFill>
                             <a:srgbClr val="020302"/>
                           </a:solidFill>
                           <a:latin typeface="Adobe Clean Light"/>
                           <a:cs typeface="AdobeClean-Light"/>
                         </a:rPr>
-                        <a:t>Priority Case Routing</a:t>
+                        <a:t>Acheminement prioritaire des cas</a:t>
                       </a:r>
-                      <a:endParaRPr sz="1100" b="0" i="0" spc="0" dirty="0">
-                        <a:latin typeface="Adobe Clean Light"/>
-                        <a:cs typeface="AdobeClean-Light"/>
-                      </a:endParaRPr>
                     </a:p>
                   </a:txBody>
                   <a:tcPr marL="0" marR="0" marT="58419" marB="0">
@@ -4525,7 +4211,7 @@
                     <a:bodyPr/>
                     <a:lstStyle/>
                     <a:p>
-                      <a:pPr>
+                      <a:pPr algn="l" rtl="0">
                         <a:lnSpc>
                           <a:spcPct val="100000"/>
                         </a:lnSpc>
@@ -4567,7 +4253,7 @@
                         </a:spcBef>
                       </a:pPr>
                       <a:r>
-                        <a:rPr sz="1100" spc="0" dirty="0">
+                        <a:rPr lang="fr-FR" sz="1100">
                           <a:solidFill>
                             <a:srgbClr val="020302"/>
                           </a:solidFill>
@@ -4576,10 +4262,6 @@
                         </a:rPr>
                         <a:t></a:t>
                       </a:r>
-                      <a:endParaRPr sz="1100" spc="0" dirty="0">
-                        <a:latin typeface="Wingdings"/>
-                        <a:cs typeface="Wingdings"/>
-                      </a:endParaRPr>
                     </a:p>
                   </a:txBody>
                   <a:tcPr marL="0" marR="0" marT="59690" marB="0"/>
@@ -4589,7 +4271,7 @@
                     <a:bodyPr/>
                     <a:lstStyle/>
                     <a:p>
-                      <a:pPr algn="ctr">
+                      <a:pPr algn="l" rtl="0">
                         <a:lnSpc>
                           <a:spcPct val="100000"/>
                         </a:lnSpc>
@@ -4619,7 +4301,7 @@
                         </a:spcBef>
                       </a:pPr>
                       <a:r>
-                        <a:rPr sz="1100" spc="0" dirty="0">
+                        <a:rPr lang="fr-FR" sz="1100">
                           <a:solidFill>
                             <a:srgbClr val="020302"/>
                           </a:solidFill>
@@ -4628,10 +4310,6 @@
                         </a:rPr>
                         <a:t></a:t>
                       </a:r>
-                      <a:endParaRPr sz="1100" spc="0" dirty="0">
-                        <a:latin typeface="Wingdings"/>
-                        <a:cs typeface="Wingdings"/>
-                      </a:endParaRPr>
                     </a:p>
                   </a:txBody>
                   <a:tcPr marL="0" marR="0" marT="59690" marB="0"/>
@@ -4650,7 +4328,7 @@
                         </a:spcBef>
                       </a:pPr>
                       <a:r>
-                        <a:rPr sz="1100" spc="0" dirty="0">
+                        <a:rPr lang="fr-FR" sz="1100">
                           <a:solidFill>
                             <a:srgbClr val="020302"/>
                           </a:solidFill>
@@ -4659,10 +4337,6 @@
                         </a:rPr>
                         <a:t></a:t>
                       </a:r>
-                      <a:endParaRPr sz="1100" spc="0" dirty="0">
-                        <a:latin typeface="Wingdings"/>
-                        <a:cs typeface="Wingdings"/>
-                      </a:endParaRPr>
                     </a:p>
                   </a:txBody>
                   <a:tcPr marL="0" marR="0" marT="59690" marB="0">
@@ -4686,7 +4360,7 @@
                     <a:bodyPr/>
                     <a:lstStyle/>
                     <a:p>
-                      <a:pPr marL="50800">
+                      <a:pPr marL="50800" algn="l" rtl="0">
                         <a:lnSpc>
                           <a:spcPct val="100000"/>
                         </a:lnSpc>
@@ -4753,11 +4427,11 @@
                         <a:defRPr/>
                       </a:pPr>
                       <a:r>
-                        <a:rPr lang="en-US" sz="1100" b="0" i="0" spc="0" dirty="0">
+                        <a:rPr lang="fr-FR" sz="1000" b="0" i="0">
                           <a:latin typeface="Adobe Clean Light"/>
                           <a:cs typeface="AdobeClean-Light"/>
                         </a:rPr>
-                        <a:t>Accelerated Issue Prioritization</a:t>
+                        <a:t>Accélération du traitement des problèmes</a:t>
                       </a:r>
                     </a:p>
                   </a:txBody>
@@ -4787,7 +4461,7 @@
                     <a:bodyPr/>
                     <a:lstStyle/>
                     <a:p>
-                      <a:pPr>
+                      <a:pPr algn="l" rtl="0">
                         <a:lnSpc>
                           <a:spcPct val="100000"/>
                         </a:lnSpc>
@@ -4829,7 +4503,7 @@
                         </a:spcBef>
                       </a:pPr>
                       <a:r>
-                        <a:rPr sz="1100" spc="0" dirty="0">
+                        <a:rPr lang="fr-FR" sz="1100">
                           <a:solidFill>
                             <a:srgbClr val="020302"/>
                           </a:solidFill>
@@ -4838,10 +4512,6 @@
                         </a:rPr>
                         <a:t></a:t>
                       </a:r>
-                      <a:endParaRPr sz="1100" spc="0" dirty="0">
-                        <a:latin typeface="Wingdings"/>
-                        <a:cs typeface="Wingdings"/>
-                      </a:endParaRPr>
                     </a:p>
                   </a:txBody>
                   <a:tcPr marL="0" marR="0" marT="58419" marB="0"/>
@@ -4851,7 +4521,7 @@
                     <a:bodyPr/>
                     <a:lstStyle/>
                     <a:p>
-                      <a:pPr algn="ctr">
+                      <a:pPr algn="l" rtl="0">
                         <a:lnSpc>
                           <a:spcPct val="100000"/>
                         </a:lnSpc>
@@ -4881,7 +4551,7 @@
                         </a:spcBef>
                       </a:pPr>
                       <a:r>
-                        <a:rPr sz="1100" spc="0" dirty="0">
+                        <a:rPr lang="fr-FR" sz="1100">
                           <a:solidFill>
                             <a:srgbClr val="020302"/>
                           </a:solidFill>
@@ -4890,10 +4560,6 @@
                         </a:rPr>
                         <a:t></a:t>
                       </a:r>
-                      <a:endParaRPr sz="1100" spc="0" dirty="0">
-                        <a:latin typeface="Wingdings"/>
-                        <a:cs typeface="Wingdings"/>
-                      </a:endParaRPr>
                     </a:p>
                   </a:txBody>
                   <a:tcPr marL="0" marR="0" marT="59690" marB="0"/>
@@ -4912,7 +4578,7 @@
                         </a:spcBef>
                       </a:pPr>
                       <a:r>
-                        <a:rPr sz="1100" spc="0" dirty="0">
+                        <a:rPr lang="fr-FR" sz="1100">
                           <a:solidFill>
                             <a:srgbClr val="020302"/>
                           </a:solidFill>
@@ -4921,10 +4587,6 @@
                         </a:rPr>
                         <a:t></a:t>
                       </a:r>
-                      <a:endParaRPr sz="1100" spc="0" dirty="0">
-                        <a:latin typeface="Wingdings"/>
-                        <a:cs typeface="Wingdings"/>
-                      </a:endParaRPr>
                     </a:p>
                   </a:txBody>
                   <a:tcPr marL="0" marR="0" marT="59690" marB="0">
@@ -4967,16 +4629,12 @@
                         </a:spcBef>
                       </a:pPr>
                       <a:r>
-                        <a:rPr lang="en-US" sz="1100" b="0" i="0" spc="0" dirty="0">
+                        <a:rPr lang="fr-FR" sz="1000" b="0" i="0">
                           <a:latin typeface="Adobe Clean Light"/>
                           <a:cs typeface="AdobeClean-Light"/>
                         </a:rPr>
-                        <a:t>Escalation Management</a:t>
+                        <a:t>Gestion des remontées d’informations</a:t>
                       </a:r>
-                      <a:endParaRPr sz="1100" b="0" i="0" spc="0" dirty="0">
-                        <a:latin typeface="Adobe Clean Light"/>
-                        <a:cs typeface="AdobeClean-Light"/>
-                      </a:endParaRPr>
                     </a:p>
                   </a:txBody>
                   <a:tcPr marL="0" marR="0" marT="57150" marB="0">
@@ -5005,7 +4663,7 @@
                     <a:bodyPr/>
                     <a:lstStyle/>
                     <a:p>
-                      <a:pPr>
+                      <a:pPr algn="l" rtl="0">
                         <a:lnSpc>
                           <a:spcPct val="100000"/>
                         </a:lnSpc>
@@ -5047,7 +4705,7 @@
                         </a:spcBef>
                       </a:pPr>
                       <a:r>
-                        <a:rPr sz="1100" spc="0" dirty="0">
+                        <a:rPr lang="fr-FR" sz="1100">
                           <a:solidFill>
                             <a:srgbClr val="020302"/>
                           </a:solidFill>
@@ -5056,10 +4714,6 @@
                         </a:rPr>
                         <a:t></a:t>
                       </a:r>
-                      <a:endParaRPr sz="1100" spc="0" dirty="0">
-                        <a:latin typeface="Wingdings"/>
-                        <a:cs typeface="Wingdings"/>
-                      </a:endParaRPr>
                     </a:p>
                   </a:txBody>
                   <a:tcPr marL="0" marR="0" marT="59690" marB="0"/>
@@ -5069,7 +4723,7 @@
                     <a:bodyPr/>
                     <a:lstStyle/>
                     <a:p>
-                      <a:pPr algn="ctr">
+                      <a:pPr algn="l" rtl="0">
                         <a:lnSpc>
                           <a:spcPct val="100000"/>
                         </a:lnSpc>
@@ -5099,7 +4753,7 @@
                         </a:spcBef>
                       </a:pPr>
                       <a:r>
-                        <a:rPr sz="1100" spc="0" dirty="0">
+                        <a:rPr lang="fr-FR" sz="1100">
                           <a:solidFill>
                             <a:srgbClr val="020302"/>
                           </a:solidFill>
@@ -5108,10 +4762,6 @@
                         </a:rPr>
                         <a:t></a:t>
                       </a:r>
-                      <a:endParaRPr sz="1100" spc="0" dirty="0">
-                        <a:latin typeface="Wingdings"/>
-                        <a:cs typeface="Wingdings"/>
-                      </a:endParaRPr>
                     </a:p>
                   </a:txBody>
                   <a:tcPr marL="0" marR="0" marT="59690" marB="0"/>
@@ -5130,7 +4780,7 @@
                         </a:spcBef>
                       </a:pPr>
                       <a:r>
-                        <a:rPr sz="1100" spc="0" dirty="0">
+                        <a:rPr lang="fr-FR" sz="1100">
                           <a:solidFill>
                             <a:srgbClr val="020302"/>
                           </a:solidFill>
@@ -5139,10 +4789,6 @@
                         </a:rPr>
                         <a:t></a:t>
                       </a:r>
-                      <a:endParaRPr sz="1100" spc="0" dirty="0">
-                        <a:latin typeface="Wingdings"/>
-                        <a:cs typeface="Wingdings"/>
-                      </a:endParaRPr>
                     </a:p>
                   </a:txBody>
                   <a:tcPr marL="0" marR="0" marT="59690" marB="0">
@@ -5185,16 +4831,12 @@
                         </a:spcBef>
                       </a:pPr>
                       <a:r>
-                        <a:rPr lang="en-US" sz="1100" b="0" i="0" spc="0" dirty="0">
+                        <a:rPr lang="fr-FR" sz="1000" b="0" i="0" dirty="0">
                           <a:latin typeface="Adobe Clean Light"/>
                           <a:cs typeface="AdobeClean-Light"/>
                         </a:rPr>
-                        <a:t>Proactive Case Monitoring</a:t>
+                        <a:t>Surveillance des cas proactive</a:t>
                       </a:r>
-                      <a:endParaRPr sz="1100" b="0" i="0" spc="0" dirty="0">
-                        <a:latin typeface="Adobe Clean Light"/>
-                        <a:cs typeface="AdobeClean-Light"/>
-                      </a:endParaRPr>
                     </a:p>
                   </a:txBody>
                   <a:tcPr marL="0" marR="0" marT="57150" marB="0">
@@ -5223,7 +4865,7 @@
                     <a:bodyPr/>
                     <a:lstStyle/>
                     <a:p>
-                      <a:pPr>
+                      <a:pPr algn="l" rtl="0">
                         <a:lnSpc>
                           <a:spcPct val="100000"/>
                         </a:lnSpc>
@@ -5256,7 +4898,7 @@
                     <a:bodyPr/>
                     <a:lstStyle/>
                     <a:p>
-                      <a:pPr>
+                      <a:pPr algn="l" rtl="0">
                         <a:lnSpc>
                           <a:spcPct val="100000"/>
                         </a:lnSpc>
@@ -5302,7 +4944,7 @@
                         <a:defRPr/>
                       </a:pPr>
                       <a:r>
-                        <a:rPr lang="en-US" sz="1100" spc="0" dirty="0">
+                        <a:rPr lang="fr-FR" sz="1100">
                           <a:solidFill>
                             <a:srgbClr val="020302"/>
                           </a:solidFill>
@@ -5311,10 +4953,6 @@
                         </a:rPr>
                         <a:t></a:t>
                       </a:r>
-                      <a:endParaRPr lang="en-US" sz="1100" spc="0" dirty="0">
-                        <a:latin typeface="Wingdings"/>
-                        <a:cs typeface="Wingdings"/>
-                      </a:endParaRPr>
                     </a:p>
                   </a:txBody>
                   <a:tcPr marL="0" marR="0" marT="57150" marB="0"/>
@@ -5342,7 +4980,7 @@
                         <a:defRPr/>
                       </a:pPr>
                       <a:r>
-                        <a:rPr lang="en-US" sz="1100" spc="0" dirty="0">
+                        <a:rPr lang="fr-FR" sz="1100">
                           <a:solidFill>
                             <a:srgbClr val="020302"/>
                           </a:solidFill>
@@ -5351,10 +4989,6 @@
                         </a:rPr>
                         <a:t></a:t>
                       </a:r>
-                      <a:endParaRPr lang="en-US" sz="1100" spc="0" dirty="0">
-                        <a:latin typeface="Wingdings"/>
-                        <a:cs typeface="Wingdings"/>
-                      </a:endParaRPr>
                     </a:p>
                   </a:txBody>
                   <a:tcPr marL="0" marR="0" marT="57150" marB="0">
@@ -5378,7 +5012,7 @@
                     <a:bodyPr/>
                     <a:lstStyle/>
                     <a:p>
-                      <a:pPr marL="48895">
+                      <a:pPr marL="48895" algn="l" rtl="0">
                         <a:lnSpc>
                           <a:spcPct val="100000"/>
                         </a:lnSpc>
@@ -5427,19 +5061,15 @@
                         </a:spcBef>
                       </a:pPr>
                       <a:r>
-                        <a:rPr lang="en-US" sz="1100" b="0" i="0" spc="0">
+                        <a:rPr lang="fr-FR" sz="1000" b="0" i="0">
                           <a:solidFill>
                             <a:srgbClr val="020302"/>
                           </a:solidFill>
                           <a:latin typeface="Adobe Clean Light"/>
                           <a:cs typeface="AdobeClean-Light"/>
                         </a:rPr>
-                        <a:t>In-Region Support Option</a:t>
+                        <a:t>Option d’assistance régionale</a:t>
                       </a:r>
-                      <a:endParaRPr sz="1100" b="0" i="0" spc="0" dirty="0">
-                        <a:latin typeface="Adobe Clean Light" panose="020B0303020404020204" pitchFamily="34" charset="0"/>
-                        <a:cs typeface="AdobeClean-Light"/>
-                      </a:endParaRPr>
                     </a:p>
                   </a:txBody>
                   <a:tcPr marL="0" marR="0" marT="58419" marB="0">
@@ -5462,7 +5092,7 @@
                     <a:bodyPr/>
                     <a:lstStyle/>
                     <a:p>
-                      <a:pPr>
+                      <a:pPr algn="l" rtl="0">
                         <a:lnSpc>
                           <a:spcPct val="100000"/>
                         </a:lnSpc>
@@ -5495,7 +5125,7 @@
                     <a:bodyPr/>
                     <a:lstStyle/>
                     <a:p>
-                      <a:pPr>
+                      <a:pPr algn="l" rtl="0">
                         <a:lnSpc>
                           <a:spcPct val="100000"/>
                         </a:lnSpc>
@@ -5513,7 +5143,7 @@
                     <a:bodyPr/>
                     <a:lstStyle/>
                     <a:p>
-                      <a:pPr>
+                      <a:pPr algn="l" rtl="0">
                         <a:lnSpc>
                           <a:spcPct val="100000"/>
                         </a:lnSpc>
@@ -5549,7 +5179,7 @@
                         <a:defRPr/>
                       </a:pPr>
                       <a:r>
-                        <a:rPr lang="en-US" sz="1100" spc="0" dirty="0">
+                        <a:rPr lang="fr-FR" sz="1100">
                           <a:solidFill>
                             <a:srgbClr val="020302"/>
                           </a:solidFill>
@@ -5558,10 +5188,6 @@
                         </a:rPr>
                         <a:t></a:t>
                       </a:r>
-                      <a:endParaRPr lang="en-US" sz="1100" spc="0" dirty="0">
-                        <a:latin typeface="Wingdings"/>
-                        <a:cs typeface="Wingdings"/>
-                      </a:endParaRPr>
                     </a:p>
                   </a:txBody>
                   <a:tcPr marL="0" marR="0" marT="0" marB="0" anchor="ctr"/>
@@ -5580,7 +5206,7 @@
                         </a:spcBef>
                       </a:pPr>
                       <a:r>
-                        <a:rPr sz="1100" spc="0" dirty="0">
+                        <a:rPr lang="fr-FR" sz="1100">
                           <a:solidFill>
                             <a:srgbClr val="020302"/>
                           </a:solidFill>
@@ -5589,10 +5215,6 @@
                         </a:rPr>
                         <a:t></a:t>
                       </a:r>
-                      <a:endParaRPr sz="1100" spc="0" dirty="0">
-                        <a:latin typeface="Wingdings"/>
-                        <a:cs typeface="Wingdings"/>
-                      </a:endParaRPr>
                     </a:p>
                   </a:txBody>
                   <a:tcPr marL="0" marR="0" marT="59055" marB="0">
@@ -5616,7 +5238,7 @@
                     <a:bodyPr/>
                     <a:lstStyle/>
                     <a:p>
-                      <a:pPr marL="48895">
+                      <a:pPr marL="48895" algn="l" rtl="0">
                         <a:lnSpc>
                           <a:spcPct val="100000"/>
                         </a:lnSpc>
@@ -5674,19 +5296,15 @@
                         </a:spcBef>
                       </a:pPr>
                       <a:r>
-                        <a:rPr lang="en-US" sz="1100" b="0" i="0" spc="0" dirty="0">
+                        <a:rPr lang="fr-FR" sz="1000" b="0" i="0" dirty="0">
                           <a:solidFill>
                             <a:srgbClr val="020302"/>
                           </a:solidFill>
                           <a:latin typeface="Adobe Clean Light"/>
                           <a:cs typeface="AdobeClean-Light"/>
                         </a:rPr>
-                        <a:t>Service Reviews</a:t>
+                        <a:t>Examens de service</a:t>
                       </a:r>
-                      <a:endParaRPr sz="1100" b="0" i="0" spc="0" dirty="0">
-                        <a:latin typeface="Adobe Clean Light"/>
-                        <a:cs typeface="AdobeClean-Light"/>
-                      </a:endParaRPr>
                     </a:p>
                   </a:txBody>
                   <a:tcPr marL="0" marR="0" marT="59055" marB="0">
@@ -5715,7 +5333,7 @@
                     <a:bodyPr/>
                     <a:lstStyle/>
                     <a:p>
-                      <a:pPr>
+                      <a:pPr algn="l" rtl="0">
                         <a:lnSpc>
                           <a:spcPct val="100000"/>
                         </a:lnSpc>
@@ -5748,7 +5366,7 @@
                     <a:bodyPr/>
                     <a:lstStyle/>
                     <a:p>
-                      <a:pPr>
+                      <a:pPr algn="l" rtl="0">
                         <a:lnSpc>
                           <a:spcPct val="100000"/>
                         </a:lnSpc>
@@ -5766,7 +5384,7 @@
                     <a:bodyPr/>
                     <a:lstStyle/>
                     <a:p>
-                      <a:pPr>
+                      <a:pPr algn="l" rtl="0">
                         <a:lnSpc>
                           <a:spcPct val="100000"/>
                         </a:lnSpc>
@@ -5793,70 +5411,42 @@
                         </a:spcBef>
                       </a:pPr>
                       <a:r>
-                        <a:rPr sz="1100" spc="0" dirty="0">
+                        <a:rPr lang="fr-FR" sz="1000" dirty="0">
                           <a:solidFill>
                             <a:srgbClr val="020302"/>
                           </a:solidFill>
                           <a:latin typeface="AdobeClean-Light"/>
                           <a:cs typeface="AdobeClean-Light"/>
                         </a:rPr>
-                        <a:t>2</a:t>
+                        <a:t>2/an</a:t>
                       </a:r>
+                    </a:p>
+                  </a:txBody>
+                  <a:tcPr marL="0" marR="0" marT="57150" marB="0"/>
+                </a:tc>
+                <a:tc>
+                  <a:txBody>
+                    <a:bodyPr/>
+                    <a:lstStyle/>
+                    <a:p>
+                      <a:pPr algn="ctr">
+                        <a:lnSpc>
+                          <a:spcPct val="100000"/>
+                        </a:lnSpc>
+                        <a:spcBef>
+                          <a:spcPts val="450"/>
+                        </a:spcBef>
+                      </a:pPr>
                       <a:r>
-                        <a:rPr lang="en-US" sz="1100" spc="0" dirty="0">
+                        <a:rPr lang="fr-FR" sz="1000">
                           <a:solidFill>
                             <a:srgbClr val="020302"/>
                           </a:solidFill>
                           <a:latin typeface="AdobeClean-Light"/>
                           <a:cs typeface="AdobeClean-Light"/>
                         </a:rPr>
-                        <a:t>/year</a:t>
+                        <a:t>4/an</a:t>
                       </a:r>
-                      <a:endParaRPr sz="1100" spc="0" dirty="0">
-                        <a:latin typeface="AdobeClean-Light"/>
-                        <a:cs typeface="AdobeClean-Light"/>
-                      </a:endParaRPr>
-                    </a:p>
-                  </a:txBody>
-                  <a:tcPr marL="0" marR="0" marT="57150" marB="0"/>
-                </a:tc>
-                <a:tc>
-                  <a:txBody>
-                    <a:bodyPr/>
-                    <a:lstStyle/>
-                    <a:p>
-                      <a:pPr algn="ctr">
-                        <a:lnSpc>
-                          <a:spcPct val="100000"/>
-                        </a:lnSpc>
-                        <a:spcBef>
-                          <a:spcPts val="450"/>
-                        </a:spcBef>
-                      </a:pPr>
-                      <a:r>
-                        <a:rPr sz="1100" spc="0" dirty="0">
-                          <a:solidFill>
-                            <a:srgbClr val="020302"/>
-                          </a:solidFill>
-                          <a:latin typeface="AdobeClean-Light"/>
-                          <a:cs typeface="AdobeClean-Light"/>
-                        </a:rPr>
-                        <a:t>4</a:t>
-                      </a:r>
-                      <a:r>
-                        <a:rPr lang="en-US" sz="1100" spc="0" dirty="0">
-                          <a:solidFill>
-                            <a:srgbClr val="020302"/>
-                          </a:solidFill>
-                          <a:latin typeface="AdobeClean-Light"/>
-                          <a:cs typeface="AdobeClean-Light"/>
-                        </a:rPr>
-                        <a:t>/year</a:t>
-                      </a:r>
-                      <a:endParaRPr sz="1100" spc="0" dirty="0">
-                        <a:latin typeface="AdobeClean-Light"/>
-                        <a:cs typeface="AdobeClean-Light"/>
-                      </a:endParaRPr>
                     </a:p>
                   </a:txBody>
                   <a:tcPr marL="0" marR="0" marT="57150" marB="0">
@@ -5880,7 +5470,7 @@
                     <a:bodyPr/>
                     <a:lstStyle/>
                     <a:p>
-                      <a:pPr marL="49530">
+                      <a:pPr marL="49530" algn="l" rtl="0">
                         <a:lnSpc>
                           <a:spcPct val="100000"/>
                         </a:lnSpc>
@@ -5929,16 +5519,12 @@
                         </a:spcBef>
                       </a:pPr>
                       <a:r>
-                        <a:rPr lang="en-US" sz="1100" b="0" i="0" spc="0" dirty="0">
+                        <a:rPr lang="fr-FR" sz="1000" b="0" i="0" dirty="0">
                           <a:latin typeface="Adobe Clean Light"/>
                           <a:cs typeface="AdobeClean-Light"/>
                         </a:rPr>
-                        <a:t>Case Reviews</a:t>
+                        <a:t>Examens de cas</a:t>
                       </a:r>
-                      <a:endParaRPr sz="1100" b="0" i="0" spc="0" dirty="0">
-                        <a:latin typeface="Adobe Clean Light"/>
-                        <a:cs typeface="AdobeClean-Light"/>
-                      </a:endParaRPr>
                     </a:p>
                   </a:txBody>
                   <a:tcPr marL="0" marR="0" marT="63500" marB="0">
@@ -5961,7 +5547,7 @@
                     <a:bodyPr/>
                     <a:lstStyle/>
                     <a:p>
-                      <a:pPr>
+                      <a:pPr algn="l" rtl="0">
                         <a:lnSpc>
                           <a:spcPct val="100000"/>
                         </a:lnSpc>
@@ -5994,7 +5580,7 @@
                     <a:bodyPr/>
                     <a:lstStyle/>
                     <a:p>
-                      <a:pPr>
+                      <a:pPr algn="l" rtl="0">
                         <a:lnSpc>
                           <a:spcPct val="100000"/>
                         </a:lnSpc>
@@ -6012,7 +5598,7 @@
                     <a:bodyPr/>
                     <a:lstStyle/>
                     <a:p>
-                      <a:pPr>
+                      <a:pPr algn="l" rtl="0">
                         <a:lnSpc>
                           <a:spcPct val="100000"/>
                         </a:lnSpc>
@@ -6039,16 +5625,12 @@
                         </a:spcBef>
                       </a:pPr>
                       <a:r>
-                        <a:rPr lang="en-US" sz="1100" spc="0" dirty="0">
+                        <a:rPr lang="fr-FR" sz="1000">
                           <a:latin typeface="AdobeClean-Light"/>
                           <a:cs typeface="AdobeClean-Light"/>
                         </a:rPr>
-                        <a:t>1/month</a:t>
+                        <a:t>1/mois</a:t>
                       </a:r>
-                      <a:endParaRPr sz="1100" spc="0" dirty="0">
-                        <a:latin typeface="AdobeClean-Light"/>
-                        <a:cs typeface="AdobeClean-Light"/>
-                      </a:endParaRPr>
                     </a:p>
                   </a:txBody>
                   <a:tcPr marL="0" marR="0" marT="57150" marB="0"/>
@@ -6067,16 +5649,12 @@
                         </a:spcBef>
                       </a:pPr>
                       <a:r>
-                        <a:rPr lang="en-US" sz="1100" spc="0" dirty="0">
+                        <a:rPr lang="fr-FR" sz="1000" dirty="0">
                           <a:latin typeface="AdobeClean-Light"/>
                           <a:cs typeface="AdobeClean-Light"/>
                         </a:rPr>
-                        <a:t>2/month</a:t>
+                        <a:t>2/mois</a:t>
                       </a:r>
-                      <a:endParaRPr sz="1100" spc="0" dirty="0">
-                        <a:latin typeface="AdobeClean-Light"/>
-                        <a:cs typeface="AdobeClean-Light"/>
-                      </a:endParaRPr>
                     </a:p>
                   </a:txBody>
                   <a:tcPr marL="0" marR="0" marT="57150" marB="0">
@@ -6128,11 +5706,11 @@
                         <a:defRPr/>
                       </a:pPr>
                       <a:r>
-                        <a:rPr lang="en-US" sz="1100" b="0" i="0" spc="0" dirty="0">
+                        <a:rPr lang="fr-FR" sz="1000" b="0" i="0">
                           <a:latin typeface="Adobe Clean Light" panose="020B0303020404020204" pitchFamily="34" charset="0"/>
                           <a:cs typeface="AdobeClean-Light"/>
                         </a:rPr>
-                        <a:t>Solution Review</a:t>
+                        <a:t>Examen des solutions</a:t>
                       </a:r>
                     </a:p>
                   </a:txBody>
@@ -6162,7 +5740,7 @@
                     <a:bodyPr/>
                     <a:lstStyle/>
                     <a:p>
-                      <a:pPr>
+                      <a:pPr algn="l" rtl="0">
                         <a:lnSpc>
                           <a:spcPct val="100000"/>
                         </a:lnSpc>
@@ -6195,7 +5773,7 @@
                     <a:bodyPr/>
                     <a:lstStyle/>
                     <a:p>
-                      <a:pPr>
+                      <a:pPr algn="l" rtl="0">
                         <a:lnSpc>
                           <a:spcPct val="100000"/>
                         </a:lnSpc>
@@ -6223,7 +5801,7 @@
                     <a:bodyPr/>
                     <a:lstStyle/>
                     <a:p>
-                      <a:pPr>
+                      <a:pPr algn="l" rtl="0">
                         <a:lnSpc>
                           <a:spcPct val="100000"/>
                         </a:lnSpc>
@@ -6259,7 +5837,7 @@
                         <a:defRPr/>
                       </a:pPr>
                       <a:r>
-                        <a:rPr lang="en-US" sz="1100" spc="0" dirty="0">
+                        <a:rPr lang="fr-FR" sz="1100">
                           <a:solidFill>
                             <a:srgbClr val="020302"/>
                           </a:solidFill>
@@ -6268,10 +5846,6 @@
                         </a:rPr>
                         <a:t></a:t>
                       </a:r>
-                      <a:endParaRPr lang="en-US" sz="1100" spc="0" dirty="0">
-                        <a:latin typeface="Wingdings"/>
-                        <a:cs typeface="Wingdings"/>
-                      </a:endParaRPr>
                     </a:p>
                   </a:txBody>
                   <a:tcPr marL="0" marR="0" marT="64135" marB="0">
@@ -6321,16 +5895,12 @@
                         <a:buNone/>
                       </a:pPr>
                       <a:r>
-                        <a:rPr lang="en-US" sz="1100" b="0" i="0" spc="0" dirty="0">
+                        <a:rPr lang="fr-FR" sz="1000" b="0" i="0" dirty="0">
                           <a:latin typeface="Adobe Clean Light"/>
                           <a:cs typeface="AdobeClean-Light"/>
                         </a:rPr>
-                        <a:t>Roadmap Review </a:t>
+                        <a:t>Examen de la feuille de route </a:t>
                       </a:r>
-                      <a:endParaRPr lang="en-US" sz="1100" b="0" i="0" spc="0" dirty="0">
-                        <a:latin typeface="Adobe Clean Light" panose="020B0303020404020204" pitchFamily="34" charset="0"/>
-                        <a:cs typeface="AdobeClean-Light"/>
-                      </a:endParaRPr>
                     </a:p>
                   </a:txBody>
                   <a:tcPr marL="0" marR="0" marT="63500" marB="0">
@@ -6359,7 +5929,7 @@
                     <a:bodyPr/>
                     <a:lstStyle/>
                     <a:p>
-                      <a:pPr>
+                      <a:pPr algn="l" rtl="0">
                         <a:lnSpc>
                           <a:spcPct val="100000"/>
                         </a:lnSpc>
@@ -6392,7 +5962,7 @@
                     <a:bodyPr/>
                     <a:lstStyle/>
                     <a:p>
-                      <a:pPr>
+                      <a:pPr algn="l" rtl="0">
                         <a:lnSpc>
                           <a:spcPct val="100000"/>
                         </a:lnSpc>
@@ -6420,7 +5990,7 @@
                     <a:bodyPr/>
                     <a:lstStyle/>
                     <a:p>
-                      <a:pPr>
+                      <a:pPr algn="l" rtl="0">
                         <a:lnSpc>
                           <a:spcPct val="100000"/>
                         </a:lnSpc>
@@ -6456,7 +6026,7 @@
                         <a:defRPr/>
                       </a:pPr>
                       <a:r>
-                        <a:rPr lang="en-US" sz="1100" spc="0" dirty="0">
+                        <a:rPr lang="fr-FR" sz="1100">
                           <a:solidFill>
                             <a:srgbClr val="020302"/>
                           </a:solidFill>
@@ -6465,10 +6035,6 @@
                         </a:rPr>
                         <a:t></a:t>
                       </a:r>
-                      <a:endParaRPr lang="en-US" sz="1100" spc="0" dirty="0">
-                        <a:latin typeface="Wingdings"/>
-                        <a:cs typeface="Wingdings"/>
-                      </a:endParaRPr>
                     </a:p>
                   </a:txBody>
                   <a:tcPr marL="0" marR="0" marT="64135" marB="0">
@@ -6518,19 +6084,15 @@
                         <a:buNone/>
                       </a:pPr>
                       <a:r>
-                        <a:rPr lang="en-US" sz="1100" b="0" i="0" spc="0" dirty="0">
+                        <a:rPr lang="fr-FR" sz="1000" b="0" i="0">
                           <a:solidFill>
                             <a:srgbClr val="020302"/>
                           </a:solidFill>
                           <a:latin typeface="Adobe Clean Light"/>
                           <a:cs typeface="AdobeClean-Light"/>
                         </a:rPr>
-                        <a:t>Additional Named Support Contacts </a:t>
+                        <a:t>Contacts d’assistance nommés supplémentaires </a:t>
                       </a:r>
-                      <a:endParaRPr lang="en-US" sz="1100" b="0" i="0" spc="0" dirty="0">
-                        <a:latin typeface="Adobe Clean Light" panose="020B0303020404020204" pitchFamily="34" charset="0"/>
-                        <a:cs typeface="AdobeClean-Light"/>
-                      </a:endParaRPr>
                     </a:p>
                   </a:txBody>
                   <a:tcPr marL="0" marR="0" marT="63500" marB="0">
@@ -6559,7 +6121,7 @@
                     <a:bodyPr/>
                     <a:lstStyle/>
                     <a:p>
-                      <a:pPr>
+                      <a:pPr algn="l" rtl="0">
                         <a:lnSpc>
                           <a:spcPct val="100000"/>
                         </a:lnSpc>
@@ -6592,7 +6154,7 @@
                     <a:bodyPr/>
                     <a:lstStyle/>
                     <a:p>
-                      <a:pPr>
+                      <a:pPr algn="l" rtl="0">
                         <a:lnSpc>
                           <a:spcPct val="100000"/>
                         </a:lnSpc>
@@ -6620,7 +6182,7 @@
                     <a:bodyPr/>
                     <a:lstStyle/>
                     <a:p>
-                      <a:pPr>
+                      <a:pPr algn="l" rtl="0">
                         <a:lnSpc>
                           <a:spcPct val="100000"/>
                         </a:lnSpc>
@@ -6656,7 +6218,7 @@
                         <a:defRPr/>
                       </a:pPr>
                       <a:r>
-                        <a:rPr lang="en-US" sz="1100" spc="0" dirty="0">
+                        <a:rPr lang="fr-FR" sz="1100">
                           <a:solidFill>
                             <a:srgbClr val="020302"/>
                           </a:solidFill>
@@ -6665,10 +6227,6 @@
                         </a:rPr>
                         <a:t></a:t>
                       </a:r>
-                      <a:endParaRPr lang="en-US" sz="1100" spc="0" dirty="0">
-                        <a:latin typeface="Wingdings"/>
-                        <a:cs typeface="Wingdings"/>
-                      </a:endParaRPr>
                     </a:p>
                   </a:txBody>
                   <a:tcPr marL="0" marR="0" marT="64135" marB="0">
@@ -6711,16 +6269,12 @@
                         </a:spcBef>
                       </a:pPr>
                       <a:r>
-                        <a:rPr lang="en-US" sz="1100" b="0" i="0" spc="0" dirty="0">
+                        <a:rPr lang="fr-FR" sz="1000" b="0" i="0" dirty="0">
                           <a:latin typeface="Adobe Clean Light"/>
                           <a:cs typeface="AdobeClean-Light"/>
                         </a:rPr>
-                        <a:t>Upgrade/Migration Planning</a:t>
+                        <a:t>Planification des mises à niveau/de la migration</a:t>
                       </a:r>
-                      <a:endParaRPr sz="1100" b="0" i="0" spc="0" dirty="0">
-                        <a:latin typeface="Adobe Clean Light"/>
-                        <a:cs typeface="AdobeClean-Light"/>
-                      </a:endParaRPr>
                     </a:p>
                   </a:txBody>
                   <a:tcPr marL="0" marR="0" marT="63500" marB="0">
@@ -6749,7 +6303,7 @@
                     <a:bodyPr/>
                     <a:lstStyle/>
                     <a:p>
-                      <a:pPr>
+                      <a:pPr algn="l" rtl="0">
                         <a:lnSpc>
                           <a:spcPct val="100000"/>
                         </a:lnSpc>
@@ -6782,7 +6336,7 @@
                     <a:bodyPr/>
                     <a:lstStyle/>
                     <a:p>
-                      <a:pPr>
+                      <a:pPr algn="l" rtl="0">
                         <a:lnSpc>
                           <a:spcPct val="100000"/>
                         </a:lnSpc>
@@ -6810,7 +6364,7 @@
                     <a:bodyPr/>
                     <a:lstStyle/>
                     <a:p>
-                      <a:pPr>
+                      <a:pPr algn="l" rtl="0">
                         <a:lnSpc>
                           <a:spcPct val="100000"/>
                         </a:lnSpc>
@@ -6846,7 +6400,7 @@
                         <a:defRPr/>
                       </a:pPr>
                       <a:r>
-                        <a:rPr lang="en-US" sz="1100" spc="0" dirty="0">
+                        <a:rPr lang="fr-FR" sz="1100">
                           <a:solidFill>
                             <a:srgbClr val="020302"/>
                           </a:solidFill>
@@ -6855,10 +6409,6 @@
                         </a:rPr>
                         <a:t></a:t>
                       </a:r>
-                      <a:endParaRPr lang="en-US" sz="1100" spc="0" dirty="0">
-                        <a:latin typeface="Wingdings"/>
-                        <a:cs typeface="Wingdings"/>
-                      </a:endParaRPr>
                     </a:p>
                   </a:txBody>
                   <a:tcPr marL="0" marR="0" marT="64135" marB="0">
@@ -6901,16 +6451,12 @@
                         </a:spcBef>
                       </a:pPr>
                       <a:r>
-                        <a:rPr lang="en-US" sz="1100" b="0" i="0" spc="0" dirty="0">
+                        <a:rPr lang="fr-FR" sz="1000" b="0" i="0" dirty="0">
                           <a:latin typeface="Adobe Clean Light"/>
                           <a:cs typeface="AdobeClean-Light"/>
                         </a:rPr>
-                        <a:t>Release Preparation and Planning</a:t>
+                        <a:t>Préparation et planification des versions</a:t>
                       </a:r>
-                      <a:endParaRPr sz="1100" b="0" i="0" spc="0" dirty="0">
-                        <a:latin typeface="Adobe Clean Light"/>
-                        <a:cs typeface="AdobeClean-Light"/>
-                      </a:endParaRPr>
                     </a:p>
                   </a:txBody>
                   <a:tcPr marL="0" marR="0" marT="63500" marB="0">
@@ -6939,7 +6485,7 @@
                     <a:bodyPr/>
                     <a:lstStyle/>
                     <a:p>
-                      <a:pPr>
+                      <a:pPr algn="l" rtl="0">
                         <a:lnSpc>
                           <a:spcPct val="100000"/>
                         </a:lnSpc>
@@ -6972,7 +6518,7 @@
                     <a:bodyPr/>
                     <a:lstStyle/>
                     <a:p>
-                      <a:pPr>
+                      <a:pPr algn="l" rtl="0">
                         <a:lnSpc>
                           <a:spcPct val="100000"/>
                         </a:lnSpc>
@@ -7000,7 +6546,7 @@
                     <a:bodyPr/>
                     <a:lstStyle/>
                     <a:p>
-                      <a:pPr>
+                      <a:pPr algn="l" rtl="0">
                         <a:lnSpc>
                           <a:spcPct val="100000"/>
                         </a:lnSpc>
@@ -7036,7 +6582,7 @@
                         <a:defRPr/>
                       </a:pPr>
                       <a:r>
-                        <a:rPr lang="en-US" sz="1100" spc="0" dirty="0">
+                        <a:rPr lang="fr-FR" sz="1100">
                           <a:solidFill>
                             <a:srgbClr val="020302"/>
                           </a:solidFill>
@@ -7045,10 +6591,6 @@
                         </a:rPr>
                         <a:t></a:t>
                       </a:r>
-                      <a:endParaRPr lang="en-US" sz="1100" spc="0" dirty="0">
-                        <a:latin typeface="Wingdings"/>
-                        <a:cs typeface="Wingdings"/>
-                      </a:endParaRPr>
                     </a:p>
                   </a:txBody>
                   <a:tcPr marL="0" marR="0" marT="64135" marB="0">
@@ -7072,7 +6614,7 @@
                     <a:bodyPr/>
                     <a:lstStyle/>
                     <a:p>
-                      <a:pPr marL="49530">
+                      <a:pPr marL="49530" algn="l" rtl="0">
                         <a:lnSpc>
                           <a:spcPct val="100000"/>
                         </a:lnSpc>
@@ -7139,16 +6681,12 @@
                         </a:spcBef>
                       </a:pPr>
                       <a:r>
-                        <a:rPr lang="en-US" sz="1100" b="0" i="0" spc="0" dirty="0">
+                        <a:rPr lang="fr-FR" sz="1000" b="0" i="0" dirty="0">
                           <a:latin typeface="Adobe Clean Light" panose="020B0303020404020204" pitchFamily="34" charset="0"/>
                           <a:cs typeface="AdobeClean-Light"/>
                         </a:rPr>
-                        <a:t>Executive Sponsor</a:t>
+                        <a:t>Parrain du projet</a:t>
                       </a:r>
-                      <a:endParaRPr sz="1100" b="0" i="0" spc="0" dirty="0">
-                        <a:latin typeface="Adobe Clean Light" panose="020B0303020404020204" pitchFamily="34" charset="0"/>
-                        <a:cs typeface="AdobeClean-Light"/>
-                      </a:endParaRPr>
                     </a:p>
                   </a:txBody>
                   <a:tcPr marL="0" marR="0" marT="67310" marB="0">
@@ -7183,7 +6721,7 @@
                     <a:bodyPr/>
                     <a:lstStyle/>
                     <a:p>
-                      <a:pPr>
+                      <a:pPr algn="l" rtl="0">
                         <a:lnSpc>
                           <a:spcPct val="100000"/>
                         </a:lnSpc>
@@ -7222,7 +6760,7 @@
                     <a:bodyPr/>
                     <a:lstStyle/>
                     <a:p>
-                      <a:pPr>
+                      <a:pPr algn="l" rtl="0">
                         <a:lnSpc>
                           <a:spcPct val="100000"/>
                         </a:lnSpc>
@@ -7247,7 +6785,7 @@
                     <a:bodyPr/>
                     <a:lstStyle/>
                     <a:p>
-                      <a:pPr>
+                      <a:pPr algn="l" rtl="0">
                         <a:lnSpc>
                           <a:spcPct val="100000"/>
                         </a:lnSpc>
@@ -7275,7 +6813,7 @@
                     <a:bodyPr/>
                     <a:lstStyle/>
                     <a:p>
-                      <a:pPr algn="ctr">
+                      <a:pPr algn="l" rtl="0">
                         <a:lnSpc>
                           <a:spcPct val="100000"/>
                         </a:lnSpc>
@@ -7312,7 +6850,7 @@
                         </a:spcBef>
                       </a:pPr>
                       <a:r>
-                        <a:rPr sz="1100" spc="0" dirty="0">
+                        <a:rPr lang="fr-FR" sz="1100" dirty="0">
                           <a:solidFill>
                             <a:srgbClr val="020302"/>
                           </a:solidFill>
@@ -7321,10 +6859,6 @@
                         </a:rPr>
                         <a:t></a:t>
                       </a:r>
-                      <a:endParaRPr sz="1100" spc="0" dirty="0">
-                        <a:latin typeface="Wingdings"/>
-                        <a:cs typeface="Wingdings"/>
-                      </a:endParaRPr>
                     </a:p>
                   </a:txBody>
                   <a:tcPr marL="0" marR="0" marT="62230" marB="0">
@@ -7364,8 +6898,8 @@
         </p:nvSpPr>
         <p:spPr>
           <a:xfrm>
-            <a:off x="137890" y="9852238"/>
-            <a:ext cx="2270125" cy="132729"/>
+            <a:off x="137890" y="9852239"/>
+            <a:ext cx="3214910" cy="132729"/>
           </a:xfrm>
           <a:prstGeom prst="rect">
             <a:avLst/>
@@ -7386,24 +6920,24 @@
               </a:spcBef>
             </a:pPr>
             <a:r>
-              <a:rPr spc="-5" dirty="0"/>
-              <a:t>©202</a:t>
+              <a:rPr lang="fr-FR" dirty="0"/>
+              <a:t>©2020 Adobe. All </a:t>
             </a:r>
             <a:r>
-              <a:rPr lang="en-US" spc="-5" dirty="0"/>
-              <a:t>2</a:t>
+              <a:rPr lang="fr-FR" dirty="0" err="1"/>
+              <a:t>Rights</a:t>
             </a:r>
             <a:r>
-              <a:rPr spc="-5" dirty="0"/>
-              <a:t> Adobe. All Rights Reserved. Adobe</a:t>
-            </a:r>
-            <a:r>
-              <a:rPr spc="60" dirty="0"/>
+              <a:rPr lang="fr-FR" dirty="0"/>
               <a:t> </a:t>
             </a:r>
             <a:r>
-              <a:rPr spc="-5" dirty="0"/>
-              <a:t>Confidential.</a:t>
+              <a:rPr lang="fr-FR" dirty="0" err="1"/>
+              <a:t>Reserved</a:t>
+            </a:r>
+            <a:r>
+              <a:rPr lang="fr-FR" dirty="0"/>
+              <a:t>. Données confidentielles Adobe</a:t>
             </a:r>
           </a:p>
         </p:txBody>
@@ -7417,14 +6951,14 @@
           <p:nvPr>
             <p:extLst>
               <p:ext uri="{D42A27DB-BD31-4B8C-83A1-F6EECF244321}">
-                <p14:modId xmlns:p14="http://schemas.microsoft.com/office/powerpoint/2010/main" val="2735922411"/>
+                <p14:modId xmlns:p14="http://schemas.microsoft.com/office/powerpoint/2010/main" val="2571939646"/>
               </p:ext>
             </p:extLst>
           </p:nvPr>
         </p:nvGraphicFramePr>
         <p:xfrm>
           <a:off x="95250" y="7483227"/>
-          <a:ext cx="7600951" cy="2361428"/>
+          <a:ext cx="7600951" cy="2336859"/>
         </p:xfrm>
         <a:graphic>
           <a:graphicData uri="http://schemas.openxmlformats.org/drawingml/2006/table">
@@ -7484,19 +7018,15 @@
                         </a:spcBef>
                       </a:pPr>
                       <a:r>
-                        <a:rPr sz="1000" spc="0" dirty="0">
+                        <a:rPr lang="fr-FR" sz="900" dirty="0">
                           <a:solidFill>
                             <a:srgbClr val="020302"/>
                           </a:solidFill>
                           <a:latin typeface="Adobe Clean"/>
                           <a:cs typeface="Adobe Clean"/>
                         </a:rPr>
-                        <a:t>Priority</a:t>
+                        <a:t>Priorité</a:t>
                       </a:r>
-                      <a:endParaRPr sz="1000" spc="0" dirty="0">
-                        <a:latin typeface="Adobe Clean"/>
-                        <a:cs typeface="Adobe Clean"/>
-                      </a:endParaRPr>
                     </a:p>
                   </a:txBody>
                   <a:tcPr marL="0" marR="0" marT="7620" marB="0" anchor="ctr">
@@ -7543,49 +7073,15 @@
                         </a:spcBef>
                       </a:pPr>
                       <a:r>
-                        <a:rPr lang="en-US" sz="900" spc="0" dirty="0">
+                        <a:rPr lang="fr-FR" sz="800" dirty="0">
                           <a:solidFill>
                             <a:srgbClr val="020302"/>
                           </a:solidFill>
                           <a:latin typeface="Adobe Clean"/>
                           <a:cs typeface="Adobe Clean"/>
                         </a:rPr>
-                        <a:t>Standard</a:t>
+                        <a:t>Assistance standard</a:t>
                       </a:r>
-                      <a:r>
-                        <a:rPr sz="900" spc="0" dirty="0">
-                          <a:solidFill>
-                            <a:srgbClr val="020302"/>
-                          </a:solidFill>
-                          <a:latin typeface="Adobe Clean"/>
-                          <a:cs typeface="Adobe Clean"/>
-                        </a:rPr>
-                        <a:t> </a:t>
-                      </a:r>
-                      <a:r>
-                        <a:rPr lang="en-US" sz="900" spc="0" dirty="0">
-                          <a:solidFill>
-                            <a:srgbClr val="020302"/>
-                          </a:solidFill>
-                          <a:latin typeface="Adobe Clean"/>
-                          <a:cs typeface="Adobe Clean"/>
-                        </a:rPr>
-                        <a:t> </a:t>
-                      </a:r>
-                      <a:r>
-                        <a:rPr sz="900" spc="0" dirty="0">
-                          <a:solidFill>
-                            <a:srgbClr val="020302"/>
-                          </a:solidFill>
-                          <a:latin typeface="Adobe Clean"/>
-                          <a:cs typeface="Adobe Clean"/>
-                        </a:rPr>
-                        <a:t>Support</a:t>
-                      </a:r>
-                      <a:endParaRPr sz="900" spc="0" dirty="0">
-                        <a:latin typeface="Adobe Clean"/>
-                        <a:cs typeface="Adobe Clean"/>
-                      </a:endParaRPr>
                     </a:p>
                   </a:txBody>
                   <a:tcPr marL="0" marR="0" marT="0" marB="0" anchor="ctr">
@@ -7635,197 +7131,125 @@
                         </a:spcBef>
                       </a:pPr>
                       <a:r>
-                        <a:rPr sz="900" spc="0" dirty="0">
+                        <a:rPr lang="fr-FR" sz="800" dirty="0">
                           <a:solidFill>
                             <a:srgbClr val="FFFFFF"/>
                           </a:solidFill>
                           <a:latin typeface="Adobe Clean"/>
                           <a:cs typeface="Adobe Clean"/>
                         </a:rPr>
-                        <a:t>Business</a:t>
+                        <a:t>Assistance commerciale</a:t>
                       </a:r>
+                    </a:p>
+                  </a:txBody>
+                  <a:tcPr marL="0" marR="0" marT="0" marB="0" anchor="ctr">
+                    <a:lnL w="3175">
+                      <a:solidFill>
+                        <a:srgbClr val="B7B8B8"/>
+                      </a:solidFill>
+                      <a:prstDash val="solid"/>
+                    </a:lnL>
+                    <a:lnR w="3175">
+                      <a:solidFill>
+                        <a:srgbClr val="B7B8B8"/>
+                      </a:solidFill>
+                      <a:prstDash val="solid"/>
+                    </a:lnR>
+                    <a:lnT w="3175">
+                      <a:solidFill>
+                        <a:srgbClr val="B7B8B8"/>
+                      </a:solidFill>
+                      <a:prstDash val="solid"/>
+                    </a:lnT>
+                    <a:lnB w="76200">
+                      <a:solidFill>
+                        <a:srgbClr val="ACD2FF"/>
+                      </a:solidFill>
+                      <a:prstDash val="solid"/>
+                    </a:lnB>
+                    <a:solidFill>
+                      <a:srgbClr val="7D7D7D"/>
+                    </a:solidFill>
+                  </a:tcPr>
+                </a:tc>
+                <a:tc>
+                  <a:txBody>
+                    <a:bodyPr/>
+                    <a:lstStyle/>
+                    <a:p>
+                      <a:pPr marL="0" algn="ctr">
+                        <a:lnSpc>
+                          <a:spcPct val="100000"/>
+                        </a:lnSpc>
+                        <a:spcBef>
+                          <a:spcPts val="60"/>
+                        </a:spcBef>
+                      </a:pPr>
                       <a:r>
-                        <a:rPr lang="en-US" sz="900" spc="0" dirty="0">
+                        <a:rPr lang="fr-FR" sz="800">
                           <a:solidFill>
                             <a:srgbClr val="FFFFFF"/>
                           </a:solidFill>
                           <a:latin typeface="Adobe Clean"/>
                           <a:cs typeface="Adobe Clean"/>
                         </a:rPr>
-                        <a:t> </a:t>
+                        <a:t>Assistance aux entreprises</a:t>
                       </a:r>
+                    </a:p>
+                  </a:txBody>
+                  <a:tcPr marL="0" marR="0" marT="0" marB="0" anchor="ctr">
+                    <a:lnL w="3175">
+                      <a:solidFill>
+                        <a:srgbClr val="B7B8B8"/>
+                      </a:solidFill>
+                      <a:prstDash val="solid"/>
+                    </a:lnL>
+                    <a:lnR w="3175">
+                      <a:solidFill>
+                        <a:srgbClr val="B7B8B8"/>
+                      </a:solidFill>
+                      <a:prstDash val="solid"/>
+                    </a:lnR>
+                    <a:lnT w="3175">
+                      <a:solidFill>
+                        <a:srgbClr val="B7B8B8"/>
+                      </a:solidFill>
+                      <a:prstDash val="solid"/>
+                    </a:lnT>
+                    <a:lnB w="76200">
+                      <a:solidFill>
+                        <a:srgbClr val="2E8FFF"/>
+                      </a:solidFill>
+                      <a:prstDash val="solid"/>
+                    </a:lnB>
+                    <a:solidFill>
+                      <a:srgbClr val="404040"/>
+                    </a:solidFill>
+                  </a:tcPr>
+                </a:tc>
+                <a:tc>
+                  <a:txBody>
+                    <a:bodyPr/>
+                    <a:lstStyle/>
+                    <a:p>
+                      <a:pPr marL="0" algn="ctr">
+                        <a:lnSpc>
+                          <a:spcPct val="100000"/>
+                        </a:lnSpc>
+                        <a:spcBef>
+                          <a:spcPts val="60"/>
+                        </a:spcBef>
+                      </a:pPr>
                       <a:r>
-                        <a:rPr sz="900" spc="0" dirty="0">
+                        <a:rPr lang="fr-FR" sz="800" dirty="0">
                           <a:solidFill>
                             <a:srgbClr val="FFFFFF"/>
                           </a:solidFill>
                           <a:latin typeface="Adobe Clean"/>
                           <a:cs typeface="Adobe Clean"/>
                         </a:rPr>
-                        <a:t>Support</a:t>
+                        <a:t>Assistance Elite</a:t>
                       </a:r>
-                      <a:endParaRPr sz="900" spc="0" dirty="0">
-                        <a:latin typeface="Adobe Clean"/>
-                        <a:cs typeface="Adobe Clean"/>
-                      </a:endParaRPr>
-                    </a:p>
-                  </a:txBody>
-                  <a:tcPr marL="0" marR="0" marT="0" marB="0" anchor="ctr">
-                    <a:lnL w="3175">
-                      <a:solidFill>
-                        <a:srgbClr val="B7B8B8"/>
-                      </a:solidFill>
-                      <a:prstDash val="solid"/>
-                    </a:lnL>
-                    <a:lnR w="3175">
-                      <a:solidFill>
-                        <a:srgbClr val="B7B8B8"/>
-                      </a:solidFill>
-                      <a:prstDash val="solid"/>
-                    </a:lnR>
-                    <a:lnT w="3175">
-                      <a:solidFill>
-                        <a:srgbClr val="B7B8B8"/>
-                      </a:solidFill>
-                      <a:prstDash val="solid"/>
-                    </a:lnT>
-                    <a:lnB w="76200">
-                      <a:solidFill>
-                        <a:srgbClr val="ACD2FF"/>
-                      </a:solidFill>
-                      <a:prstDash val="solid"/>
-                    </a:lnB>
-                    <a:solidFill>
-                      <a:srgbClr val="7D7D7D"/>
-                    </a:solidFill>
-                  </a:tcPr>
-                </a:tc>
-                <a:tc>
-                  <a:txBody>
-                    <a:bodyPr/>
-                    <a:lstStyle/>
-                    <a:p>
-                      <a:pPr marL="0" algn="ctr">
-                        <a:lnSpc>
-                          <a:spcPct val="100000"/>
-                        </a:lnSpc>
-                        <a:spcBef>
-                          <a:spcPts val="60"/>
-                        </a:spcBef>
-                      </a:pPr>
-                      <a:r>
-                        <a:rPr sz="900" spc="0" dirty="0">
-                          <a:solidFill>
-                            <a:srgbClr val="FFFFFF"/>
-                          </a:solidFill>
-                          <a:latin typeface="Adobe Clean"/>
-                          <a:cs typeface="Adobe Clean"/>
-                        </a:rPr>
-                        <a:t>Enterprise </a:t>
-                      </a:r>
-                      <a:r>
-                        <a:rPr lang="en-US" sz="900" spc="0" dirty="0">
-                          <a:solidFill>
-                            <a:srgbClr val="FFFFFF"/>
-                          </a:solidFill>
-                          <a:latin typeface="Adobe Clean"/>
-                          <a:cs typeface="Adobe Clean"/>
-                        </a:rPr>
-                        <a:t> </a:t>
-                      </a:r>
-                      <a:r>
-                        <a:rPr sz="900" spc="0" dirty="0">
-                          <a:solidFill>
-                            <a:srgbClr val="FFFFFF"/>
-                          </a:solidFill>
-                          <a:latin typeface="Adobe Clean"/>
-                          <a:cs typeface="Adobe Clean"/>
-                        </a:rPr>
-                        <a:t>Support</a:t>
-                      </a:r>
-                      <a:endParaRPr sz="900" spc="0" dirty="0">
-                        <a:latin typeface="Adobe Clean"/>
-                        <a:cs typeface="Adobe Clean"/>
-                      </a:endParaRPr>
-                    </a:p>
-                  </a:txBody>
-                  <a:tcPr marL="0" marR="0" marT="0" marB="0" anchor="ctr">
-                    <a:lnL w="3175">
-                      <a:solidFill>
-                        <a:srgbClr val="B7B8B8"/>
-                      </a:solidFill>
-                      <a:prstDash val="solid"/>
-                    </a:lnL>
-                    <a:lnR w="3175">
-                      <a:solidFill>
-                        <a:srgbClr val="B7B8B8"/>
-                      </a:solidFill>
-                      <a:prstDash val="solid"/>
-                    </a:lnR>
-                    <a:lnT w="3175">
-                      <a:solidFill>
-                        <a:srgbClr val="B7B8B8"/>
-                      </a:solidFill>
-                      <a:prstDash val="solid"/>
-                    </a:lnT>
-                    <a:lnB w="76200">
-                      <a:solidFill>
-                        <a:srgbClr val="2E8FFF"/>
-                      </a:solidFill>
-                      <a:prstDash val="solid"/>
-                    </a:lnB>
-                    <a:solidFill>
-                      <a:srgbClr val="404040"/>
-                    </a:solidFill>
-                  </a:tcPr>
-                </a:tc>
-                <a:tc>
-                  <a:txBody>
-                    <a:bodyPr/>
-                    <a:lstStyle/>
-                    <a:p>
-                      <a:pPr marL="0" algn="ctr">
-                        <a:lnSpc>
-                          <a:spcPct val="100000"/>
-                        </a:lnSpc>
-                        <a:spcBef>
-                          <a:spcPts val="60"/>
-                        </a:spcBef>
-                      </a:pPr>
-                      <a:r>
-                        <a:rPr sz="900" spc="0" dirty="0">
-                          <a:solidFill>
-                            <a:srgbClr val="FFFFFF"/>
-                          </a:solidFill>
-                          <a:latin typeface="Adobe Clean"/>
-                          <a:cs typeface="Adobe Clean"/>
-                        </a:rPr>
-                        <a:t>Elite</a:t>
-                      </a:r>
-                      <a:r>
-                        <a:rPr lang="en-US" sz="900" spc="0" dirty="0">
-                          <a:solidFill>
-                            <a:srgbClr val="FFFFFF"/>
-                          </a:solidFill>
-                          <a:latin typeface="Adobe Clean"/>
-                          <a:cs typeface="Adobe Clean"/>
-                        </a:rPr>
-                        <a:t> </a:t>
-                      </a:r>
-                      <a:r>
-                        <a:rPr sz="900" spc="0" dirty="0">
-                          <a:solidFill>
-                            <a:srgbClr val="FFFFFF"/>
-                          </a:solidFill>
-                          <a:latin typeface="Adobe Clean"/>
-                          <a:cs typeface="Adobe Clean"/>
-                        </a:rPr>
-                        <a:t>Support</a:t>
-                      </a:r>
-                      <a:endParaRPr sz="900" spc="0" dirty="0">
-                        <a:latin typeface="Adobe Clean"/>
-                        <a:cs typeface="Adobe Clean"/>
-                      </a:endParaRPr>
                     </a:p>
                   </a:txBody>
                   <a:tcPr marL="0" marR="0" marT="0" marB="0" anchor="ctr">
@@ -7879,19 +7303,15 @@
                         </a:spcBef>
                       </a:pPr>
                       <a:r>
-                        <a:rPr sz="900" b="1" spc="0" dirty="0">
+                        <a:rPr lang="fr-FR" sz="800" b="1" dirty="0">
                           <a:solidFill>
                             <a:srgbClr val="020302"/>
                           </a:solidFill>
                           <a:latin typeface="Adobe Clean"/>
                           <a:cs typeface="Adobe Clean"/>
                         </a:rPr>
-                        <a:t>PRIORITY 1</a:t>
+                        <a:t>PRIORITÉ 1</a:t>
                       </a:r>
-                      <a:endParaRPr sz="900" spc="0" dirty="0">
-                        <a:latin typeface="Adobe Clean"/>
-                        <a:cs typeface="Adobe Clean"/>
-                      </a:endParaRPr>
                     </a:p>
                     <a:p>
                       <a:pPr marL="50800" marR="387985">
@@ -7903,19 +7323,14 @@
                         </a:spcBef>
                       </a:pPr>
                       <a:r>
-                        <a:rPr lang="en-US" sz="900" b="0" i="0" spc="0" dirty="0">
+                        <a:rPr lang="fr-FR" sz="800" b="0" i="0" dirty="0">
                           <a:solidFill>
                             <a:srgbClr val="000000"/>
                           </a:solidFill>
-                          <a:effectLst/>
                           <a:latin typeface="Adobe Clean Light" panose="020B0303020404020204" pitchFamily="34" charset="0"/>
                         </a:rPr>
-                        <a:t>Customer's production business functions are down or have significant data loss or service degradation and immediate attention is required to restore functionality and usability. </a:t>
+                        <a:t>Les fonctions commerciales de production du client sont en panne ou présentent une perte de données ou une dégradation importante du service. Une attention immédiate est requise afin de restaurer les fonctionnalités et l’accessibilité. </a:t>
                       </a:r>
-                      <a:endParaRPr sz="900" spc="0" dirty="0">
-                        <a:latin typeface="AdobeClean-Light"/>
-                        <a:cs typeface="AdobeClean-Light"/>
-                      </a:endParaRPr>
                     </a:p>
                   </a:txBody>
                   <a:tcPr marL="0" marR="0" marT="0" marB="0" anchor="ctr">
@@ -7962,7 +7377,7 @@
                         </a:spcBef>
                       </a:pPr>
                       <a:r>
-                        <a:rPr lang="en-US" sz="900" spc="0" dirty="0">
+                        <a:rPr lang="fr-FR" sz="800">
                           <a:solidFill>
                             <a:srgbClr val="020302"/>
                           </a:solidFill>
@@ -7982,19 +7397,15 @@
                         </a:spcBef>
                       </a:pPr>
                       <a:r>
-                        <a:rPr lang="en-US" sz="900" spc="0" dirty="0">
+                        <a:rPr lang="fr-FR" sz="800">
                           <a:solidFill>
                             <a:srgbClr val="020302"/>
                           </a:solidFill>
                           <a:latin typeface="AdobeClean-Light"/>
                           <a:cs typeface="AdobeClean-Light"/>
                         </a:rPr>
-                        <a:t> 30 minutes</a:t>
+                        <a:t> 30 minutes</a:t>
                       </a:r>
-                      <a:endParaRPr lang="en-US" sz="900" spc="0" dirty="0">
-                        <a:latin typeface="AdobeClean-Light"/>
-                        <a:cs typeface="AdobeClean-Light"/>
-                      </a:endParaRPr>
                     </a:p>
                   </a:txBody>
                   <a:tcPr marL="0" marR="0" marT="0" marB="0" anchor="ctr">
@@ -8039,10 +7450,10 @@
                         <a:tabLst/>
                       </a:pPr>
                       <a:r>
-                        <a:rPr lang="en-US" sz="900" i="0" spc="0" dirty="0">
+                        <a:rPr lang="fr-FR" sz="800" i="0" dirty="0">
                           <a:latin typeface="AdobeClean-Light"/>
                         </a:rPr>
-                        <a:t>Customers who purchase a Support Plan for applicable Adobe Products and Services receive priority case routing that fast-tracks cases to Adobe’s Support Engineers. </a:t>
+                        <a:t>Les clients qui achètent un plan d’assistance pour les produits et services Adobe concernés bénéficient de l’acheminement prioritaire des cas qui accélère leur résolution par les ingénieurs d’assistance Adobe. </a:t>
                       </a:r>
                     </a:p>
                   </a:txBody>
@@ -8090,7 +7501,7 @@
                         </a:spcBef>
                       </a:pPr>
                       <a:r>
-                        <a:rPr sz="900" spc="0">
+                        <a:rPr lang="fr-FR" sz="900">
                           <a:solidFill>
                             <a:srgbClr val="020302"/>
                           </a:solidFill>
@@ -8100,10 +7511,52 @@
                           <a:latin typeface="AdobeClean-Light"/>
                           <a:cs typeface="AdobeClean-Light"/>
                         </a:rPr>
-                        <a:t>24x7 /  </a:t>
+                        <a:t>24x7 /            30 minutes</a:t>
                       </a:r>
+                    </a:p>
+                  </a:txBody>
+                  <a:tcPr marL="0" marR="0" marT="0" marB="0" anchor="ctr">
+                    <a:lnL w="3175">
+                      <a:solidFill>
+                        <a:srgbClr val="B7B8B8"/>
+                      </a:solidFill>
+                      <a:prstDash val="solid"/>
+                    </a:lnL>
+                    <a:lnR w="3175">
+                      <a:solidFill>
+                        <a:srgbClr val="B7B8B8"/>
+                      </a:solidFill>
+                      <a:prstDash val="solid"/>
+                    </a:lnR>
+                    <a:lnT w="76200">
+                      <a:solidFill>
+                        <a:srgbClr val="2E8FFF"/>
+                      </a:solidFill>
+                      <a:prstDash val="solid"/>
+                    </a:lnT>
+                    <a:lnB w="3175">
+                      <a:solidFill>
+                        <a:srgbClr val="B7B8B8"/>
+                      </a:solidFill>
+                      <a:prstDash val="solid"/>
+                    </a:lnB>
+                  </a:tcPr>
+                </a:tc>
+                <a:tc rowSpan="4" hMerge="1">
+                  <a:txBody>
+                    <a:bodyPr/>
+                    <a:lstStyle/>
+                    <a:p>
+                      <a:pPr marL="0" marR="271780" indent="103505" algn="ctr">
+                        <a:lnSpc>
+                          <a:spcPct val="100000"/>
+                        </a:lnSpc>
+                        <a:spcBef>
+                          <a:spcPts val="670"/>
+                        </a:spcBef>
+                      </a:pPr>
                       <a:r>
-                        <a:rPr lang="en-US" sz="900" spc="0">
+                        <a:rPr lang="fr-FR" sz="900">
                           <a:solidFill>
                             <a:srgbClr val="020302"/>
                           </a:solidFill>
@@ -8113,168 +7566,8 @@
                           <a:latin typeface="AdobeClean-Light"/>
                           <a:cs typeface="AdobeClean-Light"/>
                         </a:rPr>
-                        <a:t>         </a:t>
+                        <a:t>24x7 /          15 minutes</a:t>
                       </a:r>
-                      <a:r>
-                        <a:rPr sz="900" spc="0">
-                          <a:solidFill>
-                            <a:srgbClr val="020302"/>
-                          </a:solidFill>
-                          <a:highlight>
-                            <a:srgbClr val="FFFF00"/>
-                          </a:highlight>
-                          <a:latin typeface="AdobeClean-Light"/>
-                          <a:cs typeface="AdobeClean-Light"/>
-                        </a:rPr>
-                        <a:t>30</a:t>
-                      </a:r>
-                      <a:r>
-                        <a:rPr lang="en-US" sz="900" spc="0">
-                          <a:solidFill>
-                            <a:srgbClr val="020302"/>
-                          </a:solidFill>
-                          <a:highlight>
-                            <a:srgbClr val="FFFF00"/>
-                          </a:highlight>
-                          <a:latin typeface="AdobeClean-Light"/>
-                          <a:cs typeface="AdobeClean-Light"/>
-                        </a:rPr>
-                        <a:t> </a:t>
-                      </a:r>
-                      <a:r>
-                        <a:rPr sz="900" spc="0">
-                          <a:solidFill>
-                            <a:srgbClr val="020302"/>
-                          </a:solidFill>
-                          <a:highlight>
-                            <a:srgbClr val="FFFF00"/>
-                          </a:highlight>
-                          <a:latin typeface="AdobeClean-Light"/>
-                          <a:cs typeface="AdobeClean-Light"/>
-                        </a:rPr>
-                        <a:t>minutes</a:t>
-                      </a:r>
-                      <a:endParaRPr sz="900" spc="0">
-                        <a:highlight>
-                          <a:srgbClr val="FFFF00"/>
-                        </a:highlight>
-                        <a:latin typeface="AdobeClean-Light"/>
-                        <a:cs typeface="AdobeClean-Light"/>
-                      </a:endParaRPr>
-                    </a:p>
-                  </a:txBody>
-                  <a:tcPr marL="0" marR="0" marT="0" marB="0" anchor="ctr">
-                    <a:lnL w="3175">
-                      <a:solidFill>
-                        <a:srgbClr val="B7B8B8"/>
-                      </a:solidFill>
-                      <a:prstDash val="solid"/>
-                    </a:lnL>
-                    <a:lnR w="3175">
-                      <a:solidFill>
-                        <a:srgbClr val="B7B8B8"/>
-                      </a:solidFill>
-                      <a:prstDash val="solid"/>
-                    </a:lnR>
-                    <a:lnT w="76200">
-                      <a:solidFill>
-                        <a:srgbClr val="2E8FFF"/>
-                      </a:solidFill>
-                      <a:prstDash val="solid"/>
-                    </a:lnT>
-                    <a:lnB w="3175">
-                      <a:solidFill>
-                        <a:srgbClr val="B7B8B8"/>
-                      </a:solidFill>
-                      <a:prstDash val="solid"/>
-                    </a:lnB>
-                  </a:tcPr>
-                </a:tc>
-                <a:tc rowSpan="4" hMerge="1">
-                  <a:txBody>
-                    <a:bodyPr/>
-                    <a:lstStyle/>
-                    <a:p>
-                      <a:pPr marL="0" marR="271780" indent="103505" algn="ctr">
-                        <a:lnSpc>
-                          <a:spcPct val="100000"/>
-                        </a:lnSpc>
-                        <a:spcBef>
-                          <a:spcPts val="670"/>
-                        </a:spcBef>
-                      </a:pPr>
-                      <a:r>
-                        <a:rPr sz="900" spc="0">
-                          <a:solidFill>
-                            <a:srgbClr val="020302"/>
-                          </a:solidFill>
-                          <a:highlight>
-                            <a:srgbClr val="FFFF00"/>
-                          </a:highlight>
-                          <a:latin typeface="AdobeClean-Light"/>
-                          <a:cs typeface="AdobeClean-Light"/>
-                        </a:rPr>
-                        <a:t>24x7 / </a:t>
-                      </a:r>
-                      <a:r>
-                        <a:rPr lang="en-US" sz="900" spc="0">
-                          <a:solidFill>
-                            <a:srgbClr val="020302"/>
-                          </a:solidFill>
-                          <a:highlight>
-                            <a:srgbClr val="FFFF00"/>
-                          </a:highlight>
-                          <a:latin typeface="AdobeClean-Light"/>
-                          <a:cs typeface="AdobeClean-Light"/>
-                        </a:rPr>
-                        <a:t>       </a:t>
-                      </a:r>
-                      <a:r>
-                        <a:rPr sz="900" spc="0">
-                          <a:solidFill>
-                            <a:srgbClr val="020302"/>
-                          </a:solidFill>
-                          <a:highlight>
-                            <a:srgbClr val="FFFF00"/>
-                          </a:highlight>
-                          <a:latin typeface="AdobeClean-Light"/>
-                          <a:cs typeface="AdobeClean-Light"/>
-                        </a:rPr>
-                        <a:t> 15</a:t>
-                      </a:r>
-                      <a:r>
-                        <a:rPr lang="en-US" sz="900" spc="0">
-                          <a:solidFill>
-                            <a:srgbClr val="020302"/>
-                          </a:solidFill>
-                          <a:highlight>
-                            <a:srgbClr val="FFFF00"/>
-                          </a:highlight>
-                          <a:latin typeface="AdobeClean-Light"/>
-                          <a:cs typeface="AdobeClean-Light"/>
-                        </a:rPr>
-                        <a:t> </a:t>
-                      </a:r>
-                      <a:r>
-                        <a:rPr sz="900" spc="0">
-                          <a:solidFill>
-                            <a:srgbClr val="020302"/>
-                          </a:solidFill>
-                          <a:highlight>
-                            <a:srgbClr val="FFFF00"/>
-                          </a:highlight>
-                          <a:latin typeface="AdobeClean-Light"/>
-                          <a:cs typeface="AdobeClean-Light"/>
-                        </a:rPr>
-                        <a:t>minutes</a:t>
-                      </a:r>
-                      <a:endParaRPr sz="900" spc="0">
-                        <a:highlight>
-                          <a:srgbClr val="FFFF00"/>
-                        </a:highlight>
-                        <a:latin typeface="AdobeClean-Light"/>
-                        <a:cs typeface="AdobeClean-Light"/>
-                      </a:endParaRPr>
                     </a:p>
                   </a:txBody>
                   <a:tcPr marL="0" marR="0" marT="0" marB="0" anchor="ctr">
@@ -8325,19 +7618,15 @@
                         </a:spcBef>
                       </a:pPr>
                       <a:r>
-                        <a:rPr sz="900" b="1" spc="0" dirty="0">
+                        <a:rPr lang="fr-FR" sz="800" b="1" dirty="0">
                           <a:solidFill>
                             <a:srgbClr val="020302"/>
                           </a:solidFill>
                           <a:latin typeface="Adobe Clean"/>
                           <a:cs typeface="Adobe Clean"/>
                         </a:rPr>
-                        <a:t>PRIORITY 2</a:t>
+                        <a:t>PRIORITÉ 2</a:t>
                       </a:r>
-                      <a:endParaRPr sz="900" spc="0" dirty="0">
-                        <a:latin typeface="Adobe Clean"/>
-                        <a:cs typeface="Adobe Clean"/>
-                      </a:endParaRPr>
                     </a:p>
                     <a:p>
                       <a:pPr marL="50165" marR="203200" indent="0" defTabSz="914400" eaLnBrk="1" fontAlgn="auto" latinLnBrk="0" hangingPunct="1">
@@ -8358,19 +7647,14 @@
                         <a:defRPr/>
                       </a:pPr>
                       <a:r>
-                        <a:rPr lang="en-US" sz="900" b="0" i="0" spc="0" dirty="0">
+                        <a:rPr lang="fr-FR" sz="800" b="0" i="0" dirty="0">
                           <a:solidFill>
                             <a:srgbClr val="000000"/>
                           </a:solidFill>
-                          <a:effectLst/>
                           <a:latin typeface="Adobe Clean Light" panose="020B0303020404020204" pitchFamily="34" charset="0"/>
                         </a:rPr>
-                        <a:t>Customer's business functions have major service degradation or potential data loss, or a major feature is impacted.  </a:t>
+                        <a:t>Les fonctions commerciales du client présentent une dégradation importante des services ou une perte potentielle de données. Il est également possible qu’une fonctionnalité majeure soit affectée.  </a:t>
                       </a:r>
-                      <a:endParaRPr sz="900" b="0" i="0" spc="0" dirty="0">
-                        <a:latin typeface="Adobe Clean Light" panose="020B0303020404020204" pitchFamily="34" charset="0"/>
-                        <a:cs typeface="AdobeClean-Light"/>
-                      </a:endParaRPr>
                     </a:p>
                   </a:txBody>
                   <a:tcPr marL="0" marR="0" marT="0" marB="0" anchor="ctr">
@@ -8417,7 +7701,7 @@
                         </a:spcBef>
                       </a:pPr>
                       <a:r>
-                        <a:rPr lang="en-US" sz="900" spc="0" dirty="0">
+                        <a:rPr lang="fr-FR" sz="800" dirty="0">
                           <a:solidFill>
                             <a:srgbClr val="020302"/>
                           </a:solidFill>
@@ -8437,19 +7721,15 @@
                         </a:spcBef>
                       </a:pPr>
                       <a:r>
-                        <a:rPr lang="en-US" sz="900" spc="0" dirty="0">
+                        <a:rPr lang="fr-FR" sz="800" dirty="0">
                           <a:solidFill>
                             <a:srgbClr val="020302"/>
                           </a:solidFill>
                           <a:latin typeface="AdobeClean-Light"/>
                           <a:cs typeface="AdobeClean-Light"/>
                         </a:rPr>
-                        <a:t>     1 hour</a:t>
+                        <a:t>     1 heure</a:t>
                       </a:r>
-                      <a:endParaRPr lang="en-US" sz="900" spc="0" dirty="0">
-                        <a:latin typeface="AdobeClean-Light"/>
-                        <a:cs typeface="AdobeClean-Light"/>
-                      </a:endParaRPr>
                     </a:p>
                   </a:txBody>
                   <a:tcPr marL="0" marR="0" marT="0" marB="0" anchor="ctr">
@@ -8484,7 +7764,7 @@
                     <a:bodyPr/>
                     <a:lstStyle/>
                     <a:p>
-                      <a:pPr marL="0" marR="184785" indent="-194310" algn="ctr">
+                      <a:pPr marL="0" marR="184785" indent="-194310" algn="l" rtl="0">
                         <a:lnSpc>
                           <a:spcPct val="100000"/>
                         </a:lnSpc>
@@ -8536,7 +7816,7 @@
                     <a:bodyPr/>
                     <a:lstStyle/>
                     <a:p>
-                      <a:pPr marL="0" marR="325755" indent="-5715" algn="ctr">
+                      <a:pPr marL="0" marR="325755" indent="-5715" algn="l" rtl="0">
                         <a:lnSpc>
                           <a:spcPct val="100000"/>
                         </a:lnSpc>
@@ -8585,7 +7865,7 @@
                     <a:bodyPr/>
                     <a:lstStyle/>
                     <a:p>
-                      <a:pPr marL="0" marR="259079" indent="111760" algn="ctr">
+                      <a:pPr marL="0" marR="259079" indent="111760" algn="l" rtl="0">
                         <a:lnSpc>
                           <a:spcPct val="100000"/>
                         </a:lnSpc>
@@ -8650,29 +7930,15 @@
                         </a:spcBef>
                       </a:pPr>
                       <a:r>
-                        <a:rPr sz="900" b="1" spc="0" dirty="0">
+                        <a:rPr lang="fr-FR" sz="800" b="1" dirty="0">
                           <a:solidFill>
                             <a:srgbClr val="020302"/>
                           </a:solidFill>
                           <a:latin typeface="Adobe Clean"/>
                           <a:cs typeface="Adobe Clean"/>
                         </a:rPr>
-                        <a:t>PRIORITY</a:t>
+                        <a:t>PRIORITÉ 3</a:t>
                       </a:r>
-                      <a:r>
-                        <a:rPr lang="en-US" sz="900" b="1" spc="0" dirty="0">
-                          <a:solidFill>
-                            <a:srgbClr val="020302"/>
-                          </a:solidFill>
-                          <a:latin typeface="Adobe Clean"/>
-                          <a:cs typeface="Adobe Clean"/>
-                        </a:rPr>
-                        <a:t> 3</a:t>
-                      </a:r>
-                      <a:endParaRPr lang="en-US" sz="900" spc="0" dirty="0">
-                        <a:latin typeface="Adobe Clean"/>
-                        <a:cs typeface="Adobe Clean"/>
-                      </a:endParaRPr>
                     </a:p>
                     <a:p>
                       <a:pPr marL="49530" marR="212090" indent="-2540" defTabSz="914400" eaLnBrk="1" fontAlgn="auto" latinLnBrk="0" hangingPunct="1">
@@ -8693,26 +7959,21 @@
                         <a:defRPr/>
                       </a:pPr>
                       <a:r>
-                        <a:rPr kumimoji="0" lang="en-US" sz="900" b="0" i="0" u="none" strike="noStrike" kern="1200" cap="none" spc="0" normalizeH="0" baseline="0" noProof="0" dirty="0">
+                        <a:rPr kumimoji="0" lang="fr-FR" sz="800" b="0" i="0" u="none" strike="noStrike" cap="none" normalizeH="0" baseline="0" noProof="0" dirty="0">
                           <a:ln>
                             <a:noFill/>
                           </a:ln>
                           <a:solidFill>
                             <a:srgbClr val="000000"/>
                           </a:solidFill>
-                          <a:effectLst/>
                           <a:uLnTx/>
                           <a:uFillTx/>
                           <a:latin typeface="Adobe Clean Light" panose="020B0303020404020204" pitchFamily="34" charset="0"/>
                           <a:ea typeface="+mn-ea"/>
                           <a:cs typeface="+mn-cs"/>
                         </a:rPr>
-                        <a:t>Customer's business functions have minor service degradation but there exists a solution/workaround allowing business functions to continue normally. </a:t>
+                        <a:t>Les fonctions commerciales du client présentent une dégradation mineure du service, mais il existe une solution/un moyen permettant aux fonctions commerciales de continuer de fonctionner normalement. </a:t>
                       </a:r>
-                      <a:endParaRPr lang="en-US" sz="900" b="0" i="0" spc="0" dirty="0">
-                        <a:latin typeface="Adobe Clean Light" panose="020B0303020404020204" pitchFamily="34" charset="0"/>
-                        <a:cs typeface="AdobeClean-Light"/>
-                      </a:endParaRPr>
                     </a:p>
                   </a:txBody>
                   <a:tcPr marL="0" marR="0" marT="0" marB="0" anchor="ctr">
@@ -8762,14 +8023,14 @@
                         </a:tabLst>
                       </a:pPr>
                       <a:r>
-                        <a:rPr lang="en-US" sz="900" spc="0" dirty="0">
+                        <a:rPr lang="fr-FR" sz="800" dirty="0">
                           <a:solidFill>
                             <a:srgbClr val="020302"/>
                           </a:solidFill>
                           <a:latin typeface="AdobeClean-Light"/>
                           <a:cs typeface="AdobeClean-Light"/>
                         </a:rPr>
-                        <a:t>   Business day /   </a:t>
+                        <a:t>   Jour ouvrable /   </a:t>
                       </a:r>
                     </a:p>
                     <a:p>
@@ -8782,19 +8043,15 @@
                         </a:spcBef>
                       </a:pPr>
                       <a:r>
-                        <a:rPr lang="en-US" sz="900" spc="0" dirty="0">
+                        <a:rPr lang="fr-FR" sz="800" dirty="0">
                           <a:solidFill>
                             <a:srgbClr val="020302"/>
                           </a:solidFill>
                           <a:latin typeface="AdobeClean-Light"/>
                           <a:cs typeface="AdobeClean-Light"/>
                         </a:rPr>
-                        <a:t>4 hours</a:t>
+                        <a:t>4 heures</a:t>
                       </a:r>
-                      <a:endParaRPr lang="en-US" sz="900" spc="0" dirty="0">
-                        <a:latin typeface="AdobeClean-Light"/>
-                        <a:cs typeface="AdobeClean-Light"/>
-                      </a:endParaRPr>
                     </a:p>
                   </a:txBody>
                   <a:tcPr marL="0" marR="0" marT="0" marB="0" anchor="ctr">
@@ -8829,7 +8086,7 @@
                     <a:bodyPr/>
                     <a:lstStyle/>
                     <a:p>
-                      <a:pPr marL="0" marR="185420" indent="-193675" algn="ctr">
+                      <a:pPr marL="0" marR="185420" indent="-193675" algn="l" rtl="0">
                         <a:lnSpc>
                           <a:spcPct val="100000"/>
                         </a:lnSpc>
@@ -8881,7 +8138,7 @@
                     <a:bodyPr/>
                     <a:lstStyle/>
                     <a:p>
-                      <a:pPr marL="0" marR="184785" indent="-194310" algn="ctr">
+                      <a:pPr marL="0" marR="184785" indent="-194310" algn="l" rtl="0">
                         <a:lnSpc>
                           <a:spcPct val="100000"/>
                         </a:lnSpc>
@@ -8930,7 +8187,7 @@
                     <a:bodyPr/>
                     <a:lstStyle/>
                     <a:p>
-                      <a:pPr marL="0" marR="326390" indent="-5715" algn="ctr">
+                      <a:pPr marL="0" marR="326390" indent="-5715" algn="l" rtl="0">
                         <a:lnSpc>
                           <a:spcPct val="100000"/>
                         </a:lnSpc>
@@ -8995,19 +8252,15 @@
                         </a:spcBef>
                       </a:pPr>
                       <a:r>
-                        <a:rPr sz="900" b="1" spc="0" dirty="0">
+                        <a:rPr lang="fr-FR" sz="800" b="1" dirty="0">
                           <a:solidFill>
                             <a:srgbClr val="020302"/>
                           </a:solidFill>
                           <a:latin typeface="Adobe Clean"/>
                           <a:cs typeface="Adobe Clean"/>
                         </a:rPr>
-                        <a:t>PRIORITY 4</a:t>
+                        <a:t>PRIORITÉ 4</a:t>
                       </a:r>
-                      <a:endParaRPr sz="900" spc="0" dirty="0">
-                        <a:latin typeface="Adobe Clean"/>
-                        <a:cs typeface="Adobe Clean"/>
-                      </a:endParaRPr>
                     </a:p>
                     <a:p>
                       <a:pPr marL="48895" marR="0" indent="0" defTabSz="914400" eaLnBrk="1" fontAlgn="auto" latinLnBrk="0" hangingPunct="1">
@@ -9028,19 +8281,14 @@
                         <a:defRPr/>
                       </a:pPr>
                       <a:r>
-                        <a:rPr lang="en-US" sz="900" b="0" i="0" spc="0" dirty="0">
+                        <a:rPr lang="fr-FR" sz="800" b="0" i="0" dirty="0">
                           <a:solidFill>
                             <a:srgbClr val="000000"/>
                           </a:solidFill>
-                          <a:effectLst/>
                           <a:latin typeface="Adobe Clean Light" panose="020B0303020404020204" pitchFamily="34" charset="0"/>
                         </a:rPr>
-                        <a:t>General question regarding current product functionality or an enhancement request. </a:t>
+                        <a:t>Question générale concernant les fonctionnalités actuelles du produit ou une demande d’amélioration. </a:t>
                       </a:r>
-                      <a:endParaRPr sz="900" b="0" i="0" spc="0" dirty="0">
-                        <a:latin typeface="Adobe Clean Light" panose="020B0303020404020204" pitchFamily="34" charset="0"/>
-                        <a:cs typeface="AdobeClean-Light"/>
-                      </a:endParaRPr>
                     </a:p>
                   </a:txBody>
                   <a:tcPr marL="0" marR="0" marT="0" marB="0" anchor="ctr">
@@ -9090,14 +8338,14 @@
                         </a:tabLst>
                       </a:pPr>
                       <a:r>
-                        <a:rPr lang="en-US" sz="900" spc="0" dirty="0">
+                        <a:rPr lang="fr-FR" sz="800" dirty="0">
                           <a:solidFill>
                             <a:srgbClr val="020302"/>
                           </a:solidFill>
                           <a:latin typeface="AdobeClean-Light"/>
                           <a:cs typeface="AdobeClean-Light"/>
                         </a:rPr>
-                        <a:t>  Business day /   </a:t>
+                        <a:t>  Jour ouvrable /   </a:t>
                       </a:r>
                     </a:p>
                     <a:p>
@@ -9110,19 +8358,15 @@
                         </a:spcBef>
                       </a:pPr>
                       <a:r>
-                        <a:rPr lang="en-US" sz="900" spc="0" dirty="0">
+                        <a:rPr lang="fr-FR" sz="800" dirty="0">
                           <a:solidFill>
                             <a:srgbClr val="020302"/>
                           </a:solidFill>
                           <a:latin typeface="AdobeClean-Light"/>
                           <a:cs typeface="AdobeClean-Light"/>
                         </a:rPr>
-                        <a:t>1 day </a:t>
+                        <a:t>1 jour </a:t>
                       </a:r>
-                      <a:endParaRPr lang="en-US" sz="900" spc="0" dirty="0">
-                        <a:latin typeface="AdobeClean-Light"/>
-                        <a:cs typeface="AdobeClean-Light"/>
-                      </a:endParaRPr>
                     </a:p>
                   </a:txBody>
                   <a:tcPr marL="0" marR="0" marT="0" marB="0" anchor="ctr">
@@ -9157,7 +8401,7 @@
                     <a:bodyPr/>
                     <a:lstStyle/>
                     <a:p>
-                      <a:pPr marL="0" marR="223520" indent="-202565" algn="ctr">
+                      <a:pPr marL="0" marR="223520" indent="-202565" algn="l" rtl="0">
                         <a:lnSpc>
                           <a:spcPct val="100000"/>
                         </a:lnSpc>
@@ -9209,7 +8453,7 @@
                     <a:bodyPr/>
                     <a:lstStyle/>
                     <a:p>
-                      <a:pPr marL="0" marR="223520" indent="-202565" algn="ctr">
+                      <a:pPr marL="0" marR="223520" indent="-202565" algn="l" rtl="0">
                         <a:lnSpc>
                           <a:spcPct val="100000"/>
                         </a:lnSpc>
@@ -9258,7 +8502,7 @@
                     <a:bodyPr/>
                     <a:lstStyle/>
                     <a:p>
-                      <a:pPr marL="0" marR="223520" indent="-202565" algn="ctr">
+                      <a:pPr marL="0" marR="223520" indent="-202565" algn="l" rtl="0">
                         <a:lnSpc>
                           <a:spcPct val="100000"/>
                         </a:lnSpc>
@@ -9352,20 +8596,11 @@
               </a:spcBef>
             </a:pPr>
             <a:r>
-              <a:rPr sz="2300" dirty="0">
+              <a:rPr lang="fr-FR" sz="2300">
                 <a:latin typeface="Adobe Clean" panose="020B0503020404020204" pitchFamily="34" charset="0"/>
               </a:rPr>
-              <a:t>ADOBE </a:t>
+              <a:t>PLANS D’ASSISTANCE ADOBE</a:t>
             </a:r>
-            <a:r>
-              <a:rPr lang="en-US" sz="2300" dirty="0">
-                <a:latin typeface="Adobe Clean" panose="020B0503020404020204" pitchFamily="34" charset="0"/>
-              </a:rPr>
-              <a:t>SUPPORT PLANS</a:t>
-            </a:r>
-            <a:endParaRPr sz="2300" dirty="0">
-              <a:latin typeface="Adobe Clean" panose="020B0503020404020204" pitchFamily="34" charset="0"/>
-            </a:endParaRPr>
           </a:p>
         </p:txBody>
       </p:sp>
@@ -9398,13 +8633,13 @@
           <a:lstStyle/>
           <a:p>
             <a:r>
-              <a:rPr lang="en-US" sz="700" i="1" dirty="0">
+              <a:rPr lang="fr-FR" sz="700" i="1">
                 <a:solidFill>
                   <a:schemeClr val="bg1"/>
                 </a:solidFill>
                 <a:latin typeface="Adobe Clean" panose="020B0503020404020204" pitchFamily="34" charset="0"/>
               </a:rPr>
-              <a:t>Adobe Creative Cloud / Adobe Document Cloud (including Adobe Sign)</a:t>
+              <a:t>Adobe Creative Cloud / Adobe Document Cloud (y compris Adobe Sign)</a:t>
             </a:r>
           </a:p>
           <a:p>
@@ -9450,8 +8685,8 @@
         </p:nvSpPr>
         <p:spPr>
           <a:xfrm>
-            <a:off x="317646" y="1345469"/>
-            <a:ext cx="1371600" cy="0"/>
+            <a:off x="317646" y="1345468"/>
+            <a:ext cx="1615668" cy="45719"/>
           </a:xfrm>
           <a:custGeom>
             <a:avLst/>
@@ -9556,386 +8791,32 @@
               </a:spcBef>
             </a:pPr>
             <a:r>
-              <a:rPr lang="en-US" sz="1100" spc="-20" dirty="0">
+              <a:rPr lang="fr-FR" sz="1100">
                 <a:solidFill>
                   <a:srgbClr val="020302"/>
                 </a:solidFill>
                 <a:latin typeface="AdobeClean-Light"/>
                 <a:cs typeface="AdobeClean-Light"/>
               </a:rPr>
-              <a:t>Adobe Customer Support offers a</a:t>
+              <a:t>L’assistance clientèle Adobe offre un accès aux ressources de documentation, et permet d’interagir avec d’autres experts et clients pour découvrir les bonnes pratiques. Plusieurs moyens sont également</a:t>
             </a:r>
             <a:r>
-              <a:rPr sz="1100" spc="-20" dirty="0">
+              <a:rPr lang="fr-FR" sz="1100">
+                <a:latin typeface="AdobeClean-Light"/>
+                <a:cs typeface="AdobeClean-Light"/>
+              </a:rPr>
+              <a:t> </a:t>
+            </a:r>
+            <a:r>
+              <a:rPr lang="fr-FR" sz="1100">
                 <a:solidFill>
                   <a:srgbClr val="020302"/>
                 </a:solidFill>
                 <a:latin typeface="AdobeClean-Light"/>
                 <a:cs typeface="AdobeClean-Light"/>
               </a:rPr>
-              <a:t>ccess</a:t>
+              <a:t>disponibles pour poser des questions et soumettre des cas.</a:t>
             </a:r>
-            <a:r>
-              <a:rPr sz="1100" spc="-90" dirty="0">
-                <a:solidFill>
-                  <a:srgbClr val="020302"/>
-                </a:solidFill>
-                <a:latin typeface="AdobeClean-Light"/>
-                <a:cs typeface="AdobeClean-Light"/>
-              </a:rPr>
-              <a:t> </a:t>
-            </a:r>
-            <a:r>
-              <a:rPr sz="1100" spc="-10" dirty="0">
-                <a:solidFill>
-                  <a:srgbClr val="020302"/>
-                </a:solidFill>
-                <a:latin typeface="AdobeClean-Light"/>
-                <a:cs typeface="AdobeClean-Light"/>
-              </a:rPr>
-              <a:t>to</a:t>
-            </a:r>
-            <a:r>
-              <a:rPr sz="1100" spc="10" dirty="0">
-                <a:solidFill>
-                  <a:srgbClr val="020302"/>
-                </a:solidFill>
-                <a:latin typeface="AdobeClean-Light"/>
-                <a:cs typeface="AdobeClean-Light"/>
-              </a:rPr>
-              <a:t> </a:t>
-            </a:r>
-            <a:r>
-              <a:rPr sz="1100" spc="-20" dirty="0">
-                <a:solidFill>
-                  <a:srgbClr val="020302"/>
-                </a:solidFill>
-                <a:latin typeface="AdobeClean-Light"/>
-                <a:cs typeface="AdobeClean-Light"/>
-              </a:rPr>
-              <a:t>resources</a:t>
-            </a:r>
-            <a:r>
-              <a:rPr sz="1100" spc="-120" dirty="0">
-                <a:solidFill>
-                  <a:srgbClr val="020302"/>
-                </a:solidFill>
-                <a:latin typeface="AdobeClean-Light"/>
-                <a:cs typeface="AdobeClean-Light"/>
-              </a:rPr>
-              <a:t> </a:t>
-            </a:r>
-            <a:r>
-              <a:rPr sz="1100" spc="-15" dirty="0">
-                <a:solidFill>
-                  <a:srgbClr val="020302"/>
-                </a:solidFill>
-                <a:latin typeface="AdobeClean-Light"/>
-                <a:cs typeface="AdobeClean-Light"/>
-              </a:rPr>
-              <a:t>for</a:t>
-            </a:r>
-            <a:r>
-              <a:rPr sz="1100" spc="-30" dirty="0">
-                <a:solidFill>
-                  <a:srgbClr val="020302"/>
-                </a:solidFill>
-                <a:latin typeface="AdobeClean-Light"/>
-                <a:cs typeface="AdobeClean-Light"/>
-              </a:rPr>
-              <a:t> </a:t>
-            </a:r>
-            <a:r>
-              <a:rPr sz="1100" spc="-15" dirty="0">
-                <a:solidFill>
-                  <a:srgbClr val="020302"/>
-                </a:solidFill>
-                <a:latin typeface="AdobeClean-Light"/>
-                <a:cs typeface="AdobeClean-Light"/>
-              </a:rPr>
-              <a:t>documentation</a:t>
-            </a:r>
-            <a:r>
-              <a:rPr lang="en-US" sz="1100" spc="-15" dirty="0">
-                <a:solidFill>
-                  <a:srgbClr val="020302"/>
-                </a:solidFill>
-                <a:latin typeface="AdobeClean-Light"/>
-                <a:cs typeface="AdobeClean-Light"/>
-              </a:rPr>
-              <a:t> and </a:t>
-            </a:r>
-            <a:r>
-              <a:rPr sz="1100" spc="-15" dirty="0">
-                <a:solidFill>
-                  <a:srgbClr val="020302"/>
-                </a:solidFill>
-                <a:latin typeface="AdobeClean-Light"/>
-                <a:cs typeface="AdobeClean-Light"/>
-              </a:rPr>
-              <a:t>engagement</a:t>
-            </a:r>
-            <a:r>
-              <a:rPr lang="en-US" sz="1100" spc="-15" dirty="0">
-                <a:solidFill>
-                  <a:srgbClr val="020302"/>
-                </a:solidFill>
-                <a:latin typeface="AdobeClean-Light"/>
-                <a:cs typeface="AdobeClean-Light"/>
-              </a:rPr>
-              <a:t> </a:t>
-            </a:r>
-            <a:r>
-              <a:rPr sz="1100" spc="-15" dirty="0">
-                <a:solidFill>
-                  <a:srgbClr val="020302"/>
-                </a:solidFill>
-                <a:latin typeface="AdobeClean-Light"/>
-                <a:cs typeface="AdobeClean-Light"/>
-              </a:rPr>
-              <a:t>with</a:t>
-            </a:r>
-            <a:r>
-              <a:rPr sz="1100" spc="-35" dirty="0">
-                <a:solidFill>
-                  <a:srgbClr val="020302"/>
-                </a:solidFill>
-                <a:latin typeface="AdobeClean-Light"/>
-                <a:cs typeface="AdobeClean-Light"/>
-              </a:rPr>
-              <a:t> </a:t>
-            </a:r>
-            <a:r>
-              <a:rPr sz="1100" spc="-20" dirty="0">
-                <a:solidFill>
-                  <a:srgbClr val="020302"/>
-                </a:solidFill>
-                <a:latin typeface="AdobeClean-Light"/>
-                <a:cs typeface="AdobeClean-Light"/>
-              </a:rPr>
-              <a:t>other experts </a:t>
-            </a:r>
-            <a:r>
-              <a:rPr sz="1100" spc="-15" dirty="0">
-                <a:solidFill>
-                  <a:srgbClr val="020302"/>
-                </a:solidFill>
-                <a:latin typeface="AdobeClean-Light"/>
-                <a:cs typeface="AdobeClean-Light"/>
-              </a:rPr>
-              <a:t>and </a:t>
-            </a:r>
-            <a:r>
-              <a:rPr sz="1100" spc="-20" dirty="0">
-                <a:solidFill>
-                  <a:srgbClr val="020302"/>
-                </a:solidFill>
-                <a:latin typeface="AdobeClean-Light"/>
-                <a:cs typeface="AdobeClean-Light"/>
-              </a:rPr>
-              <a:t>customers </a:t>
-            </a:r>
-            <a:r>
-              <a:rPr sz="1100" spc="-15" dirty="0">
-                <a:solidFill>
-                  <a:srgbClr val="020302"/>
-                </a:solidFill>
-                <a:latin typeface="AdobeClean-Light"/>
-                <a:cs typeface="AdobeClean-Light"/>
-              </a:rPr>
-              <a:t>for best </a:t>
-            </a:r>
-            <a:r>
-              <a:rPr sz="1100" spc="-20" dirty="0">
-                <a:solidFill>
-                  <a:srgbClr val="020302"/>
-                </a:solidFill>
-                <a:latin typeface="AdobeClean-Light"/>
-                <a:cs typeface="AdobeClean-Light"/>
-              </a:rPr>
-              <a:t>practices</a:t>
-            </a:r>
-            <a:r>
-              <a:rPr lang="en-US" sz="1100" spc="-20" dirty="0">
-                <a:solidFill>
-                  <a:srgbClr val="020302"/>
-                </a:solidFill>
-                <a:latin typeface="AdobeClean-Light"/>
-                <a:cs typeface="AdobeClean-Light"/>
-              </a:rPr>
-              <a:t>. </a:t>
-            </a:r>
-            <a:r>
-              <a:rPr sz="1100" spc="-20" dirty="0">
-                <a:solidFill>
-                  <a:srgbClr val="020302"/>
-                </a:solidFill>
-                <a:latin typeface="AdobeClean-Light"/>
-                <a:cs typeface="AdobeClean-Light"/>
-              </a:rPr>
-              <a:t>Several channels </a:t>
-            </a:r>
-            <a:r>
-              <a:rPr sz="1100" spc="-15" dirty="0">
-                <a:solidFill>
-                  <a:srgbClr val="020302"/>
-                </a:solidFill>
-                <a:latin typeface="AdobeClean-Light"/>
-                <a:cs typeface="AdobeClean-Light"/>
-              </a:rPr>
-              <a:t>are</a:t>
-            </a:r>
-            <a:r>
-              <a:rPr sz="1100" spc="-140" dirty="0">
-                <a:solidFill>
-                  <a:srgbClr val="020302"/>
-                </a:solidFill>
-                <a:latin typeface="AdobeClean-Light"/>
-                <a:cs typeface="AdobeClean-Light"/>
-              </a:rPr>
-              <a:t> </a:t>
-            </a:r>
-            <a:r>
-              <a:rPr sz="1100" spc="-20" dirty="0">
-                <a:solidFill>
-                  <a:srgbClr val="020302"/>
-                </a:solidFill>
-                <a:latin typeface="AdobeClean-Light"/>
-                <a:cs typeface="AdobeClean-Light"/>
-              </a:rPr>
-              <a:t>also</a:t>
-            </a:r>
-            <a:r>
-              <a:rPr lang="en-US" sz="1100" dirty="0">
-                <a:latin typeface="AdobeClean-Light"/>
-                <a:cs typeface="AdobeClean-Light"/>
-              </a:rPr>
-              <a:t> </a:t>
-            </a:r>
-            <a:r>
-              <a:rPr sz="1100" spc="-25" dirty="0">
-                <a:solidFill>
-                  <a:srgbClr val="020302"/>
-                </a:solidFill>
-                <a:latin typeface="AdobeClean-Light"/>
-                <a:cs typeface="AdobeClean-Light"/>
-              </a:rPr>
-              <a:t>available</a:t>
-            </a:r>
-            <a:r>
-              <a:rPr sz="1100" spc="-65" dirty="0">
-                <a:solidFill>
-                  <a:srgbClr val="020302"/>
-                </a:solidFill>
-                <a:latin typeface="AdobeClean-Light"/>
-                <a:cs typeface="AdobeClean-Light"/>
-              </a:rPr>
-              <a:t> </a:t>
-            </a:r>
-            <a:r>
-              <a:rPr sz="1100" spc="-15" dirty="0">
-                <a:solidFill>
-                  <a:srgbClr val="020302"/>
-                </a:solidFill>
-                <a:latin typeface="AdobeClean-Light"/>
-                <a:cs typeface="AdobeClean-Light"/>
-              </a:rPr>
-              <a:t>for</a:t>
-            </a:r>
-            <a:r>
-              <a:rPr sz="1100" spc="-25" dirty="0">
-                <a:solidFill>
-                  <a:srgbClr val="020302"/>
-                </a:solidFill>
-                <a:latin typeface="AdobeClean-Light"/>
-                <a:cs typeface="AdobeClean-Light"/>
-              </a:rPr>
-              <a:t> </a:t>
-            </a:r>
-            <a:r>
-              <a:rPr sz="1100" spc="-20" dirty="0">
-                <a:solidFill>
-                  <a:srgbClr val="020302"/>
-                </a:solidFill>
-                <a:latin typeface="AdobeClean-Light"/>
-                <a:cs typeface="AdobeClean-Light"/>
-              </a:rPr>
-              <a:t>questions</a:t>
-            </a:r>
-            <a:r>
-              <a:rPr sz="1100" spc="-114" dirty="0">
-                <a:solidFill>
-                  <a:srgbClr val="020302"/>
-                </a:solidFill>
-                <a:latin typeface="AdobeClean-Light"/>
-                <a:cs typeface="AdobeClean-Light"/>
-              </a:rPr>
-              <a:t> </a:t>
-            </a:r>
-            <a:r>
-              <a:rPr sz="1100" spc="-15" dirty="0">
-                <a:solidFill>
-                  <a:srgbClr val="020302"/>
-                </a:solidFill>
-                <a:latin typeface="AdobeClean-Light"/>
-                <a:cs typeface="AdobeClean-Light"/>
-              </a:rPr>
-              <a:t>and</a:t>
-            </a:r>
-            <a:r>
-              <a:rPr sz="1100" spc="-45" dirty="0">
-                <a:solidFill>
-                  <a:srgbClr val="020302"/>
-                </a:solidFill>
-                <a:latin typeface="AdobeClean-Light"/>
-                <a:cs typeface="AdobeClean-Light"/>
-              </a:rPr>
-              <a:t> </a:t>
-            </a:r>
-            <a:r>
-              <a:rPr sz="1100" spc="-20" dirty="0">
-                <a:solidFill>
-                  <a:srgbClr val="020302"/>
-                </a:solidFill>
-                <a:latin typeface="AdobeClean-Light"/>
-                <a:cs typeface="AdobeClean-Light"/>
-              </a:rPr>
-              <a:t>case</a:t>
-            </a:r>
-            <a:r>
-              <a:rPr sz="1100" spc="-35" dirty="0">
-                <a:solidFill>
-                  <a:srgbClr val="020302"/>
-                </a:solidFill>
-                <a:latin typeface="AdobeClean-Light"/>
-                <a:cs typeface="AdobeClean-Light"/>
-              </a:rPr>
-              <a:t> </a:t>
-            </a:r>
-            <a:r>
-              <a:rPr sz="1100" spc="-20" dirty="0">
-                <a:solidFill>
-                  <a:srgbClr val="020302"/>
-                </a:solidFill>
-                <a:latin typeface="AdobeClean-Light"/>
-                <a:cs typeface="AdobeClean-Light"/>
-              </a:rPr>
-              <a:t>submissions</a:t>
-            </a:r>
-            <a:r>
-              <a:rPr lang="en-US" sz="1100" spc="-20" dirty="0">
-                <a:solidFill>
-                  <a:srgbClr val="020302"/>
-                </a:solidFill>
-                <a:latin typeface="AdobeClean-Light"/>
-                <a:cs typeface="AdobeClean-Light"/>
-              </a:rPr>
-              <a:t>.</a:t>
-            </a:r>
-            <a:endParaRPr sz="1100" dirty="0">
-              <a:latin typeface="AdobeClean-Light"/>
-              <a:cs typeface="AdobeClean-Light"/>
-            </a:endParaRPr>
           </a:p>
         </p:txBody>
       </p:sp>
@@ -9972,114 +8853,14 @@
               </a:tabLst>
             </a:pPr>
             <a:r>
-              <a:rPr lang="en-US" sz="1100" spc="-20" dirty="0">
+              <a:rPr lang="fr-FR" sz="1100">
                 <a:solidFill>
                   <a:srgbClr val="020302"/>
                 </a:solidFill>
                 <a:latin typeface="AdobeClean-Light"/>
                 <a:cs typeface="AdobeClean-Light"/>
               </a:rPr>
-              <a:t>Authorized Users (Admins) can start a chat session with Adobe Support </a:t>
-            </a:r>
-            <a:r>
-              <a:rPr sz="1100" spc="-5" dirty="0">
-                <a:solidFill>
-                  <a:srgbClr val="020302"/>
-                </a:solidFill>
-                <a:latin typeface="AdobeClean-Light"/>
-                <a:cs typeface="AdobeClean-Light"/>
-              </a:rPr>
-              <a:t>to </a:t>
-            </a:r>
-            <a:r>
-              <a:rPr sz="1100" spc="-10" dirty="0">
-                <a:solidFill>
-                  <a:srgbClr val="020302"/>
-                </a:solidFill>
-                <a:latin typeface="AdobeClean-Light"/>
-                <a:cs typeface="AdobeClean-Light"/>
-              </a:rPr>
-              <a:t>get </a:t>
-            </a:r>
-            <a:r>
-              <a:rPr sz="1100" spc="-20" dirty="0">
-                <a:solidFill>
-                  <a:srgbClr val="020302"/>
-                </a:solidFill>
-                <a:latin typeface="AdobeClean-Light"/>
-                <a:cs typeface="AdobeClean-Light"/>
-              </a:rPr>
-              <a:t>answers</a:t>
-            </a:r>
-            <a:r>
-              <a:rPr lang="en-US" sz="1100" spc="-45" dirty="0">
-                <a:solidFill>
-                  <a:srgbClr val="020302"/>
-                </a:solidFill>
-                <a:latin typeface="AdobeClean-Light"/>
-                <a:cs typeface="AdobeClean-Light"/>
-              </a:rPr>
-              <a:t> and </a:t>
-            </a:r>
-            <a:r>
-              <a:rPr sz="1100" spc="-15" dirty="0">
-                <a:solidFill>
-                  <a:srgbClr val="020302"/>
-                </a:solidFill>
-                <a:latin typeface="AdobeClean-Light"/>
-                <a:cs typeface="AdobeClean-Light"/>
-              </a:rPr>
-              <a:t>help </a:t>
-            </a:r>
-            <a:r>
-              <a:rPr sz="1100" spc="-10" dirty="0">
-                <a:solidFill>
-                  <a:srgbClr val="020302"/>
-                </a:solidFill>
-                <a:latin typeface="AdobeClean-Light"/>
-                <a:cs typeface="AdobeClean-Light"/>
-              </a:rPr>
-              <a:t>with</a:t>
-            </a:r>
-            <a:r>
-              <a:rPr sz="1100" spc="85" dirty="0">
-                <a:solidFill>
-                  <a:srgbClr val="020302"/>
-                </a:solidFill>
-                <a:latin typeface="AdobeClean-Light"/>
-                <a:cs typeface="AdobeClean-Light"/>
-              </a:rPr>
-              <a:t> </a:t>
-            </a:r>
-            <a:r>
-              <a:rPr sz="1100" spc="-10" dirty="0">
-                <a:solidFill>
-                  <a:srgbClr val="020302"/>
-                </a:solidFill>
-                <a:latin typeface="AdobeClean-Light"/>
-                <a:cs typeface="AdobeClean-Light"/>
-              </a:rPr>
-              <a:t>case </a:t>
-            </a:r>
-            <a:r>
-              <a:rPr sz="1100" spc="-20" dirty="0">
-                <a:solidFill>
-                  <a:srgbClr val="020302"/>
-                </a:solidFill>
-                <a:latin typeface="AdobeClean-Light"/>
-                <a:cs typeface="AdobeClean-Light"/>
-              </a:rPr>
-              <a:t>submission</a:t>
-            </a:r>
-            <a:r>
-              <a:rPr lang="en-US" sz="1100" spc="-20" dirty="0">
-                <a:solidFill>
-                  <a:srgbClr val="020302"/>
-                </a:solidFill>
-                <a:latin typeface="AdobeClean-Light"/>
-                <a:cs typeface="AdobeClean-Light"/>
-              </a:rPr>
-              <a:t>.</a:t>
+              <a:t>Les utilisateurs autorisés (admin) peuvent commencer une session de conversation avec l’assistance Adobe pour obtenir des réponses et de l’aide lors de l’envoi des cas.</a:t>
             </a:r>
           </a:p>
           <a:p>
@@ -10095,19 +8876,15 @@
               </a:tabLst>
             </a:pPr>
             <a:r>
-              <a:rPr lang="en-US" sz="1100" i="1" spc="-10" dirty="0">
+              <a:rPr lang="fr-FR" sz="1100" i="1">
                 <a:solidFill>
                   <a:srgbClr val="7A7A7A"/>
                 </a:solidFill>
                 <a:latin typeface="AdobeClean-LightIt"/>
                 <a:cs typeface="AdobeClean-LightIt"/>
               </a:rPr>
-              <a:t>Subject to local hours</a:t>
+              <a:t>Soumis aux heures locales</a:t>
             </a:r>
-            <a:endParaRPr sz="1100" i="1" dirty="0">
-              <a:latin typeface="AdobeClean-Light"/>
-              <a:cs typeface="AdobeClean-Light"/>
-            </a:endParaRPr>
           </a:p>
         </p:txBody>
       </p:sp>
@@ -10155,7 +8932,7 @@
         <p:spPr>
           <a:xfrm>
             <a:off x="228600" y="1037692"/>
-            <a:ext cx="1501052" cy="307777"/>
+            <a:ext cx="2286000" cy="307777"/>
           </a:xfrm>
           <a:prstGeom prst="rect">
             <a:avLst/>
@@ -10176,19 +8953,15 @@
               </a:spcBef>
             </a:pPr>
             <a:r>
-              <a:rPr lang="en-US" sz="1400" b="1" spc="-10" dirty="0">
+              <a:rPr lang="fr-FR" sz="1400" b="1">
                 <a:solidFill>
                   <a:srgbClr val="020302"/>
                 </a:solidFill>
                 <a:latin typeface="Adobe Clean"/>
                 <a:cs typeface="Adobe Clean"/>
               </a:rPr>
-              <a:t>Standard Support</a:t>
+              <a:t>Assistance standard</a:t>
             </a:r>
-            <a:endParaRPr lang="en-US" sz="1400" dirty="0">
-              <a:latin typeface="Adobe Clean"/>
-              <a:cs typeface="Adobe Clean"/>
-            </a:endParaRPr>
           </a:p>
         </p:txBody>
       </p:sp>
@@ -10208,8 +8981,8 @@
         </p:nvSpPr>
         <p:spPr>
           <a:xfrm>
-            <a:off x="308312" y="3141943"/>
-            <a:ext cx="1625002" cy="215444"/>
+            <a:off x="308311" y="3141943"/>
+            <a:ext cx="2663487" cy="215444"/>
           </a:xfrm>
           <a:prstGeom prst="rect">
             <a:avLst/>
@@ -10230,20 +9003,20 @@
               </a:spcAft>
             </a:pPr>
             <a:r>
-              <a:rPr lang="en-US" sz="1400" b="1" dirty="0">
-                <a:latin typeface="+mj-lt"/>
-                <a:ea typeface="Open Sans" pitchFamily="34" charset="0"/>
-                <a:cs typeface="Open Sans" pitchFamily="34" charset="0"/>
-              </a:rPr>
-              <a:t>Community </a:t>
-            </a:r>
-            <a:r>
-              <a:rPr lang="en-US" sz="1400" b="1" dirty="0">
+              <a:rPr lang="fr-FR" sz="1400" b="1" dirty="0">
                 <a:latin typeface="Adobe Clean" panose="020B0503020404020204" pitchFamily="34" charset="0"/>
                 <a:ea typeface="Open Sans" pitchFamily="34" charset="0"/>
                 <a:cs typeface="Open Sans" pitchFamily="34" charset="0"/>
               </a:rPr>
               <a:t>Forums</a:t>
+            </a:r>
+            <a:r>
+              <a:rPr lang="fr-FR" sz="1400" b="1" dirty="0">
+                <a:latin typeface="+mj-lt"/>
+                <a:ea typeface="Open Sans" pitchFamily="34" charset="0"/>
+                <a:cs typeface="Open Sans" pitchFamily="34" charset="0"/>
+              </a:rPr>
+              <a:t> de la communauté</a:t>
             </a:r>
           </a:p>
         </p:txBody>
@@ -10276,13 +9049,13 @@
           <a:lstStyle/>
           <a:p>
             <a:r>
-              <a:rPr lang="en-US" sz="1100" dirty="0">
+              <a:rPr lang="fr-FR" sz="1100">
                 <a:solidFill>
                   <a:srgbClr val="000000"/>
                 </a:solidFill>
                 <a:latin typeface="Adobe Clean Light" panose="020B0303020404020204" pitchFamily="34" charset="0"/>
               </a:rPr>
-              <a:t>Continuous online access to a growing database of technical solutions, product documentation, FAQs and more. Connect with other customers on Adobe Community to share best practices and lessons learned..</a:t>
+              <a:t>Accès en ligne permanent à une base de données croissante de solutions techniques, de documentation sur les produits, de questions fréquentes, etc. Communiquez avec d’autres clients de la communauté Adobe pour partager les bonnes pratiques et les leçons apprises.</a:t>
             </a:r>
           </a:p>
         </p:txBody>
@@ -10325,12 +9098,12 @@
               </a:spcAft>
             </a:pPr>
             <a:r>
-              <a:rPr lang="en-US" sz="1400" b="1" dirty="0">
+              <a:rPr lang="fr-FR" sz="1400" b="1">
                 <a:latin typeface="Adobe Clean" panose="020B0503020404020204" pitchFamily="34" charset="0"/>
                 <a:ea typeface="Open Sans" pitchFamily="34" charset="0"/>
                 <a:cs typeface="Open Sans" pitchFamily="34" charset="0"/>
               </a:rPr>
-              <a:t>Self-Help Portal</a:t>
+              <a:t>Portail d’aide automatique</a:t>
             </a:r>
           </a:p>
         </p:txBody>
@@ -10363,13 +9136,13 @@
           <a:lstStyle/>
           <a:p>
             <a:r>
-              <a:rPr lang="en-US" sz="1100" dirty="0">
+              <a:rPr lang="fr-FR" sz="1100">
                 <a:solidFill>
                   <a:srgbClr val="000000"/>
                 </a:solidFill>
                 <a:latin typeface="Adobe Clean Light" panose="020B0303020404020204" pitchFamily="34" charset="0"/>
               </a:rPr>
-              <a:t>On-demand access to the online self-help support portal to review case status and browse other resources like our knowledge base, news and alerts, featured tips, and more.</a:t>
+              <a:t>Accès à la demande au portail d’assistance automatique en ligne pour examiner le statut des cas et parcourir d’autres ressources, telles que notre base de connaissances, les actualités et les alertes, les conseils présentés, etc.</a:t>
             </a:r>
           </a:p>
         </p:txBody>
@@ -10412,12 +9185,12 @@
               </a:spcAft>
             </a:pPr>
             <a:r>
-              <a:rPr lang="en-US" sz="1400" b="1" dirty="0">
+              <a:rPr lang="fr-FR" sz="1400" b="1">
                 <a:latin typeface="Adobe Clean" panose="020B0503020404020204" pitchFamily="34" charset="0"/>
                 <a:ea typeface="Open Sans" pitchFamily="34" charset="0"/>
                 <a:cs typeface="Open Sans" pitchFamily="34" charset="0"/>
               </a:rPr>
-              <a:t>Chat Support</a:t>
+              <a:t>Assistance de conversation</a:t>
             </a:r>
           </a:p>
         </p:txBody>
@@ -10460,12 +9233,12 @@
               </a:spcAft>
             </a:pPr>
             <a:r>
-              <a:rPr lang="en-US" sz="1400" b="1" dirty="0">
+              <a:rPr lang="fr-FR" sz="1400" b="1">
                 <a:latin typeface="Adobe Clean" panose="020B0503020404020204" pitchFamily="34" charset="0"/>
                 <a:ea typeface="Open Sans" pitchFamily="34" charset="0"/>
                 <a:cs typeface="Open Sans" pitchFamily="34" charset="0"/>
               </a:rPr>
-              <a:t>Phone Support</a:t>
+              <a:t>Assistance téléphonique</a:t>
             </a:r>
           </a:p>
         </p:txBody>
@@ -10498,116 +9271,42 @@
           <a:lstStyle/>
           <a:p>
             <a:r>
-              <a:rPr lang="en-US" sz="1100" dirty="0">
+              <a:rPr lang="fr-FR" sz="1100">
                 <a:solidFill>
                   <a:srgbClr val="020302"/>
                 </a:solidFill>
                 <a:latin typeface="AdobeClean-Light"/>
               </a:rPr>
-              <a:t>Authorized Users (Admins) </a:t>
+              <a:t>Les utilisateurs autorisés (admin) </a:t>
             </a:r>
             <a:r>
-              <a:rPr lang="en-US" sz="1100" dirty="0">
+              <a:rPr lang="fr-FR" sz="1100">
                 <a:latin typeface="Adobe Clean Light"/>
               </a:rPr>
-              <a:t>can call Adobe Support via phone </a:t>
+              <a:t>peuvent appeler l’assistance Adobe </a:t>
             </a:r>
             <a:r>
-              <a:rPr lang="en-US" sz="1100" spc="-5" dirty="0">
+              <a:rPr lang="fr-FR" sz="1100">
                 <a:solidFill>
                   <a:srgbClr val="020302"/>
                 </a:solidFill>
                 <a:latin typeface="AdobeClean-Light"/>
                 <a:cs typeface="AdobeClean-Light"/>
               </a:rPr>
-              <a:t>to </a:t>
-            </a:r>
-            <a:r>
-              <a:rPr lang="en-US" sz="1100" spc="-10" dirty="0">
-                <a:solidFill>
-                  <a:srgbClr val="020302"/>
-                </a:solidFill>
-                <a:latin typeface="AdobeClean-Light"/>
-                <a:cs typeface="AdobeClean-Light"/>
-              </a:rPr>
-              <a:t>get </a:t>
-            </a:r>
-            <a:r>
-              <a:rPr lang="en-US" sz="1100" spc="-20" dirty="0">
-                <a:solidFill>
-                  <a:srgbClr val="020302"/>
-                </a:solidFill>
-                <a:latin typeface="AdobeClean-Light"/>
-                <a:cs typeface="AdobeClean-Light"/>
-              </a:rPr>
-              <a:t>answers</a:t>
-            </a:r>
-            <a:r>
-              <a:rPr lang="en-US" sz="1100" spc="-45" dirty="0">
-                <a:solidFill>
-                  <a:srgbClr val="020302"/>
-                </a:solidFill>
-                <a:latin typeface="AdobeClean-Light"/>
-                <a:cs typeface="AdobeClean-Light"/>
-              </a:rPr>
-              <a:t> and</a:t>
-            </a:r>
-            <a:r>
-              <a:rPr lang="en-US" sz="1100" dirty="0">
-                <a:solidFill>
-                  <a:srgbClr val="020302"/>
-                </a:solidFill>
-                <a:latin typeface="AdobeClean-Light"/>
-                <a:cs typeface="AdobeClean-Light"/>
-              </a:rPr>
-              <a:t> </a:t>
-            </a:r>
-            <a:r>
-              <a:rPr lang="en-US" sz="1100" spc="-15" dirty="0">
-                <a:solidFill>
-                  <a:srgbClr val="020302"/>
-                </a:solidFill>
-                <a:latin typeface="AdobeClean-Light"/>
-                <a:cs typeface="AdobeClean-Light"/>
-              </a:rPr>
-              <a:t>help </a:t>
-            </a:r>
-            <a:r>
-              <a:rPr lang="en-US" sz="1100" spc="-10" dirty="0">
-                <a:solidFill>
-                  <a:srgbClr val="020302"/>
-                </a:solidFill>
-                <a:latin typeface="AdobeClean-Light"/>
-                <a:cs typeface="AdobeClean-Light"/>
-              </a:rPr>
-              <a:t>with case </a:t>
-            </a:r>
-            <a:r>
-              <a:rPr lang="en-US" sz="1100" spc="-20" dirty="0">
-                <a:solidFill>
-                  <a:srgbClr val="020302"/>
-                </a:solidFill>
-                <a:latin typeface="AdobeClean-Light"/>
-                <a:cs typeface="AdobeClean-Light"/>
-              </a:rPr>
-              <a:t>submission.</a:t>
+              <a:t>pour obtenir des réponses et de l’aide lors de l’envoi des cas.</a:t>
             </a:r>
           </a:p>
           <a:p>
             <a:r>
-              <a:rPr lang="en-US" sz="1100" i="1" spc="-10" dirty="0">
+              <a:rPr lang="fr-FR" sz="1100" i="1">
                 <a:solidFill>
                   <a:srgbClr val="7A7A7A"/>
                 </a:solidFill>
                 <a:latin typeface="Adobe Clean Light" panose="020B0303020404020204" pitchFamily="34" charset="0"/>
                 <a:cs typeface="AdobeClean-LightIt"/>
               </a:rPr>
-              <a:t>Subject to local hours</a:t>
+              <a:t>Soumis aux heures locales</a:t>
             </a:r>
-            <a:endParaRPr lang="en-US" sz="1100" i="1" dirty="0">
-              <a:latin typeface="Adobe Clean Light" panose="020B0303020404020204" pitchFamily="34" charset="0"/>
-              <a:cs typeface="AdobeClean-Light"/>
-            </a:endParaRPr>
           </a:p>
         </p:txBody>
       </p:sp>
@@ -10649,12 +9348,12 @@
               </a:spcAft>
             </a:pPr>
             <a:r>
-              <a:rPr lang="en-US" sz="1400" b="1" dirty="0">
+              <a:rPr lang="fr-FR" sz="1400" b="1">
                 <a:latin typeface="Adobe Clean" panose="020B0503020404020204" pitchFamily="34" charset="0"/>
                 <a:ea typeface="Open Sans" pitchFamily="34" charset="0"/>
                 <a:cs typeface="Open Sans" pitchFamily="34" charset="0"/>
               </a:rPr>
-              <a:t>Web Case Submission</a:t>
+              <a:t>Envoi de cas en ligne</a:t>
             </a:r>
           </a:p>
         </p:txBody>
@@ -10687,26 +9386,20 @@
           <a:lstStyle/>
           <a:p>
             <a:r>
-              <a:rPr lang="en-US" sz="1100" dirty="0">
+              <a:rPr lang="fr-FR" sz="1100">
                 <a:solidFill>
                   <a:srgbClr val="020302"/>
                 </a:solidFill>
                 <a:latin typeface="AdobeClean-Light"/>
               </a:rPr>
-              <a:t>Authorized Users (Admins) </a:t>
+              <a:t>Les utilisateurs autorisés (admin) </a:t>
             </a:r>
             <a:r>
-              <a:rPr lang="en-US" sz="1100" dirty="0">
+              <a:rPr lang="fr-FR" sz="1100">
                 <a:latin typeface="Adobe Clean Light"/>
               </a:rPr>
-              <a:t>can submit unlimited web cases at any time for support issues for review by our technical support team.</a:t>
+              <a:t>peuvent envoyer un nombre illimité de cas en ligne à tout moment pour que les problèmes soient examinés par notre équipe d’assistance technique.</a:t>
             </a:r>
-            <a:endParaRPr lang="en-US" sz="1100" dirty="0">
-              <a:solidFill>
-                <a:srgbClr val="000000"/>
-              </a:solidFill>
-              <a:latin typeface="Adobe Clean Light"/>
-            </a:endParaRPr>
           </a:p>
         </p:txBody>
       </p:sp>
@@ -10923,8 +9616,8 @@
         </p:nvSpPr>
         <p:spPr>
           <a:xfrm>
-            <a:off x="137890" y="9852238"/>
-            <a:ext cx="2270125" cy="132729"/>
+            <a:off x="137890" y="9852239"/>
+            <a:ext cx="3375042" cy="132729"/>
           </a:xfrm>
           <a:prstGeom prst="rect">
             <a:avLst/>
@@ -10945,24 +9638,24 @@
               </a:spcBef>
             </a:pPr>
             <a:r>
-              <a:rPr spc="-5" dirty="0"/>
-              <a:t>©202</a:t>
+              <a:rPr lang="fr-FR" dirty="0"/>
+              <a:t>©2020 Adobe. All </a:t>
             </a:r>
             <a:r>
-              <a:rPr lang="en-US" spc="-5" dirty="0"/>
-              <a:t>2</a:t>
+              <a:rPr lang="fr-FR" dirty="0" err="1"/>
+              <a:t>Rights</a:t>
             </a:r>
             <a:r>
-              <a:rPr spc="-5" dirty="0"/>
-              <a:t> Adobe. All Rights Reserved. Adobe</a:t>
-            </a:r>
-            <a:r>
-              <a:rPr spc="60" dirty="0"/>
+              <a:rPr lang="fr-FR" dirty="0"/>
               <a:t> </a:t>
             </a:r>
             <a:r>
-              <a:rPr spc="-5" dirty="0"/>
-              <a:t>Confidential.</a:t>
+              <a:rPr lang="fr-FR" dirty="0" err="1"/>
+              <a:t>Reserved</a:t>
+            </a:r>
+            <a:r>
+              <a:rPr lang="fr-FR" dirty="0"/>
+              <a:t>. Données confidentielles Adobe</a:t>
             </a:r>
           </a:p>
         </p:txBody>
@@ -11019,49 +9712,15 @@
               </a:lnSpc>
             </a:pPr>
             <a:r>
-              <a:rPr sz="500" spc="-5" dirty="0">
+              <a:rPr lang="fr-FR" sz="500">
                 <a:solidFill>
                   <a:srgbClr val="6C6C6C"/>
                 </a:solidFill>
                 <a:latin typeface="Adobe Clean"/>
                 <a:cs typeface="Adobe Clean"/>
               </a:rPr>
-              <a:t>©2020 Adobe. All Rights Reserved. </a:t>
+              <a:t>©2020 Adobe. All Rights Reserved. Données confidentielles Adobe</a:t>
             </a:r>
-            <a:r>
-              <a:rPr sz="500" dirty="0">
-                <a:solidFill>
-                  <a:srgbClr val="6C6C6C"/>
-                </a:solidFill>
-                <a:latin typeface="Adobe Clean"/>
-                <a:cs typeface="Adobe Clean"/>
-              </a:rPr>
-              <a:t>Adobe</a:t>
-            </a:r>
-            <a:r>
-              <a:rPr sz="500" spc="5" dirty="0">
-                <a:solidFill>
-                  <a:srgbClr val="6C6C6C"/>
-                </a:solidFill>
-                <a:latin typeface="Adobe Clean"/>
-                <a:cs typeface="Adobe Clean"/>
-              </a:rPr>
-              <a:t> </a:t>
-            </a:r>
-            <a:r>
-              <a:rPr sz="500" spc="-5" dirty="0">
-                <a:solidFill>
-                  <a:srgbClr val="6C6C6C"/>
-                </a:solidFill>
-                <a:latin typeface="Adobe Clean"/>
-                <a:cs typeface="Adobe Clean"/>
-              </a:rPr>
-              <a:t>Confidential.</a:t>
-            </a:r>
-            <a:endParaRPr sz="500" dirty="0">
-              <a:latin typeface="Adobe Clean"/>
-              <a:cs typeface="Adobe Clean"/>
-            </a:endParaRPr>
           </a:p>
           <a:p>
             <a:pPr>
@@ -11087,39 +9746,15 @@
               </a:spcBef>
             </a:pPr>
             <a:r>
-              <a:rPr sz="800" spc="-5" dirty="0">
+              <a:rPr lang="fr-FR" sz="800">
                 <a:solidFill>
                   <a:srgbClr val="6D6D6D"/>
                 </a:solidFill>
                 <a:latin typeface="Adobe Clean"/>
                 <a:cs typeface="Adobe Clean"/>
               </a:rPr>
-              <a:t>©2020 Adobe. All Rights Reserved. Adobe</a:t>
+              <a:t>©2020 Adobe. All Rights Reserved. Données confidentielles Adobe</a:t>
             </a:r>
-            <a:r>
-              <a:rPr sz="800" spc="75" dirty="0">
-                <a:solidFill>
-                  <a:srgbClr val="6D6D6D"/>
-                </a:solidFill>
-                <a:latin typeface="Adobe Clean"/>
-                <a:cs typeface="Adobe Clean"/>
-              </a:rPr>
-              <a:t> </a:t>
-            </a:r>
-            <a:r>
-              <a:rPr sz="800" spc="-5" dirty="0">
-                <a:solidFill>
-                  <a:srgbClr val="6D6D6D"/>
-                </a:solidFill>
-                <a:latin typeface="Adobe Clean"/>
-                <a:cs typeface="Adobe Clean"/>
-              </a:rPr>
-              <a:t>Confidential.</a:t>
-            </a:r>
-            <a:endParaRPr sz="800" dirty="0">
-              <a:latin typeface="Adobe Clean"/>
-              <a:cs typeface="Adobe Clean"/>
-            </a:endParaRPr>
           </a:p>
         </p:txBody>
       </p:sp>
@@ -11203,19 +9838,15 @@
               </a:spcBef>
             </a:pPr>
             <a:r>
-              <a:rPr lang="en-US" sz="1400" b="1" spc="-15" dirty="0">
+              <a:rPr lang="fr-FR" sz="1400" b="1">
                 <a:solidFill>
                   <a:srgbClr val="020302"/>
                 </a:solidFill>
                 <a:latin typeface="Adobe Clean"/>
                 <a:cs typeface="Adobe Clean"/>
               </a:rPr>
-              <a:t>Resources</a:t>
+              <a:t>Ressources</a:t>
             </a:r>
-            <a:endParaRPr sz="1400" dirty="0">
-              <a:latin typeface="Adobe Clean"/>
-              <a:cs typeface="Adobe Clean"/>
-            </a:endParaRPr>
           </a:p>
         </p:txBody>
       </p:sp>
@@ -11249,7 +9880,7 @@
               </a:spcBef>
             </a:pPr>
             <a:r>
-              <a:rPr sz="800" spc="-15" dirty="0">
+              <a:rPr lang="fr-FR" sz="800">
                 <a:solidFill>
                   <a:srgbClr val="777879"/>
                 </a:solidFill>
@@ -11258,10 +9889,6 @@
               </a:rPr>
               <a:t>Adobe</a:t>
             </a:r>
-            <a:endParaRPr sz="800" dirty="0">
-              <a:latin typeface="Adobe Clean"/>
-              <a:cs typeface="Adobe Clean"/>
-            </a:endParaRPr>
           </a:p>
           <a:p>
             <a:pPr marL="12700">
@@ -11270,39 +9897,15 @@
               </a:lnSpc>
             </a:pPr>
             <a:r>
-              <a:rPr sz="800" spc="-15" dirty="0">
+              <a:rPr lang="fr-FR" sz="800">
                 <a:solidFill>
                   <a:srgbClr val="777879"/>
                 </a:solidFill>
                 <a:latin typeface="Adobe Clean"/>
                 <a:cs typeface="Adobe Clean"/>
               </a:rPr>
-              <a:t>345 Park</a:t>
+              <a:t>345 Park Avenue</a:t>
             </a:r>
-            <a:r>
-              <a:rPr sz="800" spc="-100" dirty="0">
-                <a:solidFill>
-                  <a:srgbClr val="777879"/>
-                </a:solidFill>
-                <a:latin typeface="Adobe Clean"/>
-                <a:cs typeface="Adobe Clean"/>
-              </a:rPr>
-              <a:t> </a:t>
-            </a:r>
-            <a:r>
-              <a:rPr sz="800" spc="-15" dirty="0">
-                <a:solidFill>
-                  <a:srgbClr val="777879"/>
-                </a:solidFill>
-                <a:latin typeface="Adobe Clean"/>
-                <a:cs typeface="Adobe Clean"/>
-              </a:rPr>
-              <a:t>Avenue</a:t>
-            </a:r>
-            <a:endParaRPr sz="800" dirty="0">
-              <a:latin typeface="Adobe Clean"/>
-              <a:cs typeface="Adobe Clean"/>
-            </a:endParaRPr>
           </a:p>
           <a:p>
             <a:pPr marL="12700">
@@ -11311,49 +9914,15 @@
               </a:lnSpc>
             </a:pPr>
             <a:r>
-              <a:rPr sz="800" spc="-10" dirty="0">
+              <a:rPr lang="fr-FR" sz="800">
                 <a:solidFill>
                   <a:srgbClr val="777879"/>
                 </a:solidFill>
                 <a:latin typeface="Adobe Clean"/>
                 <a:cs typeface="Adobe Clean"/>
               </a:rPr>
-              <a:t>San </a:t>
+              <a:t>San Jose, CA95110-2704</a:t>
             </a:r>
-            <a:r>
-              <a:rPr sz="800" spc="-15" dirty="0">
-                <a:solidFill>
-                  <a:srgbClr val="777879"/>
-                </a:solidFill>
-                <a:latin typeface="Adobe Clean"/>
-                <a:cs typeface="Adobe Clean"/>
-              </a:rPr>
-              <a:t>Jose,</a:t>
-            </a:r>
-            <a:r>
-              <a:rPr sz="800" spc="-140" dirty="0">
-                <a:solidFill>
-                  <a:srgbClr val="777879"/>
-                </a:solidFill>
-                <a:latin typeface="Adobe Clean"/>
-                <a:cs typeface="Adobe Clean"/>
-              </a:rPr>
-              <a:t> </a:t>
-            </a:r>
-            <a:r>
-              <a:rPr sz="800" spc="-20" dirty="0">
-                <a:solidFill>
-                  <a:srgbClr val="777879"/>
-                </a:solidFill>
-                <a:latin typeface="Adobe Clean"/>
-                <a:cs typeface="Adobe Clean"/>
-              </a:rPr>
-              <a:t>CA95110-2704</a:t>
-            </a:r>
-            <a:endParaRPr sz="800" dirty="0">
-              <a:latin typeface="Adobe Clean"/>
-              <a:cs typeface="Adobe Clean"/>
-            </a:endParaRPr>
           </a:p>
           <a:p>
             <a:pPr marL="12700">
@@ -11365,19 +9934,15 @@
               </a:spcBef>
             </a:pPr>
             <a:r>
-              <a:rPr sz="800" spc="-10" dirty="0">
+              <a:rPr lang="fr-FR" sz="800">
                 <a:solidFill>
                   <a:srgbClr val="777879"/>
                 </a:solidFill>
                 <a:latin typeface="Adobe Clean"/>
                 <a:cs typeface="Adobe Clean"/>
               </a:rPr>
-              <a:t>USA</a:t>
+              <a:t>États-Unis</a:t>
             </a:r>
-            <a:endParaRPr sz="800" dirty="0">
-              <a:latin typeface="Adobe Clean"/>
-              <a:cs typeface="Adobe Clean"/>
-            </a:endParaRPr>
           </a:p>
           <a:p>
             <a:pPr marL="12700">
@@ -11389,7 +9954,7 @@
               </a:spcBef>
             </a:pPr>
             <a:r>
-              <a:rPr sz="800" u="sng" spc="-25" dirty="0">
+              <a:rPr lang="fr-FR" sz="800" u="sng">
                 <a:solidFill>
                   <a:srgbClr val="5F5F5F"/>
                 </a:solidFill>
@@ -11402,12 +9967,8 @@
                 <a:cs typeface="Adobe Clean"/>
                 <a:hlinkClick r:id="rId3"/>
               </a:rPr>
-              <a:t>www.adobe.com</a:t>
+              <a:t>www.adobe.com/fr/</a:t>
             </a:r>
-            <a:endParaRPr sz="800">
-              <a:latin typeface="Adobe Clean"/>
-              <a:cs typeface="Adobe Clean"/>
-            </a:endParaRPr>
           </a:p>
         </p:txBody>
       </p:sp>
@@ -11582,439 +10143,15 @@
               </a:spcBef>
             </a:pPr>
             <a:r>
-              <a:rPr sz="1100" i="1" spc="-10" dirty="0">
+              <a:rPr lang="fr-FR" sz="1100" i="1">
                 <a:solidFill>
                   <a:srgbClr val="777879"/>
                 </a:solidFill>
                 <a:latin typeface="AdobeClean-LightIt"/>
                 <a:cs typeface="AdobeClean-LightIt"/>
               </a:rPr>
-              <a:t>To</a:t>
+              <a:t>Pour en apprendre plus sur les offres de l’assistance Adobe et sur le niveau qui vous convient, contactez votre gestionnaire de compte nommé (NAM) ou votre gestionnaire de Succès client (CSM).</a:t>
             </a:r>
-            <a:r>
-              <a:rPr sz="1100" i="1" spc="-50" dirty="0">
-                <a:solidFill>
-                  <a:srgbClr val="777879"/>
-                </a:solidFill>
-                <a:latin typeface="AdobeClean-LightIt"/>
-                <a:cs typeface="AdobeClean-LightIt"/>
-              </a:rPr>
-              <a:t> </a:t>
-            </a:r>
-            <a:r>
-              <a:rPr sz="1100" i="1" spc="-15" dirty="0">
-                <a:solidFill>
-                  <a:srgbClr val="777879"/>
-                </a:solidFill>
-                <a:latin typeface="AdobeClean-LightIt"/>
-                <a:cs typeface="AdobeClean-LightIt"/>
-              </a:rPr>
-              <a:t>learn</a:t>
-            </a:r>
-            <a:r>
-              <a:rPr sz="1100" i="1" spc="-40" dirty="0">
-                <a:solidFill>
-                  <a:srgbClr val="777879"/>
-                </a:solidFill>
-                <a:latin typeface="AdobeClean-LightIt"/>
-                <a:cs typeface="AdobeClean-LightIt"/>
-              </a:rPr>
-              <a:t> </a:t>
-            </a:r>
-            <a:r>
-              <a:rPr sz="1100" i="1" spc="-15" dirty="0">
-                <a:solidFill>
-                  <a:srgbClr val="777879"/>
-                </a:solidFill>
-                <a:latin typeface="AdobeClean-LightIt"/>
-                <a:cs typeface="AdobeClean-LightIt"/>
-              </a:rPr>
-              <a:t>more</a:t>
-            </a:r>
-            <a:r>
-              <a:rPr sz="1100" i="1" spc="-45" dirty="0">
-                <a:solidFill>
-                  <a:srgbClr val="777879"/>
-                </a:solidFill>
-                <a:latin typeface="AdobeClean-LightIt"/>
-                <a:cs typeface="AdobeClean-LightIt"/>
-              </a:rPr>
-              <a:t> </a:t>
-            </a:r>
-            <a:r>
-              <a:rPr sz="1100" i="1" spc="-15" dirty="0">
-                <a:solidFill>
-                  <a:srgbClr val="777879"/>
-                </a:solidFill>
-                <a:latin typeface="AdobeClean-LightIt"/>
-                <a:cs typeface="AdobeClean-LightIt"/>
-              </a:rPr>
-              <a:t>about</a:t>
-            </a:r>
-            <a:r>
-              <a:rPr sz="1100" i="1" spc="-45" dirty="0">
-                <a:solidFill>
-                  <a:srgbClr val="777879"/>
-                </a:solidFill>
-                <a:latin typeface="AdobeClean-LightIt"/>
-                <a:cs typeface="AdobeClean-LightIt"/>
-              </a:rPr>
-              <a:t> </a:t>
-            </a:r>
-            <a:r>
-              <a:rPr sz="1100" i="1" spc="-15" dirty="0">
-                <a:solidFill>
-                  <a:srgbClr val="777879"/>
-                </a:solidFill>
-                <a:latin typeface="AdobeClean-LightIt"/>
-                <a:cs typeface="AdobeClean-LightIt"/>
-              </a:rPr>
-              <a:t>Adobe</a:t>
-            </a:r>
-            <a:r>
-              <a:rPr sz="1100" i="1" spc="-60" dirty="0">
-                <a:solidFill>
-                  <a:srgbClr val="777879"/>
-                </a:solidFill>
-                <a:latin typeface="AdobeClean-LightIt"/>
-                <a:cs typeface="AdobeClean-LightIt"/>
-              </a:rPr>
-              <a:t> </a:t>
-            </a:r>
-            <a:r>
-              <a:rPr sz="1100" i="1" spc="-15" dirty="0">
-                <a:solidFill>
-                  <a:srgbClr val="777879"/>
-                </a:solidFill>
-                <a:latin typeface="AdobeClean-LightIt"/>
-                <a:cs typeface="AdobeClean-LightIt"/>
-              </a:rPr>
-              <a:t>Support</a:t>
-            </a:r>
-            <a:r>
-              <a:rPr lang="en-US" sz="1100" i="1" spc="-15" dirty="0">
-                <a:solidFill>
-                  <a:srgbClr val="777879"/>
-                </a:solidFill>
-                <a:latin typeface="AdobeClean-LightIt"/>
-                <a:cs typeface="AdobeClean-LightIt"/>
-              </a:rPr>
-              <a:t> Offerings</a:t>
-            </a:r>
-            <a:r>
-              <a:rPr sz="1100" i="1" spc="-75" dirty="0">
-                <a:solidFill>
-                  <a:srgbClr val="777879"/>
-                </a:solidFill>
-                <a:latin typeface="AdobeClean-LightIt"/>
-                <a:cs typeface="AdobeClean-LightIt"/>
-              </a:rPr>
-              <a:t> </a:t>
-            </a:r>
-            <a:r>
-              <a:rPr sz="1100" i="1" spc="-15" dirty="0">
-                <a:solidFill>
-                  <a:srgbClr val="777879"/>
-                </a:solidFill>
-                <a:latin typeface="AdobeClean-LightIt"/>
-                <a:cs typeface="AdobeClean-LightIt"/>
-              </a:rPr>
-              <a:t>and</a:t>
-            </a:r>
-            <a:r>
-              <a:rPr sz="1100" i="1" spc="-50" dirty="0">
-                <a:solidFill>
-                  <a:srgbClr val="777879"/>
-                </a:solidFill>
-                <a:latin typeface="AdobeClean-LightIt"/>
-                <a:cs typeface="AdobeClean-LightIt"/>
-              </a:rPr>
-              <a:t> </a:t>
-            </a:r>
-            <a:r>
-              <a:rPr sz="1100" i="1" spc="-15" dirty="0">
-                <a:solidFill>
-                  <a:srgbClr val="777879"/>
-                </a:solidFill>
-                <a:latin typeface="AdobeClean-LightIt"/>
-                <a:cs typeface="AdobeClean-LightIt"/>
-              </a:rPr>
-              <a:t>the</a:t>
-            </a:r>
-            <a:r>
-              <a:rPr sz="1100" i="1" spc="-55" dirty="0">
-                <a:solidFill>
-                  <a:srgbClr val="777879"/>
-                </a:solidFill>
-                <a:latin typeface="AdobeClean-LightIt"/>
-                <a:cs typeface="AdobeClean-LightIt"/>
-              </a:rPr>
-              <a:t> </a:t>
-            </a:r>
-            <a:r>
-              <a:rPr sz="1100" i="1" spc="-15" dirty="0">
-                <a:solidFill>
-                  <a:srgbClr val="777879"/>
-                </a:solidFill>
-                <a:latin typeface="AdobeClean-LightIt"/>
-                <a:cs typeface="AdobeClean-LightIt"/>
-              </a:rPr>
-              <a:t>right</a:t>
-            </a:r>
-            <a:r>
-              <a:rPr sz="1100" i="1" spc="-95" dirty="0">
-                <a:solidFill>
-                  <a:srgbClr val="777879"/>
-                </a:solidFill>
-                <a:latin typeface="AdobeClean-LightIt"/>
-                <a:cs typeface="AdobeClean-LightIt"/>
-              </a:rPr>
-              <a:t> </a:t>
-            </a:r>
-            <a:r>
-              <a:rPr sz="1100" i="1" spc="-15" dirty="0">
-                <a:solidFill>
-                  <a:srgbClr val="777879"/>
-                </a:solidFill>
-                <a:latin typeface="AdobeClean-LightIt"/>
-                <a:cs typeface="AdobeClean-LightIt"/>
-              </a:rPr>
-              <a:t>level</a:t>
-            </a:r>
-            <a:r>
-              <a:rPr sz="1100" i="1" spc="-55" dirty="0">
-                <a:solidFill>
-                  <a:srgbClr val="777879"/>
-                </a:solidFill>
-                <a:latin typeface="AdobeClean-LightIt"/>
-                <a:cs typeface="AdobeClean-LightIt"/>
-              </a:rPr>
-              <a:t> </a:t>
-            </a:r>
-            <a:r>
-              <a:rPr sz="1100" i="1" spc="-15" dirty="0">
-                <a:solidFill>
-                  <a:srgbClr val="777879"/>
-                </a:solidFill>
-                <a:latin typeface="AdobeClean-LightIt"/>
-                <a:cs typeface="AdobeClean-LightIt"/>
-              </a:rPr>
-              <a:t>for</a:t>
-            </a:r>
-            <a:r>
-              <a:rPr sz="1100" i="1" spc="-85" dirty="0">
-                <a:solidFill>
-                  <a:srgbClr val="777879"/>
-                </a:solidFill>
-                <a:latin typeface="AdobeClean-LightIt"/>
-                <a:cs typeface="AdobeClean-LightIt"/>
-              </a:rPr>
-              <a:t> </a:t>
-            </a:r>
-            <a:r>
-              <a:rPr sz="1100" i="1" spc="-15" dirty="0">
-                <a:solidFill>
-                  <a:srgbClr val="777879"/>
-                </a:solidFill>
-                <a:latin typeface="AdobeClean-LightIt"/>
-                <a:cs typeface="AdobeClean-LightIt"/>
-              </a:rPr>
-              <a:t>you,</a:t>
-            </a:r>
-            <a:r>
-              <a:rPr sz="1100" i="1" spc="-65" dirty="0">
-                <a:solidFill>
-                  <a:srgbClr val="777879"/>
-                </a:solidFill>
-                <a:latin typeface="AdobeClean-LightIt"/>
-                <a:cs typeface="AdobeClean-LightIt"/>
-              </a:rPr>
-              <a:t> </a:t>
-            </a:r>
-            <a:r>
-              <a:rPr sz="1100" i="1" spc="-15" dirty="0">
-                <a:solidFill>
-                  <a:srgbClr val="777879"/>
-                </a:solidFill>
-                <a:latin typeface="AdobeClean-LightIt"/>
-                <a:cs typeface="AdobeClean-LightIt"/>
-              </a:rPr>
-              <a:t>contact</a:t>
-            </a:r>
-            <a:r>
-              <a:rPr sz="1100" i="1" spc="-85" dirty="0">
-                <a:solidFill>
-                  <a:srgbClr val="777879"/>
-                </a:solidFill>
-                <a:latin typeface="AdobeClean-LightIt"/>
-                <a:cs typeface="AdobeClean-LightIt"/>
-              </a:rPr>
-              <a:t> </a:t>
-            </a:r>
-            <a:r>
-              <a:rPr sz="1100" i="1" spc="-15" dirty="0">
-                <a:solidFill>
-                  <a:srgbClr val="777879"/>
-                </a:solidFill>
-                <a:latin typeface="AdobeClean-LightIt"/>
-                <a:cs typeface="AdobeClean-LightIt"/>
-              </a:rPr>
-              <a:t>your</a:t>
-            </a:r>
-            <a:r>
-              <a:rPr sz="1100" i="1" spc="-70" dirty="0">
-                <a:solidFill>
-                  <a:srgbClr val="777879"/>
-                </a:solidFill>
-                <a:latin typeface="AdobeClean-LightIt"/>
-                <a:cs typeface="AdobeClean-LightIt"/>
-              </a:rPr>
-              <a:t> </a:t>
-            </a:r>
-            <a:r>
-              <a:rPr sz="1100" i="1" spc="-15" dirty="0">
-                <a:solidFill>
-                  <a:srgbClr val="777879"/>
-                </a:solidFill>
-                <a:latin typeface="AdobeClean-LightIt"/>
-                <a:cs typeface="AdobeClean-LightIt"/>
-              </a:rPr>
-              <a:t>Named</a:t>
-            </a:r>
-            <a:r>
-              <a:rPr sz="1100" i="1" spc="-55" dirty="0">
-                <a:solidFill>
-                  <a:srgbClr val="777879"/>
-                </a:solidFill>
-                <a:latin typeface="AdobeClean-LightIt"/>
-                <a:cs typeface="AdobeClean-LightIt"/>
-              </a:rPr>
-              <a:t> </a:t>
-            </a:r>
-            <a:r>
-              <a:rPr sz="1100" i="1" spc="-25" dirty="0">
-                <a:solidFill>
-                  <a:srgbClr val="777879"/>
-                </a:solidFill>
-                <a:latin typeface="AdobeClean-LightIt"/>
-                <a:cs typeface="AdobeClean-LightIt"/>
-              </a:rPr>
-              <a:t>Account</a:t>
-            </a:r>
-            <a:r>
-              <a:rPr sz="1100" i="1" spc="-120" dirty="0">
-                <a:solidFill>
-                  <a:srgbClr val="777879"/>
-                </a:solidFill>
-                <a:latin typeface="AdobeClean-LightIt"/>
-                <a:cs typeface="AdobeClean-LightIt"/>
-              </a:rPr>
-              <a:t> </a:t>
-            </a:r>
-            <a:r>
-              <a:rPr sz="1100" i="1" spc="-20" dirty="0">
-                <a:solidFill>
-                  <a:srgbClr val="777879"/>
-                </a:solidFill>
-                <a:latin typeface="AdobeClean-LightIt"/>
-                <a:cs typeface="AdobeClean-LightIt"/>
-              </a:rPr>
-              <a:t>Manager </a:t>
-            </a:r>
-            <a:r>
-              <a:rPr sz="1100" i="1" spc="-15" dirty="0">
-                <a:solidFill>
-                  <a:srgbClr val="777879"/>
-                </a:solidFill>
-                <a:latin typeface="AdobeClean-LightIt"/>
-                <a:cs typeface="AdobeClean-LightIt"/>
-              </a:rPr>
-              <a:t>(NAM) </a:t>
-            </a:r>
-            <a:r>
-              <a:rPr sz="1100" i="1" spc="-10" dirty="0">
-                <a:solidFill>
-                  <a:srgbClr val="777879"/>
-                </a:solidFill>
-                <a:latin typeface="AdobeClean-LightIt"/>
-                <a:cs typeface="AdobeClean-LightIt"/>
-              </a:rPr>
-              <a:t>or </a:t>
-            </a:r>
-            <a:r>
-              <a:rPr sz="1100" i="1" spc="-15" dirty="0">
-                <a:solidFill>
-                  <a:srgbClr val="777879"/>
-                </a:solidFill>
-                <a:latin typeface="AdobeClean-LightIt"/>
-                <a:cs typeface="AdobeClean-LightIt"/>
-              </a:rPr>
-              <a:t>Customer </a:t>
-            </a:r>
-            <a:r>
-              <a:rPr sz="1100" i="1" spc="-20" dirty="0">
-                <a:solidFill>
-                  <a:srgbClr val="777879"/>
-                </a:solidFill>
-                <a:latin typeface="AdobeClean-LightIt"/>
-                <a:cs typeface="AdobeClean-LightIt"/>
-              </a:rPr>
-              <a:t>Success</a:t>
-            </a:r>
-            <a:r>
-              <a:rPr sz="1100" i="1" spc="-180" dirty="0">
-                <a:solidFill>
-                  <a:srgbClr val="777879"/>
-                </a:solidFill>
-                <a:latin typeface="AdobeClean-LightIt"/>
-                <a:cs typeface="AdobeClean-LightIt"/>
-              </a:rPr>
-              <a:t> </a:t>
-            </a:r>
-            <a:r>
-              <a:rPr sz="1100" i="1" spc="-15" dirty="0">
-                <a:solidFill>
-                  <a:srgbClr val="777879"/>
-                </a:solidFill>
-                <a:latin typeface="AdobeClean-LightIt"/>
-                <a:cs typeface="AdobeClean-LightIt"/>
-              </a:rPr>
-              <a:t>Manager</a:t>
-            </a:r>
-            <a:r>
-              <a:rPr lang="en-US" sz="1100" i="1" spc="-15" dirty="0">
-                <a:solidFill>
-                  <a:srgbClr val="777879"/>
-                </a:solidFill>
-                <a:latin typeface="AdobeClean-LightIt"/>
-                <a:cs typeface="AdobeClean-LightIt"/>
-              </a:rPr>
-              <a:t> </a:t>
-            </a:r>
-            <a:r>
-              <a:rPr sz="1100" i="1" spc="-15" dirty="0">
-                <a:solidFill>
-                  <a:srgbClr val="777879"/>
-                </a:solidFill>
-                <a:latin typeface="AdobeClean-LightIt"/>
-                <a:cs typeface="AdobeClean-LightIt"/>
-              </a:rPr>
-              <a:t>(CSM)</a:t>
-            </a:r>
-            <a:r>
-              <a:rPr lang="en-US" sz="1100" i="1" spc="-15" dirty="0">
-                <a:solidFill>
-                  <a:srgbClr val="777879"/>
-                </a:solidFill>
-                <a:latin typeface="AdobeClean-LightIt"/>
-                <a:cs typeface="AdobeClean-LightIt"/>
-              </a:rPr>
-              <a:t>.</a:t>
-            </a:r>
-            <a:endParaRPr sz="1100" dirty="0">
-              <a:latin typeface="AdobeClean-LightIt"/>
-              <a:cs typeface="AdobeClean-LightIt"/>
-            </a:endParaRPr>
           </a:p>
           <a:p>
             <a:pPr marL="34290">
@@ -12026,59 +10163,15 @@
               </a:spcBef>
             </a:pPr>
             <a:r>
-              <a:rPr sz="800" spc="-5" dirty="0">
+              <a:rPr lang="fr-FR" sz="800">
                 <a:solidFill>
                   <a:srgbClr val="6D6D6D"/>
                 </a:solidFill>
                 <a:latin typeface="Adobe Clean"/>
                 <a:cs typeface="Adobe Clean"/>
               </a:rPr>
-              <a:t>©202</a:t>
+              <a:t>©2020 Adobe. All Rights Reserved. Données confidentielles Adobe</a:t>
             </a:r>
-            <a:r>
-              <a:rPr lang="en-US" sz="800" spc="-5" dirty="0">
-                <a:solidFill>
-                  <a:srgbClr val="6D6D6D"/>
-                </a:solidFill>
-                <a:latin typeface="Adobe Clean"/>
-                <a:cs typeface="Adobe Clean"/>
-              </a:rPr>
-              <a:t>2 </a:t>
-            </a:r>
-            <a:r>
-              <a:rPr sz="800" spc="-5" dirty="0">
-                <a:solidFill>
-                  <a:srgbClr val="6D6D6D"/>
-                </a:solidFill>
-                <a:latin typeface="Adobe Clean"/>
-                <a:cs typeface="Adobe Clean"/>
-              </a:rPr>
-              <a:t>Adobe. All Rights Reserved. Adobe</a:t>
-            </a:r>
-            <a:r>
-              <a:rPr sz="800" spc="75" dirty="0">
-                <a:solidFill>
-                  <a:srgbClr val="6D6D6D"/>
-                </a:solidFill>
-                <a:latin typeface="Adobe Clean"/>
-                <a:cs typeface="Adobe Clean"/>
-              </a:rPr>
-              <a:t> </a:t>
-            </a:r>
-            <a:r>
-              <a:rPr sz="800" spc="-5" dirty="0">
-                <a:solidFill>
-                  <a:srgbClr val="6D6D6D"/>
-                </a:solidFill>
-                <a:latin typeface="Adobe Clean"/>
-                <a:cs typeface="Adobe Clean"/>
-              </a:rPr>
-              <a:t>Confidential.</a:t>
-            </a:r>
-            <a:endParaRPr sz="800" dirty="0">
-              <a:latin typeface="Adobe Clean"/>
-              <a:cs typeface="Adobe Clean"/>
-            </a:endParaRPr>
           </a:p>
         </p:txBody>
       </p:sp>
@@ -12115,14 +10208,14 @@
               </a:spcBef>
             </a:pPr>
             <a:r>
-              <a:rPr lang="en-US" sz="1400" b="1" spc="-15" dirty="0">
+              <a:rPr lang="fr-FR" sz="1400" b="1">
                 <a:solidFill>
                   <a:srgbClr val="020302"/>
                 </a:solidFill>
                 <a:latin typeface="Adobe Clean"/>
                 <a:cs typeface="Adobe Clean"/>
               </a:rPr>
-              <a:t>Core Regional Hours Of Operation And Language Support</a:t>
+              <a:t>Heures ouvrables régionales principales et assistance linguistique</a:t>
             </a:r>
           </a:p>
           <a:p>
@@ -12132,13 +10225,13 @@
               </a:spcBef>
             </a:pPr>
             <a:r>
-              <a:rPr lang="en-US" sz="1000" spc="-15" dirty="0">
+              <a:rPr lang="fr-FR" sz="1000">
                 <a:solidFill>
                   <a:srgbClr val="1F1F1F"/>
                 </a:solidFill>
                 <a:latin typeface="AdobeClean-Light"/>
               </a:rPr>
-              <a:t>Adobe’s local business hours align to the customer’s billing region.</a:t>
+              <a:t>Les heures ouvrables locales d’Adobe s’alignent sur la région de facturation du client.</a:t>
             </a:r>
           </a:p>
         </p:txBody>
@@ -12211,16 +10304,16 @@
                     <a:p>
                       <a:pPr algn="ctr"/>
                       <a:r>
-                        <a:rPr lang="en-US" sz="1100" dirty="0">
+                        <a:rPr lang="fr-FR" sz="1100">
                           <a:solidFill>
                             <a:schemeClr val="tx1"/>
                           </a:solidFill>
                           <a:latin typeface="Adobe Clean" panose="020B0503020404020204" pitchFamily="34" charset="0"/>
                         </a:rPr>
-                        <a:t>Americas </a:t>
+                        <a:t>Amériques </a:t>
                       </a:r>
                       <a:r>
-                        <a:rPr lang="en-US" sz="1100" baseline="30000" dirty="0">
+                        <a:rPr lang="fr-FR" sz="1100" baseline="30000">
                           <a:solidFill>
                             <a:schemeClr val="tx1"/>
                           </a:solidFill>
@@ -12285,13 +10378,13 @@
                     <a:p>
                       <a:pPr algn="ctr"/>
                       <a:r>
-                        <a:rPr lang="en-US" sz="1100" dirty="0">
+                        <a:rPr lang="fr-FR" sz="1100">
                           <a:solidFill>
                             <a:schemeClr val="tx1"/>
                           </a:solidFill>
                           <a:latin typeface="Adobe Clean" panose="020B0503020404020204" pitchFamily="34" charset="0"/>
                         </a:rPr>
-                        <a:t>Europe, Middle East &amp; Africa</a:t>
+                        <a:t>Europe, Moyen-Orient et Afrique</a:t>
                       </a:r>
                     </a:p>
                   </a:txBody>
@@ -12350,13 +10443,13 @@
                     <a:p>
                       <a:pPr algn="ctr"/>
                       <a:r>
-                        <a:rPr lang="en-US" sz="1100" dirty="0">
+                        <a:rPr lang="fr-FR" sz="1100">
                           <a:solidFill>
                             <a:schemeClr val="tx1"/>
                           </a:solidFill>
                           <a:latin typeface="Adobe Clean" panose="020B0503020404020204" pitchFamily="34" charset="0"/>
                         </a:rPr>
-                        <a:t>Asia Pacific</a:t>
+                        <a:t>Asie-Pacifique</a:t>
                       </a:r>
                     </a:p>
                   </a:txBody>
@@ -12415,13 +10508,13 @@
                     <a:p>
                       <a:pPr algn="ctr"/>
                       <a:r>
-                        <a:rPr lang="en-US" sz="1100" dirty="0">
+                        <a:rPr lang="fr-FR" sz="1100">
                           <a:solidFill>
                             <a:schemeClr val="tx1"/>
                           </a:solidFill>
                           <a:latin typeface="Adobe Clean" panose="020B0503020404020204" pitchFamily="34" charset="0"/>
                         </a:rPr>
-                        <a:t>Japan </a:t>
+                        <a:t>Japon </a:t>
                       </a:r>
                     </a:p>
                   </a:txBody>
@@ -12487,7 +10580,7 @@
                     <a:p>
                       <a:pPr algn="ctr"/>
                       <a:r>
-                        <a:rPr lang="en-US" sz="1100" dirty="0">
+                        <a:rPr lang="fr-FR" sz="1100">
                           <a:solidFill>
                             <a:schemeClr val="tx1"/>
                           </a:solidFill>
@@ -12552,13 +10645,13 @@
                     <a:p>
                       <a:pPr algn="ctr"/>
                       <a:r>
-                        <a:rPr lang="en-US" sz="1100" dirty="0">
+                        <a:rPr lang="fr-FR" sz="1100">
                           <a:solidFill>
                             <a:schemeClr val="tx1"/>
                           </a:solidFill>
                           <a:latin typeface="Adobe Clean" panose="020B0503020404020204" pitchFamily="34" charset="0"/>
                         </a:rPr>
-                        <a:t>9 am – 5 pm</a:t>
+                        <a:t>9 h 00 à 17 h 00</a:t>
                       </a:r>
                     </a:p>
                   </a:txBody>
@@ -12617,13 +10710,13 @@
                     <a:p>
                       <a:pPr algn="ctr"/>
                       <a:r>
-                        <a:rPr lang="en-US" sz="1100" dirty="0">
+                        <a:rPr lang="fr-FR" sz="1100">
                           <a:solidFill>
                             <a:schemeClr val="tx1"/>
                           </a:solidFill>
                           <a:latin typeface="Adobe Clean" panose="020B0503020404020204" pitchFamily="34" charset="0"/>
                         </a:rPr>
-                        <a:t>9 am – 5 pm</a:t>
+                        <a:t>9 h 00 à 17 h 00</a:t>
                       </a:r>
                     </a:p>
                   </a:txBody>
@@ -12682,13 +10775,13 @@
                     <a:p>
                       <a:pPr algn="ctr"/>
                       <a:r>
-                        <a:rPr lang="en-US" sz="1100" dirty="0">
+                        <a:rPr lang="fr-FR" sz="1100">
                           <a:solidFill>
                             <a:schemeClr val="tx1"/>
                           </a:solidFill>
                           <a:latin typeface="Adobe Clean" panose="020B0503020404020204" pitchFamily="34" charset="0"/>
                         </a:rPr>
-                        <a:t>9 am – 5:30 pm</a:t>
+                        <a:t>9 h 00 - 17 h 30</a:t>
                       </a:r>
                     </a:p>
                   </a:txBody>
@@ -12752,7 +10845,7 @@
                     <a:bodyPr/>
                     <a:lstStyle/>
                     <a:p>
-                      <a:pPr marL="0" marR="0" lvl="0" indent="0" algn="ctr" defTabSz="914400" eaLnBrk="1" fontAlgn="auto" latinLnBrk="0" hangingPunct="1">
+                      <a:pPr marL="0" marR="0" lvl="0" indent="0" algn="l" defTabSz="914400" rtl="0" eaLnBrk="1" fontAlgn="auto" latinLnBrk="0" hangingPunct="1">
                         <a:lnSpc>
                           <a:spcPct val="100000"/>
                         </a:lnSpc>
@@ -12795,7 +10888,7 @@
                         <a:defRPr/>
                       </a:pPr>
                       <a:r>
-                        <a:rPr lang="en-US" sz="1100" baseline="30000" dirty="0">
+                        <a:rPr lang="fr-FR" sz="1100" baseline="30000">
                           <a:solidFill>
                             <a:schemeClr val="tx1"/>
                           </a:solidFill>
@@ -12804,31 +10897,17 @@
                         <a:t>1</a:t>
                       </a:r>
                       <a:r>
-                        <a:rPr lang="en-US" sz="1100" dirty="0">
+                        <a:rPr lang="fr-FR" sz="1100">
                           <a:solidFill>
                             <a:schemeClr val="tx1"/>
                           </a:solidFill>
                           <a:latin typeface="Adobe Clean" panose="020B0503020404020204" pitchFamily="34" charset="0"/>
                         </a:rPr>
-                        <a:t>Americas Language support available in English only.</a:t>
+                        <a:t> Assistance linguistique pour les Amériques en anglais uniquement.</a:t>
                       </a:r>
-                      <a:endParaRPr kumimoji="0" lang="en-US" sz="1100" b="1" i="0" u="none" strike="noStrike" kern="0" cap="none" spc="0" normalizeH="0" baseline="30000" noProof="0" dirty="0">
-                        <a:ln>
-                          <a:noFill/>
-                        </a:ln>
-                        <a:solidFill>
-                          <a:prstClr val="black"/>
-                        </a:solidFill>
-                        <a:effectLst/>
-                        <a:uLnTx/>
-                        <a:uFillTx/>
-                        <a:latin typeface="Adobe Clean" panose="020B0503020404020204" pitchFamily="34" charset="0"/>
-                        <a:ea typeface="+mn-ea"/>
-                        <a:cs typeface="+mn-cs"/>
-                      </a:endParaRPr>
-                    </a:p>
-                    <a:p>
-                      <a:pPr algn="ctr"/>
+                    </a:p>
+                    <a:p>
+                      <a:pPr algn="l" rtl="0"/>
                       <a:endParaRPr lang="en-US" sz="1100" b="1" i="0" dirty="0">
                         <a:solidFill>
                           <a:schemeClr val="tx1"/>
@@ -13176,8 +11255,8 @@
         </p:nvSpPr>
         <p:spPr>
           <a:xfrm>
-            <a:off x="2840871" y="8528519"/>
-            <a:ext cx="810895" cy="385445"/>
+            <a:off x="2590801" y="8528519"/>
+            <a:ext cx="1295399" cy="382797"/>
           </a:xfrm>
           <a:prstGeom prst="rect">
             <a:avLst/>
@@ -13189,7 +11268,7 @@
           </a:bodyPr>
           <a:lstStyle/>
           <a:p>
-            <a:pPr marL="139065" marR="5080" indent="-139065">
+            <a:pPr marL="139065" marR="5080" indent="-139065" algn="ctr">
               <a:lnSpc>
                 <a:spcPts val="1390"/>
               </a:lnSpc>
@@ -13198,129 +11277,15 @@
               </a:spcBef>
             </a:pPr>
             <a:r>
-              <a:rPr sz="1200" b="1" spc="-15" dirty="0">
+              <a:rPr lang="fr-FR" sz="1200" b="1" dirty="0">
                 <a:solidFill>
                   <a:srgbClr val="FFFFFF"/>
                 </a:solidFill>
                 <a:latin typeface="Adobe Clean"/>
                 <a:cs typeface="Adobe Clean"/>
               </a:rPr>
-              <a:t>U</a:t>
+              <a:t>Expertise incomparable</a:t>
             </a:r>
-            <a:r>
-              <a:rPr sz="1200" b="1" spc="-20" dirty="0">
-                <a:solidFill>
-                  <a:srgbClr val="FFFFFF"/>
-                </a:solidFill>
-                <a:latin typeface="Adobe Clean"/>
-                <a:cs typeface="Adobe Clean"/>
-              </a:rPr>
-              <a:t>n</a:t>
-            </a:r>
-            <a:r>
-              <a:rPr sz="1200" b="1" spc="-25" dirty="0">
-                <a:solidFill>
-                  <a:srgbClr val="FFFFFF"/>
-                </a:solidFill>
-                <a:latin typeface="Adobe Clean"/>
-                <a:cs typeface="Adobe Clean"/>
-              </a:rPr>
-              <a:t>p</a:t>
-            </a:r>
-            <a:r>
-              <a:rPr sz="1200" b="1" spc="-15" dirty="0">
-                <a:solidFill>
-                  <a:srgbClr val="FFFFFF"/>
-                </a:solidFill>
-                <a:latin typeface="Adobe Clean"/>
-                <a:cs typeface="Adobe Clean"/>
-              </a:rPr>
-              <a:t>a</a:t>
-            </a:r>
-            <a:r>
-              <a:rPr sz="1200" b="1" spc="-25" dirty="0">
-                <a:solidFill>
-                  <a:srgbClr val="FFFFFF"/>
-                </a:solidFill>
-                <a:latin typeface="Adobe Clean"/>
-                <a:cs typeface="Adobe Clean"/>
-              </a:rPr>
-              <a:t>r</a:t>
-            </a:r>
-            <a:r>
-              <a:rPr sz="1200" b="1" spc="-15" dirty="0">
-                <a:solidFill>
-                  <a:srgbClr val="FFFFFF"/>
-                </a:solidFill>
-                <a:latin typeface="Adobe Clean"/>
-                <a:cs typeface="Adobe Clean"/>
-              </a:rPr>
-              <a:t>a</a:t>
-            </a:r>
-            <a:r>
-              <a:rPr sz="1200" b="1" spc="-30" dirty="0">
-                <a:solidFill>
-                  <a:srgbClr val="FFFFFF"/>
-                </a:solidFill>
-                <a:latin typeface="Adobe Clean"/>
-                <a:cs typeface="Adobe Clean"/>
-              </a:rPr>
-              <a:t>ll</a:t>
-            </a:r>
-            <a:r>
-              <a:rPr sz="1200" b="1" spc="-25" dirty="0">
-                <a:solidFill>
-                  <a:srgbClr val="FFFFFF"/>
-                </a:solidFill>
-                <a:latin typeface="Adobe Clean"/>
-                <a:cs typeface="Adobe Clean"/>
-              </a:rPr>
-              <a:t>e</a:t>
-            </a:r>
-            <a:r>
-              <a:rPr sz="1200" b="1" spc="-30" dirty="0">
-                <a:solidFill>
-                  <a:srgbClr val="FFFFFF"/>
-                </a:solidFill>
-                <a:latin typeface="Adobe Clean"/>
-                <a:cs typeface="Adobe Clean"/>
-              </a:rPr>
-              <a:t>l</a:t>
-            </a:r>
-            <a:r>
-              <a:rPr sz="1200" b="1" spc="-25" dirty="0">
-                <a:solidFill>
-                  <a:srgbClr val="FFFFFF"/>
-                </a:solidFill>
-                <a:latin typeface="Adobe Clean"/>
-                <a:cs typeface="Adobe Clean"/>
-              </a:rPr>
-              <a:t>e</a:t>
-            </a:r>
-            <a:r>
-              <a:rPr sz="1200" b="1" dirty="0">
-                <a:solidFill>
-                  <a:srgbClr val="FFFFFF"/>
-                </a:solidFill>
-                <a:latin typeface="Adobe Clean"/>
-                <a:cs typeface="Adobe Clean"/>
-              </a:rPr>
-              <a:t>d  </a:t>
-            </a:r>
-            <a:r>
-              <a:rPr sz="1200" b="1" spc="-25" dirty="0">
-                <a:solidFill>
-                  <a:srgbClr val="FFFFFF"/>
-                </a:solidFill>
-                <a:latin typeface="Adobe Clean"/>
-                <a:cs typeface="Adobe Clean"/>
-              </a:rPr>
-              <a:t>Expertise</a:t>
-            </a:r>
-            <a:endParaRPr sz="1200" dirty="0">
-              <a:latin typeface="Adobe Clean"/>
-              <a:cs typeface="Adobe Clean"/>
-            </a:endParaRPr>
           </a:p>
         </p:txBody>
       </p:sp>
@@ -13338,8 +11303,8 @@
         </p:nvSpPr>
         <p:spPr>
           <a:xfrm>
-            <a:off x="4732495" y="8541244"/>
-            <a:ext cx="810895" cy="382797"/>
+            <a:off x="4572000" y="8541244"/>
+            <a:ext cx="982505" cy="382797"/>
           </a:xfrm>
           <a:prstGeom prst="rect">
             <a:avLst/>
@@ -13351,7 +11316,7 @@
           </a:bodyPr>
           <a:lstStyle/>
           <a:p>
-            <a:pPr marL="139065" marR="5080" indent="-139065">
+            <a:pPr marL="138113" marR="5080" indent="-23813" algn="ctr">
               <a:lnSpc>
                 <a:spcPts val="1390"/>
               </a:lnSpc>
@@ -13360,19 +11325,15 @@
               </a:spcBef>
             </a:pPr>
             <a:r>
-              <a:rPr lang="en-US" sz="1200" b="1" spc="-15" dirty="0">
+              <a:rPr lang="fr-FR" sz="1200" b="1" dirty="0">
                 <a:solidFill>
                   <a:srgbClr val="FFFFFF"/>
                 </a:solidFill>
                 <a:latin typeface="Adobe Clean"/>
                 <a:cs typeface="Adobe Clean"/>
               </a:rPr>
-              <a:t>Accelerated Support</a:t>
+              <a:t>Assistance accélérée</a:t>
             </a:r>
-            <a:endParaRPr sz="1200" dirty="0">
-              <a:latin typeface="Adobe Clean"/>
-              <a:cs typeface="Adobe Clean"/>
-            </a:endParaRPr>
           </a:p>
         </p:txBody>
       </p:sp>
@@ -13390,8 +11351,8 @@
         </p:nvSpPr>
         <p:spPr>
           <a:xfrm>
-            <a:off x="6624119" y="8543943"/>
-            <a:ext cx="510540" cy="385445"/>
+            <a:off x="6420846" y="8543943"/>
+            <a:ext cx="894354" cy="385445"/>
           </a:xfrm>
           <a:prstGeom prst="rect">
             <a:avLst/>
@@ -13403,7 +11364,7 @@
           </a:bodyPr>
           <a:lstStyle/>
           <a:p>
-            <a:pPr marL="50800" marR="5080" indent="-51435">
+            <a:pPr marL="50800" marR="5080" indent="-51435" algn="ctr">
               <a:lnSpc>
                 <a:spcPts val="1390"/>
               </a:lnSpc>
@@ -13412,109 +11373,15 @@
               </a:spcBef>
             </a:pPr>
             <a:r>
-              <a:rPr sz="1200" b="1" spc="-50" dirty="0">
+              <a:rPr lang="fr-FR" sz="1200" b="1" dirty="0">
                 <a:solidFill>
                   <a:srgbClr val="FFFFFF"/>
                 </a:solidFill>
                 <a:latin typeface="Adobe Clean"/>
                 <a:cs typeface="Adobe Clean"/>
               </a:rPr>
-              <a:t>S</a:t>
+              <a:t>Conseil stratégique</a:t>
             </a:r>
-            <a:r>
-              <a:rPr sz="1200" b="1" spc="-20" dirty="0">
-                <a:solidFill>
-                  <a:srgbClr val="FFFFFF"/>
-                </a:solidFill>
-                <a:latin typeface="Adobe Clean"/>
-                <a:cs typeface="Adobe Clean"/>
-              </a:rPr>
-              <a:t>t</a:t>
-            </a:r>
-            <a:r>
-              <a:rPr sz="1200" b="1" spc="-75" dirty="0">
-                <a:solidFill>
-                  <a:srgbClr val="FFFFFF"/>
-                </a:solidFill>
-                <a:latin typeface="Adobe Clean"/>
-                <a:cs typeface="Adobe Clean"/>
-              </a:rPr>
-              <a:t>r</a:t>
-            </a:r>
-            <a:r>
-              <a:rPr sz="1200" b="1" spc="-90" dirty="0">
-                <a:solidFill>
-                  <a:srgbClr val="FFFFFF"/>
-                </a:solidFill>
-                <a:latin typeface="Adobe Clean"/>
-                <a:cs typeface="Adobe Clean"/>
-              </a:rPr>
-              <a:t>a</a:t>
-            </a:r>
-            <a:r>
-              <a:rPr sz="1200" b="1" spc="-55" dirty="0">
-                <a:solidFill>
-                  <a:srgbClr val="FFFFFF"/>
-                </a:solidFill>
-                <a:latin typeface="Adobe Clean"/>
-                <a:cs typeface="Adobe Clean"/>
-              </a:rPr>
-              <a:t>t</a:t>
-            </a:r>
-            <a:r>
-              <a:rPr sz="1200" b="1" spc="-100" dirty="0">
-                <a:solidFill>
-                  <a:srgbClr val="FFFFFF"/>
-                </a:solidFill>
-                <a:latin typeface="Adobe Clean"/>
-                <a:cs typeface="Adobe Clean"/>
-              </a:rPr>
-              <a:t>e</a:t>
-            </a:r>
-            <a:r>
-              <a:rPr sz="1200" b="1" spc="-80" dirty="0">
-                <a:solidFill>
-                  <a:srgbClr val="FFFFFF"/>
-                </a:solidFill>
-                <a:latin typeface="Adobe Clean"/>
-                <a:cs typeface="Adobe Clean"/>
-              </a:rPr>
-              <a:t>g</a:t>
-            </a:r>
-            <a:r>
-              <a:rPr sz="1200" b="1" spc="-35" dirty="0">
-                <a:solidFill>
-                  <a:srgbClr val="FFFFFF"/>
-                </a:solidFill>
-                <a:latin typeface="Adobe Clean"/>
-                <a:cs typeface="Adobe Clean"/>
-              </a:rPr>
-              <a:t>i</a:t>
-            </a:r>
-            <a:r>
-              <a:rPr sz="1200" b="1" dirty="0">
-                <a:solidFill>
-                  <a:srgbClr val="FFFFFF"/>
-                </a:solidFill>
-                <a:latin typeface="Adobe Clean"/>
-                <a:cs typeface="Adobe Clean"/>
-              </a:rPr>
-              <a:t>c  </a:t>
-            </a:r>
-            <a:r>
-              <a:rPr sz="1200" b="1" spc="-45" dirty="0">
-                <a:solidFill>
-                  <a:srgbClr val="FFFFFF"/>
-                </a:solidFill>
-                <a:latin typeface="Adobe Clean"/>
-                <a:cs typeface="Adobe Clean"/>
-              </a:rPr>
-              <a:t>Advice</a:t>
-            </a:r>
-            <a:endParaRPr sz="1200" dirty="0">
-              <a:latin typeface="Adobe Clean"/>
-              <a:cs typeface="Adobe Clean"/>
-            </a:endParaRPr>
           </a:p>
         </p:txBody>
       </p:sp>
@@ -13657,7 +11524,7 @@
         </p:nvGraphicFramePr>
         <p:xfrm>
           <a:off x="202054" y="1222225"/>
-          <a:ext cx="7368291" cy="2473960"/>
+          <a:ext cx="7368291" cy="2956560"/>
         </p:xfrm>
         <a:graphic>
           <a:graphicData uri="http://schemas.openxmlformats.org/drawingml/2006/table">
@@ -13691,7 +11558,7 @@
                         <a:tabLst/>
                       </a:pPr>
                       <a:r>
-                        <a:rPr lang="en-US" sz="1200" b="0" strike="noStrike" dirty="0">
+                        <a:rPr lang="fr-FR" sz="1200" b="0" strike="noStrike">
                           <a:solidFill>
                             <a:srgbClr val="5F5F5F"/>
                           </a:solidFill>
@@ -13708,14 +11575,6 @@
                         </a:rPr>
                         <a:t>Experience League</a:t>
                       </a:r>
-                      <a:endParaRPr lang="en-US" sz="1200" b="0" strike="noStrike" dirty="0">
-                        <a:solidFill>
-                          <a:srgbClr val="5F5F5F"/>
-                        </a:solidFill>
-                        <a:latin typeface="Adobe Clean" panose="020B0503020404020204" pitchFamily="34" charset="0"/>
-                        <a:ea typeface="+mn-ea"/>
-                        <a:cs typeface="+mn-cs"/>
-                      </a:endParaRPr>
                     </a:p>
                   </a:txBody>
                   <a:tcPr marL="47625" marR="47625" marT="0" marB="0" anchor="ctr">
@@ -13789,7 +11648,7 @@
                         <a:defRPr/>
                       </a:pPr>
                       <a:r>
-                        <a:rPr lang="en-US" sz="1000" b="0" strike="noStrike" kern="1200" dirty="0">
+                        <a:rPr lang="fr-FR" sz="1000" b="0" strike="noStrike">
                           <a:solidFill>
                             <a:schemeClr val="tx1"/>
                           </a:solidFill>
@@ -13797,7 +11656,7 @@
                           <a:ea typeface="+mn-ea"/>
                           <a:cs typeface="+mn-cs"/>
                         </a:rPr>
-                        <a:t>Experience League is a place where Adobe customers can find self-help tutorials, product documentation, instructor-led training, community and support for select Adobe Creative Cloud and Document products.</a:t>
+                        <a:t>Experience League est un endroit où les clients Adobe peuvent trouver des tutoriels automatiques, de la documentation sur les produits, une formation dispensée par un instructeur, une communauté et une assistance technique pour les produits Creative Cloud et Document sélectionnés.</a:t>
                       </a:r>
                     </a:p>
                   </a:txBody>
@@ -13879,11 +11738,10 @@
                         <a:defRPr/>
                       </a:pPr>
                       <a:r>
-                        <a:rPr lang="en-US" sz="1200" strike="noStrike" dirty="0">
+                        <a:rPr lang="fr-FR" sz="1200" strike="noStrike">
                           <a:solidFill>
                             <a:srgbClr val="5F5F5F"/>
                           </a:solidFill>
-                          <a:effectLst/>
                           <a:latin typeface="Adobe Clean" panose="020B0503020404020204" pitchFamily="34" charset="0"/>
                           <a:ea typeface="+mn-ea"/>
                           <a:cs typeface="+mn-cs"/>
@@ -13895,17 +11753,8 @@
                             </a:extLst>
                           </a:hlinkClick>
                         </a:rPr>
-                        <a:t>Adobe Support Community </a:t>
+                        <a:t>Communauté d’assistance Adobe </a:t>
                       </a:r>
-                      <a:endParaRPr lang="en-US" sz="1200" strike="noStrike" dirty="0">
-                        <a:solidFill>
-                          <a:srgbClr val="5F5F5F"/>
-                        </a:solidFill>
-                        <a:effectLst/>
-                        <a:latin typeface="Adobe Clean" panose="020B0503020404020204" pitchFamily="34" charset="0"/>
-                        <a:ea typeface="+mn-ea"/>
-                        <a:cs typeface="+mn-cs"/>
-                      </a:endParaRPr>
                     </a:p>
                   </a:txBody>
                   <a:tcPr anchor="ctr">
@@ -13979,7 +11828,7 @@
                         <a:defRPr/>
                       </a:pPr>
                       <a:r>
-                        <a:rPr lang="en-US" sz="1000" strike="noStrike" kern="1200" dirty="0">
+                        <a:rPr lang="fr-FR" sz="1000" strike="noStrike">
                           <a:solidFill>
                             <a:schemeClr val="tx1"/>
                           </a:solidFill>
@@ -13987,19 +11836,8 @@
                           <a:ea typeface="+mn-ea"/>
                           <a:cs typeface="+mn-cs"/>
                         </a:rPr>
-                        <a:t>The Adobe Support Community is the place to ask questions, find answers, learn from experts and share your knowledge.</a:t>
+                        <a:t>La communauté d’assistance Adobe est l’endroit où poser des questions, trouver des réponses, apprendre des experts et partager vos connaissances.</a:t>
                       </a:r>
-                      <a:endParaRPr lang="en-US" sz="1000" strike="noStrike" kern="1200" dirty="0">
-                        <a:solidFill>
-                          <a:schemeClr val="tx1"/>
-                        </a:solidFill>
-                        <a:highlight>
-                          <a:srgbClr val="FFFF00"/>
-                        </a:highlight>
-                        <a:latin typeface="Adobe Clean Light" panose="020B0303020404020204" pitchFamily="34" charset="0"/>
-                        <a:ea typeface="+mn-ea"/>
-                        <a:cs typeface="+mn-cs"/>
-                      </a:endParaRPr>
                     </a:p>
                   </a:txBody>
                   <a:tcPr anchor="ctr">
@@ -14080,11 +11918,10 @@
                         <a:defRPr/>
                       </a:pPr>
                       <a:r>
-                        <a:rPr lang="en-US" sz="1200" dirty="0">
+                        <a:rPr lang="fr-FR" sz="1200">
                           <a:solidFill>
                             <a:srgbClr val="5F5F5F"/>
                           </a:solidFill>
-                          <a:effectLst/>
                           <a:latin typeface="Adobe Clean" panose="020B0503020404020204" pitchFamily="34" charset="0"/>
                           <a:ea typeface="+mn-ea"/>
                           <a:cs typeface="+mn-cs"/>
@@ -14096,17 +11933,8 @@
                             </a:extLst>
                           </a:hlinkClick>
                         </a:rPr>
-                        <a:t>Production Issues &amp; System Outages</a:t>
+                        <a:t>Problèmes de production et panne du système</a:t>
                       </a:r>
-                      <a:endParaRPr lang="en-US" sz="1200" dirty="0">
-                        <a:solidFill>
-                          <a:srgbClr val="5F5F5F"/>
-                        </a:solidFill>
-                        <a:effectLst/>
-                        <a:latin typeface="Adobe Clean" panose="020B0503020404020204" pitchFamily="34" charset="0"/>
-                        <a:ea typeface="+mn-ea"/>
-                        <a:cs typeface="+mn-cs"/>
-                      </a:endParaRPr>
                     </a:p>
                   </a:txBody>
                   <a:tcPr anchor="ctr">
@@ -14180,7 +12008,7 @@
                         <a:defRPr/>
                       </a:pPr>
                       <a:r>
-                        <a:rPr lang="en-US" sz="1000" kern="1200" dirty="0">
+                        <a:rPr lang="fr-FR" sz="1000">
                           <a:solidFill>
                             <a:schemeClr val="tx1"/>
                           </a:solidFill>
@@ -14188,7 +12016,7 @@
                           <a:ea typeface="+mn-ea"/>
                           <a:cs typeface="+mn-cs"/>
                         </a:rPr>
-                        <a:t>Status.adobe.com conveys the health information of all Adobe products and services that are deployed in multi-tenant environments. Customers can choose their subscription preferences to get email notifications whenever Adobe creates, updates or resolves a product event. This can include scheduled maintenance or service issues of varying levels of severity. </a:t>
+                        <a:t>Status.adobe.com transmet les informations d’intégrité de tous les produits et services d’Adobe déployés dans des environnements multi-entité. Les clients peuvent choisir leurs préférences d’abonnement afin de recevoir des notifications par e-mail chaque fois qu’Adobe crée, met à jour ou résout un événement de produit. Cet événement peut inclure des problèmes de maintenance planifiée ou de service présentant différents niveaux de gravité. </a:t>
                       </a:r>
                     </a:p>
                   </a:txBody>
@@ -14270,11 +12098,10 @@
                         <a:defRPr/>
                       </a:pPr>
                       <a:r>
-                        <a:rPr lang="en-US" sz="1200" dirty="0">
+                        <a:rPr lang="fr-FR" sz="1200">
                           <a:solidFill>
                             <a:srgbClr val="5F5F5F"/>
                           </a:solidFill>
-                          <a:effectLst/>
                           <a:latin typeface="Adobe Clean" panose="020B0503020404020204" pitchFamily="34" charset="0"/>
                           <a:ea typeface="+mn-ea"/>
                           <a:cs typeface="+mn-cs"/>
@@ -14286,17 +12113,8 @@
                             </a:extLst>
                           </a:hlinkClick>
                         </a:rPr>
-                        <a:t>Terms and Conditions</a:t>
+                        <a:t>Termes et conditions</a:t>
                       </a:r>
-                      <a:endParaRPr lang="en-US" sz="1200" dirty="0">
-                        <a:solidFill>
-                          <a:srgbClr val="5F5F5F"/>
-                        </a:solidFill>
-                        <a:effectLst/>
-                        <a:latin typeface="Adobe Clean" panose="020B0503020404020204" pitchFamily="34" charset="0"/>
-                        <a:ea typeface="+mn-ea"/>
-                        <a:cs typeface="+mn-cs"/>
-                      </a:endParaRPr>
                     </a:p>
                   </a:txBody>
                   <a:tcPr anchor="ctr">
@@ -14353,7 +12171,7 @@
                     <a:lstStyle/>
                     <a:p>
                       <a:r>
-                        <a:rPr lang="en-US" sz="1000" kern="1200" dirty="0">
+                        <a:rPr lang="fr-FR" sz="1000">
                           <a:solidFill>
                             <a:schemeClr val="tx1"/>
                           </a:solidFill>
@@ -14361,7 +12179,7 @@
                           <a:ea typeface="+mn-ea"/>
                           <a:cs typeface="+mn-cs"/>
                         </a:rPr>
-                        <a:t>Terms and conditions detailing Support Services offerings.</a:t>
+                        <a:t>Il s’agit des termes et conditions détaillant les offres des services d’assistance.</a:t>
                       </a:r>
                     </a:p>
                   </a:txBody>
@@ -14436,9 +12254,9 @@
           <p:nvPr/>
         </p:nvSpPr>
         <p:spPr>
-          <a:xfrm>
-            <a:off x="194237" y="914400"/>
-            <a:ext cx="777240" cy="0"/>
+          <a:xfrm flipV="1">
+            <a:off x="194237" y="868680"/>
+            <a:ext cx="872564" cy="45719"/>
           </a:xfrm>
           <a:custGeom>
             <a:avLst/>
@@ -15063,9 +12881,12 @@
 </file>
 
 <file path=customXml/item1.xml><?xml version="1.0" encoding="utf-8"?>
-<p:properties xmlns:p="http://schemas.microsoft.com/office/2006/metadata/properties" xmlns:xsi="http://www.w3.org/2001/XMLSchema-instance" xmlns:pc="http://schemas.microsoft.com/office/infopath/2007/PartnerControls">
-  <documentManagement/>
-</p:properties>
+<?mso-contentType ?>
+<FormTemplates xmlns="http://schemas.microsoft.com/sharepoint/v3/contenttype/forms">
+  <Display>DocumentLibraryForm</Display>
+  <Edit>DocumentLibraryForm</Edit>
+  <New>DocumentLibraryForm</New>
+</FormTemplates>
 </file>
 
 <file path=customXml/item2.xml><?xml version="1.0" encoding="utf-8"?>
@@ -15286,27 +13107,15 @@
 </file>
 
 <file path=customXml/item3.xml><?xml version="1.0" encoding="utf-8"?>
-<?mso-contentType ?>
-<FormTemplates xmlns="http://schemas.microsoft.com/sharepoint/v3/contenttype/forms">
-  <Display>DocumentLibraryForm</Display>
-  <Edit>DocumentLibraryForm</Edit>
-  <New>DocumentLibraryForm</New>
-</FormTemplates>
+<p:properties xmlns:p="http://schemas.microsoft.com/office/2006/metadata/properties" xmlns:xsi="http://www.w3.org/2001/XMLSchema-instance" xmlns:pc="http://schemas.microsoft.com/office/infopath/2007/PartnerControls">
+  <documentManagement/>
+</p:properties>
 </file>
 
 <file path=customXml/itemProps1.xml><?xml version="1.0" encoding="utf-8"?>
-<ds:datastoreItem xmlns:ds="http://schemas.openxmlformats.org/officeDocument/2006/customXml" ds:itemID="{8D12BD98-169B-4BEE-86DF-4C9641DF23C4}">
+<ds:datastoreItem xmlns:ds="http://schemas.openxmlformats.org/officeDocument/2006/customXml" ds:itemID="{AC92E7FA-19A2-4675-9C77-2C92D8A268D1}">
   <ds:schemaRefs>
-    <ds:schemaRef ds:uri="01e63850-2818-4a9f-a0cd-2d4201ad5cd5"/>
-    <ds:schemaRef ds:uri="http://schemas.microsoft.com/office/2006/documentManagement/types"/>
-    <ds:schemaRef ds:uri="http://purl.org/dc/elements/1.1/"/>
-    <ds:schemaRef ds:uri="http://purl.org/dc/terms/"/>
-    <ds:schemaRef ds:uri="http://schemas.microsoft.com/office/infopath/2007/PartnerControls"/>
-    <ds:schemaRef ds:uri="http://schemas.microsoft.com/office/2006/metadata/properties"/>
-    <ds:schemaRef ds:uri="http://schemas.openxmlformats.org/package/2006/metadata/core-properties"/>
-    <ds:schemaRef ds:uri="281057cd-4f7e-4aa3-94a7-05201549cd15"/>
-    <ds:schemaRef ds:uri="http://www.w3.org/XML/1998/namespace"/>
-    <ds:schemaRef ds:uri="http://purl.org/dc/dcmitype/"/>
+    <ds:schemaRef ds:uri="http://schemas.microsoft.com/sharepoint/v3/contenttype/forms"/>
   </ds:schemaRefs>
 </ds:datastoreItem>
 </file>
@@ -15331,9 +13140,18 @@
 </file>
 
 <file path=customXml/itemProps3.xml><?xml version="1.0" encoding="utf-8"?>
-<ds:datastoreItem xmlns:ds="http://schemas.openxmlformats.org/officeDocument/2006/customXml" ds:itemID="{AC92E7FA-19A2-4675-9C77-2C92D8A268D1}">
+<ds:datastoreItem xmlns:ds="http://schemas.openxmlformats.org/officeDocument/2006/customXml" ds:itemID="{8D12BD98-169B-4BEE-86DF-4C9641DF23C4}">
   <ds:schemaRefs>
-    <ds:schemaRef ds:uri="http://schemas.microsoft.com/sharepoint/v3/contenttype/forms"/>
+    <ds:schemaRef ds:uri="01e63850-2818-4a9f-a0cd-2d4201ad5cd5"/>
+    <ds:schemaRef ds:uri="http://schemas.microsoft.com/office/2006/documentManagement/types"/>
+    <ds:schemaRef ds:uri="http://purl.org/dc/elements/1.1/"/>
+    <ds:schemaRef ds:uri="http://purl.org/dc/terms/"/>
+    <ds:schemaRef ds:uri="http://schemas.microsoft.com/office/infopath/2007/PartnerControls"/>
+    <ds:schemaRef ds:uri="http://schemas.microsoft.com/office/2006/metadata/properties"/>
+    <ds:schemaRef ds:uri="http://schemas.openxmlformats.org/package/2006/metadata/core-properties"/>
+    <ds:schemaRef ds:uri="281057cd-4f7e-4aa3-94a7-05201549cd15"/>
+    <ds:schemaRef ds:uri="http://www.w3.org/XML/1998/namespace"/>
+    <ds:schemaRef ds:uri="http://purl.org/dc/dcmitype/"/>
   </ds:schemaRefs>
 </ds:datastoreItem>
 </file>